--- a/reseach_question_presentation_template.pptx
+++ b/reseach_question_presentation_template.pptx
@@ -4769,54 +4769,6 @@
       </p:grpSpPr>
       <p:sp>
         <p:nvSpPr>
-          <p:cNvPr id="2" name="Title 1">
-            <a:extLst>
-              <a:ext uri="{FF2B5EF4-FFF2-40B4-BE49-F238E27FC236}">
-                <a16:creationId xmlns:a16="http://schemas.microsoft.com/office/drawing/2014/main" id="{3440AEE4-CC66-FE42-B0C3-2CC7AFD37D1C}"/>
-              </a:ext>
-            </a:extLst>
-          </p:cNvPr>
-          <p:cNvSpPr>
-            <a:spLocks noGrp="1"/>
-          </p:cNvSpPr>
-          <p:nvPr>
-            <p:ph type="ctrTitle"/>
-          </p:nvPr>
-        </p:nvSpPr>
-        <p:spPr/>
-        <p:txBody>
-          <a:bodyPr>
-            <a:normAutofit fontScale="90000"/>
-          </a:bodyPr>
-          <a:lstStyle/>
-          <a:p>
-            <a:r>
-              <a:rPr lang="en-US" dirty="0"/>
-              <a:t>Research Question – </a:t>
-            </a:r>
-            <a:br>
-              <a:rPr lang="en-US" dirty="0"/>
-            </a:br>
-            <a:r>
-              <a:rPr lang="en-US" sz="4000" dirty="0"/>
-              <a:t>Tutorial Presentation for Feedback</a:t>
-            </a:r>
-            <a:br>
-              <a:rPr lang="en-US" sz="4000" dirty="0"/>
-            </a:br>
-            <a:r>
-              <a:rPr lang="en-US" sz="2000" dirty="0"/>
-              <a:t>Date:  22/11/2024</a:t>
-            </a:r>
-            <a:br>
-              <a:rPr lang="en-US" sz="8000" dirty="0"/>
-            </a:br>
-            <a:endParaRPr lang="en-US" dirty="0"/>
-          </a:p>
-        </p:txBody>
-      </p:sp>
-      <p:sp>
-        <p:nvSpPr>
           <p:cNvPr id="3" name="Subtitle 2">
             <a:extLst>
               <a:ext uri="{FF2B5EF4-FFF2-40B4-BE49-F238E27FC236}">
@@ -4866,8 +4818,8 @@
         </p:nvSpPr>
         <p:spPr>
           <a:xfrm>
-            <a:off x="965289" y="274320"/>
-            <a:ext cx="3744363" cy="736245"/>
+            <a:off x="954001" y="323793"/>
+            <a:ext cx="4822452" cy="488392"/>
           </a:xfrm>
         </p:spPr>
         <p:txBody>
@@ -4875,8 +4827,14 @@
           <a:lstStyle/>
           <a:p>
             <a:r>
+              <a:rPr lang="en-GB" sz="1400" dirty="0"/>
+              <a:t>7COM1079-2024  Student Group No: A169</a:t>
+            </a:r>
+          </a:p>
+          <a:p>
+            <a:r>
               <a:rPr lang="en-GB" dirty="0"/>
-              <a:t>7COM1079-2024  Student Group No: A169</a:t>
+              <a:t>	             	             </a:t>
             </a:r>
           </a:p>
         </p:txBody>
@@ -5083,6 +5041,144 @@
                 <a:schemeClr val="bg2"/>
               </a:solidFill>
             </a:endParaRPr>
+          </a:p>
+        </p:txBody>
+      </p:sp>
+      <p:sp>
+        <p:nvSpPr>
+          <p:cNvPr id="10" name="TextBox 9">
+            <a:extLst>
+              <a:ext uri="{FF2B5EF4-FFF2-40B4-BE49-F238E27FC236}">
+                <a16:creationId xmlns:a16="http://schemas.microsoft.com/office/drawing/2014/main" id="{800B0757-0D26-E67B-533C-745441FF45F7}"/>
+              </a:ext>
+            </a:extLst>
+          </p:cNvPr>
+          <p:cNvSpPr txBox="1"/>
+          <p:nvPr/>
+        </p:nvSpPr>
+        <p:spPr>
+          <a:xfrm>
+            <a:off x="857134" y="2587833"/>
+            <a:ext cx="9763433" cy="892552"/>
+          </a:xfrm>
+          <a:prstGeom prst="rect">
+            <a:avLst/>
+          </a:prstGeom>
+          <a:noFill/>
+        </p:spPr>
+        <p:txBody>
+          <a:bodyPr wrap="square" rtlCol="0">
+            <a:spAutoFit/>
+          </a:bodyPr>
+          <a:lstStyle/>
+          <a:p>
+            <a:r>
+              <a:rPr lang="en-US" sz="2800" b="1" dirty="0">
+                <a:solidFill>
+                  <a:schemeClr val="bg2"/>
+                </a:solidFill>
+              </a:rPr>
+              <a:t>Research question</a:t>
+            </a:r>
+            <a:r>
+              <a:rPr lang="en-US" sz="2800" dirty="0">
+                <a:solidFill>
+                  <a:schemeClr val="bg2"/>
+                </a:solidFill>
+              </a:rPr>
+              <a:t>: </a:t>
+            </a:r>
+            <a:r>
+              <a:rPr lang="en-US" sz="2400" dirty="0">
+                <a:solidFill>
+                  <a:schemeClr val="bg2"/>
+                </a:solidFill>
+              </a:rPr>
+              <a:t>Is there a correlation between a movie's duration and its average votes on IMDb?</a:t>
+            </a:r>
+          </a:p>
+        </p:txBody>
+      </p:sp>
+      <p:sp>
+        <p:nvSpPr>
+          <p:cNvPr id="11" name="TextBox 10">
+            <a:extLst>
+              <a:ext uri="{FF2B5EF4-FFF2-40B4-BE49-F238E27FC236}">
+                <a16:creationId xmlns:a16="http://schemas.microsoft.com/office/drawing/2014/main" id="{E4A7F0B2-31E4-AEBF-6E7D-963C31875B5F}"/>
+              </a:ext>
+            </a:extLst>
+          </p:cNvPr>
+          <p:cNvSpPr txBox="1"/>
+          <p:nvPr/>
+        </p:nvSpPr>
+        <p:spPr>
+          <a:xfrm>
+            <a:off x="857134" y="3818216"/>
+            <a:ext cx="9448800" cy="369332"/>
+          </a:xfrm>
+          <a:prstGeom prst="rect">
+            <a:avLst/>
+          </a:prstGeom>
+          <a:noFill/>
+        </p:spPr>
+        <p:txBody>
+          <a:bodyPr wrap="square" rtlCol="0">
+            <a:spAutoFit/>
+          </a:bodyPr>
+          <a:lstStyle/>
+          <a:p>
+            <a:r>
+              <a:rPr lang="en-US" sz="1800" dirty="0">
+                <a:solidFill>
+                  <a:schemeClr val="bg2"/>
+                </a:solidFill>
+              </a:rPr>
+              <a:t>Tutorial Presentation for Feedback</a:t>
+            </a:r>
+            <a:endParaRPr lang="en-US" dirty="0">
+              <a:solidFill>
+                <a:schemeClr val="bg2"/>
+              </a:solidFill>
+            </a:endParaRPr>
+          </a:p>
+        </p:txBody>
+      </p:sp>
+      <p:sp>
+        <p:nvSpPr>
+          <p:cNvPr id="12" name="TextBox 11">
+            <a:extLst>
+              <a:ext uri="{FF2B5EF4-FFF2-40B4-BE49-F238E27FC236}">
+                <a16:creationId xmlns:a16="http://schemas.microsoft.com/office/drawing/2014/main" id="{51B227C4-38E9-D931-BC58-C79E9CF94F81}"/>
+              </a:ext>
+            </a:extLst>
+          </p:cNvPr>
+          <p:cNvSpPr txBox="1"/>
+          <p:nvPr/>
+        </p:nvSpPr>
+        <p:spPr>
+          <a:xfrm>
+            <a:off x="954001" y="4578834"/>
+            <a:ext cx="2495666" cy="369332"/>
+          </a:xfrm>
+          <a:prstGeom prst="rect">
+            <a:avLst/>
+          </a:prstGeom>
+          <a:noFill/>
+        </p:spPr>
+        <p:txBody>
+          <a:bodyPr wrap="square" rtlCol="0">
+            <a:spAutoFit/>
+          </a:bodyPr>
+          <a:lstStyle/>
+          <a:p>
+            <a:r>
+              <a:rPr lang="en-US" dirty="0">
+                <a:solidFill>
+                  <a:schemeClr val="bg2"/>
+                </a:solidFill>
+              </a:rPr>
+              <a:t>Date: 22/11/2024</a:t>
+            </a:r>
           </a:p>
         </p:txBody>
       </p:sp>
@@ -5102,6 +5198,14 @@
 <file path=ppt/slides/slide2.xml><?xml version="1.0" encoding="utf-8"?>
 <p:sld xmlns:a="http://schemas.openxmlformats.org/drawingml/2006/main" xmlns:r="http://schemas.openxmlformats.org/officeDocument/2006/relationships" xmlns:p="http://schemas.openxmlformats.org/presentationml/2006/main">
   <p:cSld>
+    <p:bg>
+      <p:bgPr>
+        <a:solidFill>
+          <a:schemeClr val="bg1"/>
+        </a:solidFill>
+        <a:effectLst/>
+      </p:bgPr>
+    </p:bg>
     <p:spTree>
       <p:nvGrpSpPr>
         <p:cNvPr id="1" name=""/>
@@ -5116,122 +5220,178 @@
           <a:chExt cx="0" cy="0"/>
         </a:xfrm>
       </p:grpSpPr>
-      <p:sp>
-        <p:nvSpPr>
-          <p:cNvPr id="2" name="Subtitle 1">
-            <a:extLst>
-              <a:ext uri="{FF2B5EF4-FFF2-40B4-BE49-F238E27FC236}">
-                <a16:creationId xmlns:a16="http://schemas.microsoft.com/office/drawing/2014/main" id="{6EDF47CE-5D5A-6104-A73A-4C8E09C48DA4}"/>
-              </a:ext>
-            </a:extLst>
-          </p:cNvPr>
-          <p:cNvSpPr>
-            <a:spLocks noGrp="1"/>
-          </p:cNvSpPr>
-          <p:nvPr>
-            <p:ph type="subTitle" idx="1"/>
-          </p:nvPr>
-        </p:nvSpPr>
+      <p:pic>
+        <p:nvPicPr>
+          <p:cNvPr id="6" name="Picture 5">
+            <a:extLst>
+              <a:ext uri="{FF2B5EF4-FFF2-40B4-BE49-F238E27FC236}">
+                <a16:creationId xmlns:a16="http://schemas.microsoft.com/office/drawing/2014/main" id="{5BBACEC4-9B8B-77FD-06F4-BCDA587D8E81}"/>
+              </a:ext>
+            </a:extLst>
+          </p:cNvPr>
+          <p:cNvPicPr>
+            <a:picLocks noChangeAspect="1"/>
+          </p:cNvPicPr>
+          <p:nvPr/>
+        </p:nvPicPr>
+        <p:blipFill>
+          <a:blip r:embed="rId2"/>
+          <a:stretch>
+            <a:fillRect/>
+          </a:stretch>
+        </p:blipFill>
         <p:spPr>
           <a:xfrm>
-            <a:off x="954000" y="2019168"/>
-            <a:ext cx="9769418" cy="230832"/>
+            <a:off x="643467" y="882412"/>
+            <a:ext cx="10905066" cy="3598670"/>
+          </a:xfrm>
+          <a:prstGeom prst="rect">
+            <a:avLst/>
+          </a:prstGeom>
+        </p:spPr>
+      </p:pic>
+      <p:sp>
+        <p:nvSpPr>
+          <p:cNvPr id="3" name="Footer Placeholder 2">
+            <a:extLst>
+              <a:ext uri="{FF2B5EF4-FFF2-40B4-BE49-F238E27FC236}">
+                <a16:creationId xmlns:a16="http://schemas.microsoft.com/office/drawing/2014/main" id="{E6EB5BD4-BD08-7B73-D9D9-2582DDE1B3D9}"/>
+              </a:ext>
+            </a:extLst>
+          </p:cNvPr>
+          <p:cNvSpPr>
+            <a:spLocks noGrp="1"/>
+          </p:cNvSpPr>
+          <p:nvPr>
+            <p:ph type="ftr" sz="quarter" idx="11"/>
+          </p:nvPr>
+        </p:nvSpPr>
+        <p:spPr>
+          <a:xfrm>
+            <a:off x="4038600" y="6356350"/>
+            <a:ext cx="4114800" cy="365125"/>
           </a:xfrm>
         </p:spPr>
         <p:txBody>
-          <a:bodyPr/>
+          <a:bodyPr vert="horz" lIns="91440" tIns="45720" rIns="91440" bIns="45720" rtlCol="0" anchor="ctr">
+            <a:normAutofit/>
+          </a:bodyPr>
           <a:lstStyle/>
           <a:p>
-            <a:r>
-              <a:rPr lang="en-GB" dirty="0"/>
-              <a:t>Include a snippet of your dataset, to include </a:t>
-            </a:r>
-          </a:p>
-          <a:p>
-            <a:pPr marL="742950" indent="-742950">
-              <a:buAutoNum type="arabicPeriod"/>
+            <a:pPr algn="ctr">
+              <a:lnSpc>
+                <a:spcPct val="90000"/>
+              </a:lnSpc>
+              <a:spcAft>
+                <a:spcPts val="600"/>
+              </a:spcAft>
             </a:pPr>
             <a:r>
-              <a:rPr lang="en-GB" dirty="0"/>
-              <a:t>The columns/variables you are using in your research question</a:t>
-            </a:r>
-          </a:p>
-          <a:p>
-            <a:pPr marL="742950" indent="-742950">
-              <a:buAutoNum type="arabicPeriod"/>
+              <a:rPr lang="en-US" sz="900" kern="1200">
+                <a:solidFill>
+                  <a:schemeClr val="tx1">
+                    <a:tint val="75000"/>
+                  </a:schemeClr>
+                </a:solidFill>
+                <a:latin typeface="+mn-lt"/>
+                <a:ea typeface="+mn-ea"/>
+                <a:cs typeface="+mn-cs"/>
+              </a:rPr>
+              <a:t>Analyzing the Correlation Between Movie Duration and IMDb Average Votes</a:t>
+            </a:r>
+          </a:p>
+        </p:txBody>
+      </p:sp>
+      <p:sp>
+        <p:nvSpPr>
+          <p:cNvPr id="4" name="Slide Number Placeholder 3">
+            <a:extLst>
+              <a:ext uri="{FF2B5EF4-FFF2-40B4-BE49-F238E27FC236}">
+                <a16:creationId xmlns:a16="http://schemas.microsoft.com/office/drawing/2014/main" id="{D1098E3C-BAB5-8478-26BA-5CDF4FAEFC64}"/>
+              </a:ext>
+            </a:extLst>
+          </p:cNvPr>
+          <p:cNvSpPr>
+            <a:spLocks noGrp="1"/>
+          </p:cNvSpPr>
+          <p:nvPr>
+            <p:ph type="sldNum" sz="quarter" idx="12"/>
+          </p:nvPr>
+        </p:nvSpPr>
+        <p:spPr>
+          <a:xfrm>
+            <a:off x="8610600" y="6356350"/>
+            <a:ext cx="2743200" cy="365125"/>
+          </a:xfrm>
+        </p:spPr>
+        <p:txBody>
+          <a:bodyPr vert="horz" lIns="91440" tIns="45720" rIns="91440" bIns="45720" rtlCol="0" anchor="ctr">
+            <a:normAutofit/>
+          </a:bodyPr>
+          <a:lstStyle/>
+          <a:p>
+            <a:pPr>
+              <a:spcAft>
+                <a:spcPts val="600"/>
+              </a:spcAft>
             </a:pPr>
-            <a:r>
-              <a:rPr lang="en-GB" dirty="0"/>
-              <a:t>At least 5 rows of the data</a:t>
-            </a:r>
-          </a:p>
-          <a:p>
-            <a:pPr marL="742950" indent="-742950">
-              <a:buAutoNum type="arabicPeriod"/>
-            </a:pPr>
-            <a:r>
-              <a:rPr lang="en-GB" dirty="0"/>
-              <a:t>Tell us how many rows your dataset has.</a:t>
-            </a:r>
-          </a:p>
-        </p:txBody>
-      </p:sp>
-      <p:sp>
-        <p:nvSpPr>
-          <p:cNvPr id="3" name="Footer Placeholder 2">
-            <a:extLst>
-              <a:ext uri="{FF2B5EF4-FFF2-40B4-BE49-F238E27FC236}">
-                <a16:creationId xmlns:a16="http://schemas.microsoft.com/office/drawing/2014/main" id="{E6EB5BD4-BD08-7B73-D9D9-2582DDE1B3D9}"/>
-              </a:ext>
-            </a:extLst>
-          </p:cNvPr>
-          <p:cNvSpPr>
-            <a:spLocks noGrp="1"/>
-          </p:cNvSpPr>
-          <p:nvPr>
-            <p:ph type="ftr" sz="quarter" idx="11"/>
-          </p:nvPr>
-        </p:nvSpPr>
-        <p:spPr/>
-        <p:txBody>
-          <a:bodyPr/>
-          <a:lstStyle/>
-          <a:p>
-            <a:r>
-              <a:rPr lang="en-GB"/>
-              <a:t>PRESENTATION TITLE (ADD VIA INSERT, HEADER &amp; FOOTER)</a:t>
-            </a:r>
-            <a:endParaRPr lang="en-GB" dirty="0"/>
-          </a:p>
-        </p:txBody>
-      </p:sp>
-      <p:sp>
-        <p:nvSpPr>
-          <p:cNvPr id="4" name="Slide Number Placeholder 3">
-            <a:extLst>
-              <a:ext uri="{FF2B5EF4-FFF2-40B4-BE49-F238E27FC236}">
-                <a16:creationId xmlns:a16="http://schemas.microsoft.com/office/drawing/2014/main" id="{D1098E3C-BAB5-8478-26BA-5CDF4FAEFC64}"/>
-              </a:ext>
-            </a:extLst>
-          </p:cNvPr>
-          <p:cNvSpPr>
-            <a:spLocks noGrp="1"/>
-          </p:cNvSpPr>
-          <p:nvPr>
-            <p:ph type="sldNum" sz="quarter" idx="12"/>
-          </p:nvPr>
-        </p:nvSpPr>
-        <p:spPr/>
-        <p:txBody>
-          <a:bodyPr/>
-          <a:lstStyle/>
-          <a:p>
             <a:fld id="{E4D355CA-84B7-41B1-B164-8BB439CC7C6B}" type="slidenum">
-              <a:rPr lang="en-GB" smtClean="0"/>
-              <a:pPr/>
+              <a:rPr lang="en-US" sz="1200" smtClean="0">
+                <a:solidFill>
+                  <a:schemeClr val="tx1">
+                    <a:tint val="75000"/>
+                  </a:schemeClr>
+                </a:solidFill>
+              </a:rPr>
+              <a:pPr>
+                <a:spcAft>
+                  <a:spcPts val="600"/>
+                </a:spcAft>
+              </a:pPr>
               <a:t>2</a:t>
             </a:fld>
-            <a:endParaRPr lang="en-GB" dirty="0"/>
+            <a:endParaRPr lang="en-US" sz="1200">
+              <a:solidFill>
+                <a:schemeClr val="tx1">
+                  <a:tint val="75000"/>
+                </a:schemeClr>
+              </a:solidFill>
+            </a:endParaRPr>
+          </a:p>
+        </p:txBody>
+      </p:sp>
+      <p:sp>
+        <p:nvSpPr>
+          <p:cNvPr id="7" name="TextBox 6">
+            <a:extLst>
+              <a:ext uri="{FF2B5EF4-FFF2-40B4-BE49-F238E27FC236}">
+                <a16:creationId xmlns:a16="http://schemas.microsoft.com/office/drawing/2014/main" id="{0B34B97E-B9F9-A2B2-1E74-3C3E54EE0DB7}"/>
+              </a:ext>
+            </a:extLst>
+          </p:cNvPr>
+          <p:cNvSpPr txBox="1"/>
+          <p:nvPr/>
+        </p:nvSpPr>
+        <p:spPr>
+          <a:xfrm>
+            <a:off x="643467" y="599768"/>
+            <a:ext cx="4960920" cy="369332"/>
+          </a:xfrm>
+          <a:prstGeom prst="rect">
+            <a:avLst/>
+          </a:prstGeom>
+          <a:noFill/>
+        </p:spPr>
+        <p:txBody>
+          <a:bodyPr wrap="square" rtlCol="0">
+            <a:spAutoFit/>
+          </a:bodyPr>
+          <a:lstStyle/>
+          <a:p>
+            <a:r>
+              <a:rPr lang="en-US" dirty="0"/>
+              <a:t>Sample </a:t>
+            </a:r>
           </a:p>
         </p:txBody>
       </p:sp>
@@ -7852,6 +8012,15 @@
 </file>
 
 <file path=customXml/item2.xml><?xml version="1.0" encoding="utf-8"?>
+<?mso-contentType ?>
+<FormTemplates xmlns="http://schemas.microsoft.com/sharepoint/v3/contenttype/forms">
+  <Display>DocumentLibraryForm</Display>
+  <Edit>DocumentLibraryForm</Edit>
+  <New>DocumentLibraryForm</New>
+</FormTemplates>
+</file>
+
+<file path=customXml/item3.xml><?xml version="1.0" encoding="utf-8"?>
 <ct:contentTypeSchema xmlns:ct="http://schemas.microsoft.com/office/2006/metadata/contentType" xmlns:ma="http://schemas.microsoft.com/office/2006/metadata/properties/metaAttributes" ct:_="" ma:_="" ma:contentTypeName="Document" ma:contentTypeID="0x01010026DBA85F447B164191BB36C258697B67" ma:contentTypeVersion="14" ma:contentTypeDescription="Create a new document." ma:contentTypeScope="" ma:versionID="ea511d05ca7f895fe9556935b5c9af34">
   <xsd:schema xmlns:xsd="http://www.w3.org/2001/XMLSchema" xmlns:xs="http://www.w3.org/2001/XMLSchema" xmlns:p="http://schemas.microsoft.com/office/2006/metadata/properties" xmlns:ns2="4ad138b4-2b68-4b70-945d-07f8f18b1c9a" xmlns:ns3="3c474641-ec36-472f-b125-6b1b0910eaa4" targetNamespace="http://schemas.microsoft.com/office/2006/metadata/properties" ma:root="true" ma:fieldsID="662270106d7a7e100bcac2c5f8d29899" ns2:_="" ns3:_="">
     <xsd:import namespace="4ad138b4-2b68-4b70-945d-07f8f18b1c9a"/>
@@ -8076,15 +8245,6 @@
 </ct:contentTypeSchema>
 </file>
 
-<file path=customXml/item3.xml><?xml version="1.0" encoding="utf-8"?>
-<?mso-contentType ?>
-<FormTemplates xmlns="http://schemas.microsoft.com/sharepoint/v3/contenttype/forms">
-  <Display>DocumentLibraryForm</Display>
-  <Edit>DocumentLibraryForm</Edit>
-  <New>DocumentLibraryForm</New>
-</FormTemplates>
-</file>
-
 <file path=customXml/itemProps1.xml><?xml version="1.0" encoding="utf-8"?>
 <ds:datastoreItem xmlns:ds="http://schemas.openxmlformats.org/officeDocument/2006/customXml" ds:itemID="{EDD1FC41-23C7-41B0-B5F9-BF4CD38AD2ED}">
   <ds:schemaRefs>
@@ -8103,6 +8263,14 @@
 </file>
 
 <file path=customXml/itemProps2.xml><?xml version="1.0" encoding="utf-8"?>
+<ds:datastoreItem xmlns:ds="http://schemas.openxmlformats.org/officeDocument/2006/customXml" ds:itemID="{91C521DD-2673-4EE6-BB9B-DC5C3320FFBB}">
+  <ds:schemaRefs>
+    <ds:schemaRef ds:uri="http://schemas.microsoft.com/sharepoint/v3/contenttype/forms"/>
+  </ds:schemaRefs>
+</ds:datastoreItem>
+</file>
+
+<file path=customXml/itemProps3.xml><?xml version="1.0" encoding="utf-8"?>
 <ds:datastoreItem xmlns:ds="http://schemas.openxmlformats.org/officeDocument/2006/customXml" ds:itemID="{421B8C57-903D-4D0E-8336-7B512F760CD1}">
   <ds:schemaRefs>
     <ds:schemaRef ds:uri="http://schemas.microsoft.com/office/2006/metadata/contentType"/>
@@ -8119,12 +8287,4 @@
     <ds:schemaRef ds:uri="http://schemas.microsoft.com/internal/obd"/>
   </ds:schemaRefs>
 </ds:datastoreItem>
-</file>
-
-<file path=customXml/itemProps3.xml><?xml version="1.0" encoding="utf-8"?>
-<ds:datastoreItem xmlns:ds="http://schemas.openxmlformats.org/officeDocument/2006/customXml" ds:itemID="{91C521DD-2673-4EE6-BB9B-DC5C3320FFBB}">
-  <ds:schemaRefs>
-    <ds:schemaRef ds:uri="http://schemas.microsoft.com/sharepoint/v3/contenttype/forms"/>
-  </ds:schemaRefs>
-</ds:datastoreItem>
 </file>
--- a/reseach_question_presentation_template.pptx
+++ b/reseach_question_presentation_template.pptx
@@ -5,17 +5,18 @@
     <p:sldMasterId id="2147483648" r:id="rId4"/>
   </p:sldMasterIdLst>
   <p:notesMasterIdLst>
-    <p:notesMasterId r:id="rId10"/>
+    <p:notesMasterId r:id="rId11"/>
   </p:notesMasterIdLst>
   <p:handoutMasterIdLst>
-    <p:handoutMasterId r:id="rId11"/>
+    <p:handoutMasterId r:id="rId12"/>
   </p:handoutMasterIdLst>
   <p:sldIdLst>
     <p:sldId id="289" r:id="rId5"/>
-    <p:sldId id="339" r:id="rId6"/>
-    <p:sldId id="329" r:id="rId7"/>
-    <p:sldId id="336" r:id="rId8"/>
-    <p:sldId id="338" r:id="rId9"/>
+    <p:sldId id="340" r:id="rId6"/>
+    <p:sldId id="339" r:id="rId7"/>
+    <p:sldId id="329" r:id="rId8"/>
+    <p:sldId id="336" r:id="rId9"/>
+    <p:sldId id="338" r:id="rId10"/>
   </p:sldIdLst>
   <p:sldSz cx="12192000" cy="6858000"/>
   <p:notesSz cx="6858000" cy="9144000"/>
@@ -788,7 +789,7 @@
             <a:fld id="{30370952-48CC-46D7-9FCD-59FAD40CC025}" type="slidenum">
               <a:rPr lang="en-GB" smtClean="0"/>
               <a:pPr/>
-              <a:t>3</a:t>
+              <a:t>4</a:t>
             </a:fld>
             <a:endParaRPr lang="en-GB"/>
           </a:p>
@@ -873,7 +874,7 @@
             <a:fld id="{30370952-48CC-46D7-9FCD-59FAD40CC025}" type="slidenum">
               <a:rPr lang="en-GB" smtClean="0"/>
               <a:pPr/>
-              <a:t>4</a:t>
+              <a:t>5</a:t>
             </a:fld>
             <a:endParaRPr lang="en-GB"/>
           </a:p>
@@ -958,7 +959,7 @@
             <a:fld id="{30370952-48CC-46D7-9FCD-59FAD40CC025}" type="slidenum">
               <a:rPr lang="en-GB" smtClean="0"/>
               <a:pPr/>
-              <a:t>5</a:t>
+              <a:t>6</a:t>
             </a:fld>
             <a:endParaRPr lang="en-GB"/>
           </a:p>
@@ -5198,6 +5199,141 @@
 <file path=ppt/slides/slide2.xml><?xml version="1.0" encoding="utf-8"?>
 <p:sld xmlns:a="http://schemas.openxmlformats.org/drawingml/2006/main" xmlns:r="http://schemas.openxmlformats.org/officeDocument/2006/relationships" xmlns:p="http://schemas.openxmlformats.org/presentationml/2006/main">
   <p:cSld>
+    <p:spTree>
+      <p:nvGrpSpPr>
+        <p:cNvPr id="1" name=""/>
+        <p:cNvGrpSpPr/>
+        <p:nvPr/>
+      </p:nvGrpSpPr>
+      <p:grpSpPr>
+        <a:xfrm>
+          <a:off x="0" y="0"/>
+          <a:ext cx="0" cy="0"/>
+          <a:chOff x="0" y="0"/>
+          <a:chExt cx="0" cy="0"/>
+        </a:xfrm>
+      </p:grpSpPr>
+      <p:sp>
+        <p:nvSpPr>
+          <p:cNvPr id="3" name="Footer Placeholder 2">
+            <a:extLst>
+              <a:ext uri="{FF2B5EF4-FFF2-40B4-BE49-F238E27FC236}">
+                <a16:creationId xmlns:a16="http://schemas.microsoft.com/office/drawing/2014/main" id="{E6EB5BD4-BD08-7B73-D9D9-2582DDE1B3D9}"/>
+              </a:ext>
+            </a:extLst>
+          </p:cNvPr>
+          <p:cNvSpPr>
+            <a:spLocks noGrp="1"/>
+          </p:cNvSpPr>
+          <p:nvPr>
+            <p:ph type="ftr" sz="quarter" idx="11"/>
+          </p:nvPr>
+        </p:nvSpPr>
+        <p:spPr/>
+        <p:txBody>
+          <a:bodyPr/>
+          <a:lstStyle/>
+          <a:p>
+            <a:pPr algn="ctr">
+              <a:lnSpc>
+                <a:spcPct val="90000"/>
+              </a:lnSpc>
+              <a:spcAft>
+                <a:spcPts val="600"/>
+              </a:spcAft>
+            </a:pPr>
+            <a:r>
+              <a:rPr lang="en-US" sz="1600" kern="1200" dirty="0">
+                <a:solidFill>
+                  <a:schemeClr val="tx1">
+                    <a:tint val="75000"/>
+                  </a:schemeClr>
+                </a:solidFill>
+                <a:latin typeface="+mn-lt"/>
+                <a:ea typeface="+mn-ea"/>
+                <a:cs typeface="+mn-cs"/>
+              </a:rPr>
+              <a:t>Analyzing the Correlation Between Movie Duration and IMDb Average Votes</a:t>
+            </a:r>
+          </a:p>
+        </p:txBody>
+      </p:sp>
+      <p:sp>
+        <p:nvSpPr>
+          <p:cNvPr id="4" name="Slide Number Placeholder 3">
+            <a:extLst>
+              <a:ext uri="{FF2B5EF4-FFF2-40B4-BE49-F238E27FC236}">
+                <a16:creationId xmlns:a16="http://schemas.microsoft.com/office/drawing/2014/main" id="{D1098E3C-BAB5-8478-26BA-5CDF4FAEFC64}"/>
+              </a:ext>
+            </a:extLst>
+          </p:cNvPr>
+          <p:cNvSpPr>
+            <a:spLocks noGrp="1"/>
+          </p:cNvSpPr>
+          <p:nvPr>
+            <p:ph type="sldNum" sz="quarter" idx="12"/>
+          </p:nvPr>
+        </p:nvSpPr>
+        <p:spPr/>
+        <p:txBody>
+          <a:bodyPr/>
+          <a:lstStyle/>
+          <a:p>
+            <a:fld id="{E4D355CA-84B7-41B1-B164-8BB439CC7C6B}" type="slidenum">
+              <a:rPr lang="en-GB" smtClean="0"/>
+              <a:pPr/>
+              <a:t>2</a:t>
+            </a:fld>
+            <a:endParaRPr lang="en-GB" dirty="0"/>
+          </a:p>
+        </p:txBody>
+      </p:sp>
+      <p:pic>
+        <p:nvPicPr>
+          <p:cNvPr id="5" name="Picture 4">
+            <a:extLst>
+              <a:ext uri="{FF2B5EF4-FFF2-40B4-BE49-F238E27FC236}">
+                <a16:creationId xmlns:a16="http://schemas.microsoft.com/office/drawing/2014/main" id="{C96EFA83-9C43-8D7E-DB2A-F7E0D063464B}"/>
+              </a:ext>
+            </a:extLst>
+          </p:cNvPr>
+          <p:cNvPicPr>
+            <a:picLocks noChangeAspect="1"/>
+          </p:cNvPicPr>
+          <p:nvPr/>
+        </p:nvPicPr>
+        <p:blipFill>
+          <a:blip r:embed="rId2"/>
+          <a:stretch>
+            <a:fillRect/>
+          </a:stretch>
+        </p:blipFill>
+        <p:spPr>
+          <a:xfrm>
+            <a:off x="654686" y="1560838"/>
+            <a:ext cx="10882627" cy="3591265"/>
+          </a:xfrm>
+          <a:prstGeom prst="rect">
+            <a:avLst/>
+          </a:prstGeom>
+        </p:spPr>
+      </p:pic>
+    </p:spTree>
+    <p:extLst>
+      <p:ext uri="{BB962C8B-B14F-4D97-AF65-F5344CB8AC3E}">
+        <p14:creationId xmlns:p14="http://schemas.microsoft.com/office/powerpoint/2010/main" val="1635040437"/>
+      </p:ext>
+    </p:extLst>
+  </p:cSld>
+  <p:clrMapOvr>
+    <a:masterClrMapping/>
+  </p:clrMapOvr>
+</p:sld>
+</file>
+
+<file path=ppt/slides/slide3.xml><?xml version="1.0" encoding="utf-8"?>
+<p:sld xmlns:a="http://schemas.openxmlformats.org/drawingml/2006/main" xmlns:r="http://schemas.openxmlformats.org/officeDocument/2006/relationships" xmlns:p="http://schemas.openxmlformats.org/presentationml/2006/main">
+  <p:cSld>
     <p:bg>
       <p:bgPr>
         <a:solidFill>
@@ -5236,14 +5372,13 @@
         </p:nvPicPr>
         <p:blipFill>
           <a:blip r:embed="rId2"/>
-          <a:stretch>
-            <a:fillRect/>
-          </a:stretch>
+          <a:srcRect b="50155"/>
+          <a:stretch/>
         </p:blipFill>
         <p:spPr>
           <a:xfrm>
-            <a:off x="643467" y="882412"/>
-            <a:ext cx="10905066" cy="3598670"/>
+            <a:off x="279674" y="962658"/>
+            <a:ext cx="10905066" cy="1793765"/>
           </a:xfrm>
           <a:prstGeom prst="rect">
             <a:avLst/>
@@ -5287,7 +5422,7 @@
               </a:spcAft>
             </a:pPr>
             <a:r>
-              <a:rPr lang="en-US" sz="900" kern="1200">
+              <a:rPr lang="en-US" sz="900" kern="1200" dirty="0">
                 <a:solidFill>
                   <a:schemeClr val="tx1">
                     <a:tint val="75000"/>
@@ -5348,7 +5483,7 @@
                   <a:spcPts val="600"/>
                 </a:spcAft>
               </a:pPr>
-              <a:t>2</a:t>
+              <a:t>3</a:t>
             </a:fld>
             <a:endParaRPr lang="en-US" sz="1200">
               <a:solidFill>
@@ -5374,7 +5509,7 @@
         </p:nvSpPr>
         <p:spPr>
           <a:xfrm>
-            <a:off x="643467" y="599768"/>
+            <a:off x="279674" y="442451"/>
             <a:ext cx="4960920" cy="369332"/>
           </a:xfrm>
           <a:prstGeom prst="rect">
@@ -5388,374 +5523,33 @@
           </a:bodyPr>
           <a:lstStyle/>
           <a:p>
-            <a:r>
-              <a:rPr lang="en-US" dirty="0"/>
-              <a:t>Sample </a:t>
-            </a:r>
-          </a:p>
-        </p:txBody>
-      </p:sp>
-    </p:spTree>
-    <p:extLst>
-      <p:ext uri="{BB962C8B-B14F-4D97-AF65-F5344CB8AC3E}">
-        <p14:creationId xmlns:p14="http://schemas.microsoft.com/office/powerpoint/2010/main" val="849753773"/>
-      </p:ext>
-    </p:extLst>
-  </p:cSld>
-  <p:clrMapOvr>
-    <a:masterClrMapping/>
-  </p:clrMapOvr>
-</p:sld>
-</file>
-
-<file path=ppt/slides/slide3.xml><?xml version="1.0" encoding="utf-8"?>
-<p:sld xmlns:a="http://schemas.openxmlformats.org/drawingml/2006/main" xmlns:r="http://schemas.openxmlformats.org/officeDocument/2006/relationships" xmlns:p="http://schemas.openxmlformats.org/presentationml/2006/main">
-  <p:cSld>
-    <p:spTree>
-      <p:nvGrpSpPr>
-        <p:cNvPr id="1" name=""/>
-        <p:cNvGrpSpPr/>
-        <p:nvPr/>
-      </p:nvGrpSpPr>
-      <p:grpSpPr>
-        <a:xfrm>
-          <a:off x="0" y="0"/>
-          <a:ext cx="0" cy="0"/>
-          <a:chOff x="0" y="0"/>
-          <a:chExt cx="0" cy="0"/>
-        </a:xfrm>
-      </p:grpSpPr>
-      <p:sp>
-        <p:nvSpPr>
-          <p:cNvPr id="2" name="Subtitle 1">
-            <a:extLst>
-              <a:ext uri="{FF2B5EF4-FFF2-40B4-BE49-F238E27FC236}">
-                <a16:creationId xmlns:a16="http://schemas.microsoft.com/office/drawing/2014/main" id="{7D9D8228-727F-1E46-B5AD-91D158B8255E}"/>
-              </a:ext>
-            </a:extLst>
-          </p:cNvPr>
-          <p:cNvSpPr>
-            <a:spLocks noGrp="1"/>
-          </p:cNvSpPr>
-          <p:nvPr>
-            <p:ph type="subTitle" idx="1"/>
-          </p:nvPr>
+            <a:pPr marL="285750" indent="-285750">
+              <a:buFont typeface="Wingdings" panose="05000000000000000000" pitchFamily="2" charset="2"/>
+              <a:buChar char="v"/>
+            </a:pPr>
+            <a:r>
+              <a:rPr lang="en-US" b="1" u="sng" dirty="0"/>
+              <a:t>Sample data:</a:t>
+            </a:r>
+          </a:p>
+        </p:txBody>
+      </p:sp>
+      <p:sp>
+        <p:nvSpPr>
+          <p:cNvPr id="8" name="TextBox 7">
+            <a:extLst>
+              <a:ext uri="{FF2B5EF4-FFF2-40B4-BE49-F238E27FC236}">
+                <a16:creationId xmlns:a16="http://schemas.microsoft.com/office/drawing/2014/main" id="{D192DE93-0C8F-355E-0F90-DF3BB0093809}"/>
+              </a:ext>
+            </a:extLst>
+          </p:cNvPr>
+          <p:cNvSpPr txBox="1"/>
+          <p:nvPr/>
         </p:nvSpPr>
         <p:spPr>
           <a:xfrm>
-            <a:off x="965288" y="1285092"/>
-            <a:ext cx="10110240" cy="588024"/>
-          </a:xfrm>
-        </p:spPr>
-        <p:txBody>
-          <a:bodyPr vert="horz" lIns="0" tIns="0" rIns="0" bIns="0" rtlCol="0" anchor="t">
-            <a:noAutofit/>
-          </a:bodyPr>
-          <a:lstStyle/>
-          <a:p>
-            <a:r>
-              <a:rPr lang="en-US" dirty="0"/>
-              <a:t>Dataset </a:t>
-            </a:r>
-            <a:r>
-              <a:rPr lang="en-US" dirty="0">
-                <a:solidFill>
-                  <a:srgbClr val="203232"/>
-                </a:solidFill>
-              </a:rPr>
-              <a:t>ID</a:t>
-            </a:r>
-            <a:r>
-              <a:rPr lang="en-US" sz="1600" dirty="0">
-                <a:solidFill>
-                  <a:srgbClr val="FF0000"/>
-                </a:solidFill>
-              </a:rPr>
-              <a:t>:   </a:t>
-            </a:r>
-            <a:r>
-              <a:rPr lang="en-US" sz="2400" dirty="0">
-                <a:solidFill>
-                  <a:srgbClr val="FF0000"/>
-                </a:solidFill>
-              </a:rPr>
-              <a:t>(replace this text with your DSXXX number and filename)</a:t>
-            </a:r>
-          </a:p>
-        </p:txBody>
-      </p:sp>
-      <p:sp>
-        <p:nvSpPr>
-          <p:cNvPr id="3" name="Footer Placeholder 2">
-            <a:extLst>
-              <a:ext uri="{FF2B5EF4-FFF2-40B4-BE49-F238E27FC236}">
-                <a16:creationId xmlns:a16="http://schemas.microsoft.com/office/drawing/2014/main" id="{00EBC183-8AA5-EC44-9987-D65F5C1892A1}"/>
-              </a:ext>
-            </a:extLst>
-          </p:cNvPr>
-          <p:cNvSpPr>
-            <a:spLocks noGrp="1"/>
-          </p:cNvSpPr>
-          <p:nvPr>
-            <p:ph type="ftr" sz="quarter" idx="11"/>
-          </p:nvPr>
-        </p:nvSpPr>
-        <p:spPr>
-          <a:xfrm>
-            <a:off x="965288" y="791022"/>
-            <a:ext cx="9129687" cy="230832"/>
-          </a:xfrm>
-        </p:spPr>
-        <p:txBody>
-          <a:bodyPr/>
-          <a:lstStyle/>
-          <a:p>
-            <a:r>
-              <a:rPr lang="en-GB" dirty="0"/>
-              <a:t>7COM1079-2024  Student Group No:                    Names of Student Group Attendees: </a:t>
-            </a:r>
-          </a:p>
-        </p:txBody>
-      </p:sp>
-      <p:sp>
-        <p:nvSpPr>
-          <p:cNvPr id="4" name="Slide Number Placeholder 3">
-            <a:extLst>
-              <a:ext uri="{FF2B5EF4-FFF2-40B4-BE49-F238E27FC236}">
-                <a16:creationId xmlns:a16="http://schemas.microsoft.com/office/drawing/2014/main" id="{CC9D9611-42EE-7840-81EE-DD6B1A99CD7B}"/>
-              </a:ext>
-            </a:extLst>
-          </p:cNvPr>
-          <p:cNvSpPr>
-            <a:spLocks noGrp="1"/>
-          </p:cNvSpPr>
-          <p:nvPr>
-            <p:ph type="sldNum" sz="quarter" idx="12"/>
-          </p:nvPr>
-        </p:nvSpPr>
-        <p:spPr>
-          <a:xfrm>
-            <a:off x="10954512" y="555565"/>
-            <a:ext cx="622800" cy="230832"/>
-          </a:xfrm>
-        </p:spPr>
-        <p:txBody>
-          <a:bodyPr/>
-          <a:lstStyle/>
-          <a:p>
-            <a:r>
-              <a:rPr lang="en-US" dirty="0"/>
-              <a:t>2</a:t>
-            </a:r>
-            <a:endParaRPr lang="en-GB" dirty="0"/>
-          </a:p>
-        </p:txBody>
-      </p:sp>
-      <p:sp>
-        <p:nvSpPr>
-          <p:cNvPr id="5" name="Title 4">
-            <a:extLst>
-              <a:ext uri="{FF2B5EF4-FFF2-40B4-BE49-F238E27FC236}">
-                <a16:creationId xmlns:a16="http://schemas.microsoft.com/office/drawing/2014/main" id="{B3FA3829-F12C-214D-8FBA-7E1A740F65CA}"/>
-              </a:ext>
-            </a:extLst>
-          </p:cNvPr>
-          <p:cNvSpPr>
-            <a:spLocks noGrp="1"/>
-          </p:cNvSpPr>
-          <p:nvPr>
-            <p:ph type="ctrTitle"/>
-          </p:nvPr>
-        </p:nvSpPr>
-        <p:spPr>
-          <a:xfrm>
-            <a:off x="965288" y="1698305"/>
-            <a:ext cx="10974945" cy="2699181"/>
-          </a:xfrm>
-        </p:spPr>
-        <p:txBody>
-          <a:bodyPr>
-            <a:noAutofit/>
-          </a:bodyPr>
-          <a:lstStyle/>
-          <a:p>
-            <a:pPr>
-              <a:lnSpc>
-                <a:spcPct val="100000"/>
-              </a:lnSpc>
-            </a:pPr>
-            <a:r>
-              <a:rPr lang="en-US" sz="2400" b="0" dirty="0">
-                <a:latin typeface="Calibri"/>
-                <a:cs typeface="Calibri"/>
-              </a:rPr>
-              <a:t>This dataset is interesting to us because </a:t>
-            </a:r>
-            <a:r>
-              <a:rPr lang="en-US" sz="2400" b="0" dirty="0">
-                <a:solidFill>
-                  <a:srgbClr val="FF0000"/>
-                </a:solidFill>
-                <a:latin typeface="Calibri"/>
-                <a:cs typeface="Calibri"/>
-              </a:rPr>
-              <a:t>(one sentence):</a:t>
-            </a:r>
-            <a:br>
-              <a:rPr lang="en-US" sz="2400" b="0" dirty="0">
-                <a:latin typeface="Calibri" panose="020F0502020204030204" pitchFamily="34" charset="0"/>
-                <a:cs typeface="Calibri" panose="020F0502020204030204" pitchFamily="34" charset="0"/>
-              </a:rPr>
-            </a:br>
-            <a:br>
-              <a:rPr lang="en-US" sz="2400" b="0" dirty="0">
-                <a:latin typeface="Calibri" panose="020F0502020204030204" pitchFamily="34" charset="0"/>
-                <a:cs typeface="Calibri" panose="020F0502020204030204" pitchFamily="34" charset="0"/>
-              </a:rPr>
-            </a:br>
-            <a:r>
-              <a:rPr lang="en-US" sz="2400" b="0" i="1" dirty="0">
-                <a:solidFill>
-                  <a:schemeClr val="accent2">
-                    <a:lumMod val="75000"/>
-                  </a:schemeClr>
-                </a:solidFill>
-                <a:latin typeface="Calibri"/>
-                <a:cs typeface="Calibri"/>
-              </a:rPr>
-              <a:t>From the column headings in your dataset choose ONE independent * and ONE dependent variable . </a:t>
-            </a:r>
-            <a:br>
-              <a:rPr lang="en-US" sz="2400" b="0" dirty="0">
-                <a:latin typeface="Calibri" panose="020F0502020204030204" pitchFamily="34" charset="0"/>
-                <a:cs typeface="Calibri" panose="020F0502020204030204" pitchFamily="34" charset="0"/>
-              </a:rPr>
-            </a:br>
-            <a:r>
-              <a:rPr lang="en-US" sz="2400" b="0" dirty="0">
-                <a:latin typeface="Calibri"/>
-                <a:cs typeface="Calibri"/>
-              </a:rPr>
-              <a:t>Our  Independent variable is: (</a:t>
-            </a:r>
-            <a:r>
-              <a:rPr lang="en-US" sz="2400" b="0" dirty="0">
-                <a:solidFill>
-                  <a:srgbClr val="FF0000"/>
-                </a:solidFill>
-                <a:latin typeface="Calibri"/>
-                <a:cs typeface="Calibri"/>
-              </a:rPr>
-              <a:t>the variable that remains constant /could cause an effect  on dep var)</a:t>
-            </a:r>
-            <a:br>
-              <a:rPr lang="en-US" sz="2400" b="0" dirty="0">
-                <a:latin typeface="Calibri" panose="020F0502020204030204" pitchFamily="34" charset="0"/>
-                <a:cs typeface="Calibri" panose="020F0502020204030204" pitchFamily="34" charset="0"/>
-              </a:rPr>
-            </a:br>
-            <a:r>
-              <a:rPr lang="en-US" sz="2400" b="0" dirty="0">
-                <a:solidFill>
-                  <a:srgbClr val="FF0000"/>
-                </a:solidFill>
-                <a:latin typeface="Calibri"/>
-                <a:cs typeface="Calibri"/>
-              </a:rPr>
-              <a:t>                   </a:t>
-            </a:r>
-            <a:r>
-              <a:rPr lang="en-US" sz="2400" b="0" dirty="0">
-                <a:latin typeface="Calibri"/>
-                <a:cs typeface="Calibri"/>
-              </a:rPr>
-              <a:t>This  Independent variable datatype is (select one): </a:t>
-            </a:r>
-            <a:r>
-              <a:rPr lang="en-US" sz="2400" b="0" dirty="0">
-                <a:solidFill>
-                  <a:srgbClr val="FF0000"/>
-                </a:solidFill>
-                <a:latin typeface="Calibri"/>
-                <a:cs typeface="Calibri"/>
-              </a:rPr>
-              <a:t>Nominal/categorial  OR Ordinal OR Interval/measurement data.</a:t>
-            </a:r>
-            <a:br>
-              <a:rPr lang="en-US" sz="2400" b="0" dirty="0">
-                <a:latin typeface="Calibri" panose="020F0502020204030204" pitchFamily="34" charset="0"/>
-                <a:cs typeface="Calibri" panose="020F0502020204030204" pitchFamily="34" charset="0"/>
-              </a:rPr>
-            </a:br>
-            <a:r>
-              <a:rPr lang="en-US" sz="2400" b="0" dirty="0">
-                <a:latin typeface="Calibri"/>
-                <a:cs typeface="Calibri"/>
-              </a:rPr>
-              <a:t>Our Dependent variable is: </a:t>
-            </a:r>
-            <a:r>
-              <a:rPr lang="en-US" sz="2400" b="0" dirty="0">
-                <a:solidFill>
-                  <a:srgbClr val="FF0000"/>
-                </a:solidFill>
-                <a:latin typeface="Calibri"/>
-                <a:cs typeface="Calibri"/>
-              </a:rPr>
-              <a:t>(your outcome variable that answers your RQ)</a:t>
-            </a:r>
-            <a:br>
-              <a:rPr lang="en-US" sz="2400" b="0" dirty="0">
-                <a:latin typeface="Calibri" panose="020F0502020204030204" pitchFamily="34" charset="0"/>
-                <a:cs typeface="Calibri" panose="020F0502020204030204" pitchFamily="34" charset="0"/>
-              </a:rPr>
-            </a:br>
-            <a:r>
-              <a:rPr lang="en-US" sz="2400" b="0" dirty="0">
-                <a:solidFill>
-                  <a:srgbClr val="FF0000"/>
-                </a:solidFill>
-                <a:latin typeface="Calibri"/>
-                <a:cs typeface="Calibri"/>
-              </a:rPr>
-              <a:t>                   </a:t>
-            </a:r>
-            <a:r>
-              <a:rPr lang="en-US" sz="2400" b="0" dirty="0">
-                <a:latin typeface="Calibri"/>
-                <a:cs typeface="Calibri"/>
-              </a:rPr>
-              <a:t>This Dependent variable datatype is  (select one): </a:t>
-            </a:r>
-            <a:r>
-              <a:rPr lang="en-US" sz="2400" b="0" dirty="0">
-                <a:solidFill>
-                  <a:srgbClr val="FF0000"/>
-                </a:solidFill>
-                <a:latin typeface="Calibri"/>
-                <a:cs typeface="Calibri"/>
-              </a:rPr>
-              <a:t>Nominal/categorial  OR Ordinal OR Interval/measurement data</a:t>
-            </a:r>
-          </a:p>
-        </p:txBody>
-      </p:sp>
-      <p:sp>
-        <p:nvSpPr>
-          <p:cNvPr id="6" name="TextBox 5">
-            <a:extLst>
-              <a:ext uri="{FF2B5EF4-FFF2-40B4-BE49-F238E27FC236}">
-                <a16:creationId xmlns:a16="http://schemas.microsoft.com/office/drawing/2014/main" id="{732D6C0D-D649-2AA9-7741-835F3E841A25}"/>
-              </a:ext>
-            </a:extLst>
-          </p:cNvPr>
-          <p:cNvSpPr txBox="1"/>
-          <p:nvPr/>
-        </p:nvSpPr>
-        <p:spPr>
-          <a:xfrm>
-            <a:off x="6766560" y="5385816"/>
-            <a:ext cx="4187952" cy="1200329"/>
+            <a:off x="279674" y="3105834"/>
+            <a:ext cx="11587861" cy="646331"/>
           </a:xfrm>
           <a:prstGeom prst="rect">
             <a:avLst/>
@@ -5768,15 +5562,71 @@
           </a:bodyPr>
           <a:lstStyle/>
           <a:p>
-            <a:r>
-              <a:rPr lang="en-GB" dirty="0">
-                <a:solidFill>
-                  <a:schemeClr val="accent2">
-                    <a:lumMod val="75000"/>
-                  </a:schemeClr>
-                </a:solidFill>
-              </a:rPr>
-              <a:t>*For comparison of two nominal variables and for comparison of proportions you use two (or more) independent variables (see next slide)</a:t>
+            <a:pPr marL="285750" indent="-285750">
+              <a:buFont typeface="Wingdings" panose="05000000000000000000" pitchFamily="2" charset="2"/>
+              <a:buChar char="v"/>
+            </a:pPr>
+            <a:r>
+              <a:rPr lang="en-US" b="1" u="sng" dirty="0"/>
+              <a:t>Columns used</a:t>
+            </a:r>
+            <a:r>
+              <a:rPr lang="en-US" dirty="0"/>
+              <a:t>:  1. duration </a:t>
+            </a:r>
+          </a:p>
+          <a:p>
+            <a:pPr lvl="4"/>
+            <a:r>
+              <a:rPr lang="en-US" dirty="0"/>
+              <a:t>   2. avg_vote 			</a:t>
+            </a:r>
+          </a:p>
+        </p:txBody>
+      </p:sp>
+      <p:sp>
+        <p:nvSpPr>
+          <p:cNvPr id="10" name="TextBox 9">
+            <a:extLst>
+              <a:ext uri="{FF2B5EF4-FFF2-40B4-BE49-F238E27FC236}">
+                <a16:creationId xmlns:a16="http://schemas.microsoft.com/office/drawing/2014/main" id="{DA3B9CE3-21C4-0B01-A49D-A3E5EBCF015F}"/>
+              </a:ext>
+            </a:extLst>
+          </p:cNvPr>
+          <p:cNvSpPr txBox="1"/>
+          <p:nvPr/>
+        </p:nvSpPr>
+        <p:spPr>
+          <a:xfrm>
+            <a:off x="279674" y="3977858"/>
+            <a:ext cx="11277600" cy="369332"/>
+          </a:xfrm>
+          <a:prstGeom prst="rect">
+            <a:avLst/>
+          </a:prstGeom>
+          <a:noFill/>
+        </p:spPr>
+        <p:txBody>
+          <a:bodyPr wrap="square" rtlCol="0">
+            <a:spAutoFit/>
+          </a:bodyPr>
+          <a:lstStyle/>
+          <a:p>
+            <a:pPr marL="285750" indent="-285750">
+              <a:buFont typeface="Wingdings" panose="05000000000000000000" pitchFamily="2" charset="2"/>
+              <a:buChar char="v"/>
+            </a:pPr>
+            <a:r>
+              <a:rPr lang="en-US" dirty="0"/>
+              <a:t>The dataset contains </a:t>
+            </a:r>
+            <a:r>
+              <a:rPr lang="en-US" b="1" dirty="0"/>
+              <a:t>81,273 rows</a:t>
+            </a:r>
+            <a:r>
+              <a:rPr lang="en-US" dirty="0"/>
+              <a:t> in total.</a:t>
             </a:r>
           </a:p>
         </p:txBody>
@@ -5784,7 +5634,7 @@
     </p:spTree>
     <p:extLst>
       <p:ext uri="{BB962C8B-B14F-4D97-AF65-F5344CB8AC3E}">
-        <p14:creationId xmlns:p14="http://schemas.microsoft.com/office/powerpoint/2010/main" val="1718004908"/>
+        <p14:creationId xmlns:p14="http://schemas.microsoft.com/office/powerpoint/2010/main" val="849753773"/>
       </p:ext>
     </p:extLst>
   </p:cSld>
@@ -5816,6 +5666,359 @@
           <p:cNvPr id="2" name="Subtitle 1">
             <a:extLst>
               <a:ext uri="{FF2B5EF4-FFF2-40B4-BE49-F238E27FC236}">
+                <a16:creationId xmlns:a16="http://schemas.microsoft.com/office/drawing/2014/main" id="{7D9D8228-727F-1E46-B5AD-91D158B8255E}"/>
+              </a:ext>
+            </a:extLst>
+          </p:cNvPr>
+          <p:cNvSpPr>
+            <a:spLocks noGrp="1"/>
+          </p:cNvSpPr>
+          <p:nvPr>
+            <p:ph type="subTitle" idx="1"/>
+          </p:nvPr>
+        </p:nvSpPr>
+        <p:spPr>
+          <a:xfrm>
+            <a:off x="965288" y="1285092"/>
+            <a:ext cx="10110240" cy="588024"/>
+          </a:xfrm>
+        </p:spPr>
+        <p:txBody>
+          <a:bodyPr vert="horz" lIns="0" tIns="0" rIns="0" bIns="0" rtlCol="0" anchor="t">
+            <a:noAutofit/>
+          </a:bodyPr>
+          <a:lstStyle/>
+          <a:p>
+            <a:r>
+              <a:rPr lang="en-US" dirty="0"/>
+              <a:t>Dataset </a:t>
+            </a:r>
+            <a:r>
+              <a:rPr lang="en-US" dirty="0">
+                <a:solidFill>
+                  <a:srgbClr val="203232"/>
+                </a:solidFill>
+              </a:rPr>
+              <a:t>ID</a:t>
+            </a:r>
+            <a:r>
+              <a:rPr lang="en-US" sz="1600" dirty="0">
+                <a:solidFill>
+                  <a:srgbClr val="FF0000"/>
+                </a:solidFill>
+              </a:rPr>
+              <a:t>:   </a:t>
+            </a:r>
+            <a:r>
+              <a:rPr lang="en-US" sz="2400" dirty="0">
+                <a:solidFill>
+                  <a:srgbClr val="FF0000"/>
+                </a:solidFill>
+              </a:rPr>
+              <a:t>(replace this text with your DSXXX number and filename)</a:t>
+            </a:r>
+          </a:p>
+        </p:txBody>
+      </p:sp>
+      <p:sp>
+        <p:nvSpPr>
+          <p:cNvPr id="4" name="Slide Number Placeholder 3">
+            <a:extLst>
+              <a:ext uri="{FF2B5EF4-FFF2-40B4-BE49-F238E27FC236}">
+                <a16:creationId xmlns:a16="http://schemas.microsoft.com/office/drawing/2014/main" id="{CC9D9611-42EE-7840-81EE-DD6B1A99CD7B}"/>
+              </a:ext>
+            </a:extLst>
+          </p:cNvPr>
+          <p:cNvSpPr>
+            <a:spLocks noGrp="1"/>
+          </p:cNvSpPr>
+          <p:nvPr>
+            <p:ph type="sldNum" sz="quarter" idx="12"/>
+          </p:nvPr>
+        </p:nvSpPr>
+        <p:spPr>
+          <a:xfrm>
+            <a:off x="10954512" y="555565"/>
+            <a:ext cx="622800" cy="230832"/>
+          </a:xfrm>
+        </p:spPr>
+        <p:txBody>
+          <a:bodyPr/>
+          <a:lstStyle/>
+          <a:p>
+            <a:r>
+              <a:rPr lang="en-US" dirty="0"/>
+              <a:t>2</a:t>
+            </a:r>
+            <a:endParaRPr lang="en-GB" dirty="0"/>
+          </a:p>
+        </p:txBody>
+      </p:sp>
+      <p:sp>
+        <p:nvSpPr>
+          <p:cNvPr id="5" name="Title 4">
+            <a:extLst>
+              <a:ext uri="{FF2B5EF4-FFF2-40B4-BE49-F238E27FC236}">
+                <a16:creationId xmlns:a16="http://schemas.microsoft.com/office/drawing/2014/main" id="{B3FA3829-F12C-214D-8FBA-7E1A740F65CA}"/>
+              </a:ext>
+            </a:extLst>
+          </p:cNvPr>
+          <p:cNvSpPr>
+            <a:spLocks noGrp="1"/>
+          </p:cNvSpPr>
+          <p:nvPr>
+            <p:ph type="ctrTitle"/>
+          </p:nvPr>
+        </p:nvSpPr>
+        <p:spPr>
+          <a:xfrm>
+            <a:off x="965288" y="1698305"/>
+            <a:ext cx="10974945" cy="2699181"/>
+          </a:xfrm>
+        </p:spPr>
+        <p:txBody>
+          <a:bodyPr>
+            <a:noAutofit/>
+          </a:bodyPr>
+          <a:lstStyle/>
+          <a:p>
+            <a:pPr>
+              <a:lnSpc>
+                <a:spcPct val="100000"/>
+              </a:lnSpc>
+            </a:pPr>
+            <a:r>
+              <a:rPr lang="en-US" sz="2400" b="0" dirty="0">
+                <a:latin typeface="Calibri"/>
+                <a:cs typeface="Calibri"/>
+              </a:rPr>
+              <a:t>This dataset is interesting to us because </a:t>
+            </a:r>
+            <a:r>
+              <a:rPr lang="en-US" sz="2400" b="0" dirty="0">
+                <a:solidFill>
+                  <a:srgbClr val="FF0000"/>
+                </a:solidFill>
+                <a:latin typeface="Calibri"/>
+                <a:cs typeface="Calibri"/>
+              </a:rPr>
+              <a:t>(one sentence):</a:t>
+            </a:r>
+            <a:br>
+              <a:rPr lang="en-US" sz="2400" b="0" dirty="0">
+                <a:latin typeface="Calibri" panose="020F0502020204030204" pitchFamily="34" charset="0"/>
+                <a:cs typeface="Calibri" panose="020F0502020204030204" pitchFamily="34" charset="0"/>
+              </a:rPr>
+            </a:br>
+            <a:br>
+              <a:rPr lang="en-US" sz="2400" b="0" dirty="0">
+                <a:latin typeface="Calibri" panose="020F0502020204030204" pitchFamily="34" charset="0"/>
+                <a:cs typeface="Calibri" panose="020F0502020204030204" pitchFamily="34" charset="0"/>
+              </a:rPr>
+            </a:br>
+            <a:r>
+              <a:rPr lang="en-US" sz="2400" b="0" i="1" dirty="0">
+                <a:solidFill>
+                  <a:schemeClr val="accent2">
+                    <a:lumMod val="75000"/>
+                  </a:schemeClr>
+                </a:solidFill>
+                <a:latin typeface="Calibri"/>
+                <a:cs typeface="Calibri"/>
+              </a:rPr>
+              <a:t>From the column headings in your dataset choose ONE independent * and ONE dependent variable . </a:t>
+            </a:r>
+            <a:br>
+              <a:rPr lang="en-US" sz="2400" b="0" dirty="0">
+                <a:latin typeface="Calibri" panose="020F0502020204030204" pitchFamily="34" charset="0"/>
+                <a:cs typeface="Calibri" panose="020F0502020204030204" pitchFamily="34" charset="0"/>
+              </a:rPr>
+            </a:br>
+            <a:r>
+              <a:rPr lang="en-US" sz="2400" b="0" dirty="0">
+                <a:latin typeface="Calibri"/>
+                <a:cs typeface="Calibri"/>
+              </a:rPr>
+              <a:t>Our  Independent variable is: (</a:t>
+            </a:r>
+            <a:r>
+              <a:rPr lang="en-US" sz="2400" b="0" dirty="0">
+                <a:solidFill>
+                  <a:srgbClr val="FF0000"/>
+                </a:solidFill>
+                <a:latin typeface="Calibri"/>
+                <a:cs typeface="Calibri"/>
+              </a:rPr>
+              <a:t>the variable that remains constant /could cause an effect  on dep var)</a:t>
+            </a:r>
+            <a:br>
+              <a:rPr lang="en-US" sz="2400" b="0" dirty="0">
+                <a:latin typeface="Calibri" panose="020F0502020204030204" pitchFamily="34" charset="0"/>
+                <a:cs typeface="Calibri" panose="020F0502020204030204" pitchFamily="34" charset="0"/>
+              </a:rPr>
+            </a:br>
+            <a:r>
+              <a:rPr lang="en-US" sz="2400" b="0" dirty="0">
+                <a:solidFill>
+                  <a:srgbClr val="FF0000"/>
+                </a:solidFill>
+                <a:latin typeface="Calibri"/>
+                <a:cs typeface="Calibri"/>
+              </a:rPr>
+              <a:t>                   </a:t>
+            </a:r>
+            <a:r>
+              <a:rPr lang="en-US" sz="2400" b="0" dirty="0">
+                <a:latin typeface="Calibri"/>
+                <a:cs typeface="Calibri"/>
+              </a:rPr>
+              <a:t>This  Independent variable datatype is (select one): </a:t>
+            </a:r>
+            <a:r>
+              <a:rPr lang="en-US" sz="2400" b="0" dirty="0">
+                <a:solidFill>
+                  <a:srgbClr val="FF0000"/>
+                </a:solidFill>
+                <a:latin typeface="Calibri"/>
+                <a:cs typeface="Calibri"/>
+              </a:rPr>
+              <a:t>Nominal/categorial  OR Ordinal OR Interval/measurement data.</a:t>
+            </a:r>
+            <a:br>
+              <a:rPr lang="en-US" sz="2400" b="0" dirty="0">
+                <a:latin typeface="Calibri" panose="020F0502020204030204" pitchFamily="34" charset="0"/>
+                <a:cs typeface="Calibri" panose="020F0502020204030204" pitchFamily="34" charset="0"/>
+              </a:rPr>
+            </a:br>
+            <a:r>
+              <a:rPr lang="en-US" sz="2400" b="0" dirty="0">
+                <a:latin typeface="Calibri"/>
+                <a:cs typeface="Calibri"/>
+              </a:rPr>
+              <a:t>Our Dependent variable is: </a:t>
+            </a:r>
+            <a:r>
+              <a:rPr lang="en-US" sz="2400" b="0" dirty="0">
+                <a:solidFill>
+                  <a:srgbClr val="FF0000"/>
+                </a:solidFill>
+                <a:latin typeface="Calibri"/>
+                <a:cs typeface="Calibri"/>
+              </a:rPr>
+              <a:t>(your outcome variable that answers your RQ)</a:t>
+            </a:r>
+            <a:br>
+              <a:rPr lang="en-US" sz="2400" b="0" dirty="0">
+                <a:latin typeface="Calibri" panose="020F0502020204030204" pitchFamily="34" charset="0"/>
+                <a:cs typeface="Calibri" panose="020F0502020204030204" pitchFamily="34" charset="0"/>
+              </a:rPr>
+            </a:br>
+            <a:r>
+              <a:rPr lang="en-US" sz="2400" b="0" dirty="0">
+                <a:solidFill>
+                  <a:srgbClr val="FF0000"/>
+                </a:solidFill>
+                <a:latin typeface="Calibri"/>
+                <a:cs typeface="Calibri"/>
+              </a:rPr>
+              <a:t>                   </a:t>
+            </a:r>
+            <a:r>
+              <a:rPr lang="en-US" sz="2400" b="0" dirty="0">
+                <a:latin typeface="Calibri"/>
+                <a:cs typeface="Calibri"/>
+              </a:rPr>
+              <a:t>This Dependent variable datatype is  (select one): </a:t>
+            </a:r>
+            <a:r>
+              <a:rPr lang="en-US" sz="2400" b="0" dirty="0">
+                <a:solidFill>
+                  <a:srgbClr val="FF0000"/>
+                </a:solidFill>
+                <a:latin typeface="Calibri"/>
+                <a:cs typeface="Calibri"/>
+              </a:rPr>
+              <a:t>Nominal/categorial  OR Ordinal OR Interval/measurement data</a:t>
+            </a:r>
+          </a:p>
+        </p:txBody>
+      </p:sp>
+      <p:sp>
+        <p:nvSpPr>
+          <p:cNvPr id="6" name="TextBox 5">
+            <a:extLst>
+              <a:ext uri="{FF2B5EF4-FFF2-40B4-BE49-F238E27FC236}">
+                <a16:creationId xmlns:a16="http://schemas.microsoft.com/office/drawing/2014/main" id="{732D6C0D-D649-2AA9-7741-835F3E841A25}"/>
+              </a:ext>
+            </a:extLst>
+          </p:cNvPr>
+          <p:cNvSpPr txBox="1"/>
+          <p:nvPr/>
+        </p:nvSpPr>
+        <p:spPr>
+          <a:xfrm>
+            <a:off x="6766560" y="5385816"/>
+            <a:ext cx="4187952" cy="1200329"/>
+          </a:xfrm>
+          <a:prstGeom prst="rect">
+            <a:avLst/>
+          </a:prstGeom>
+          <a:noFill/>
+        </p:spPr>
+        <p:txBody>
+          <a:bodyPr wrap="square" rtlCol="0">
+            <a:spAutoFit/>
+          </a:bodyPr>
+          <a:lstStyle/>
+          <a:p>
+            <a:r>
+              <a:rPr lang="en-GB" dirty="0">
+                <a:solidFill>
+                  <a:schemeClr val="accent2">
+                    <a:lumMod val="75000"/>
+                  </a:schemeClr>
+                </a:solidFill>
+              </a:rPr>
+              <a:t>*For comparison of two nominal variables and for comparison of proportions you use two (or more) independent variables (see next slide)</a:t>
+            </a:r>
+          </a:p>
+        </p:txBody>
+      </p:sp>
+    </p:spTree>
+    <p:extLst>
+      <p:ext uri="{BB962C8B-B14F-4D97-AF65-F5344CB8AC3E}">
+        <p14:creationId xmlns:p14="http://schemas.microsoft.com/office/powerpoint/2010/main" val="1718004908"/>
+      </p:ext>
+    </p:extLst>
+  </p:cSld>
+  <p:clrMapOvr>
+    <a:masterClrMapping/>
+  </p:clrMapOvr>
+</p:sld>
+</file>
+
+<file path=ppt/slides/slide5.xml><?xml version="1.0" encoding="utf-8"?>
+<p:sld xmlns:a="http://schemas.openxmlformats.org/drawingml/2006/main" xmlns:r="http://schemas.openxmlformats.org/officeDocument/2006/relationships" xmlns:p="http://schemas.openxmlformats.org/presentationml/2006/main">
+  <p:cSld>
+    <p:spTree>
+      <p:nvGrpSpPr>
+        <p:cNvPr id="1" name=""/>
+        <p:cNvGrpSpPr/>
+        <p:nvPr/>
+      </p:nvGrpSpPr>
+      <p:grpSpPr>
+        <a:xfrm>
+          <a:off x="0" y="0"/>
+          <a:ext cx="0" cy="0"/>
+          <a:chOff x="0" y="0"/>
+          <a:chExt cx="0" cy="0"/>
+        </a:xfrm>
+      </p:grpSpPr>
+      <p:sp>
+        <p:nvSpPr>
+          <p:cNvPr id="2" name="Subtitle 1">
+            <a:extLst>
+              <a:ext uri="{FF2B5EF4-FFF2-40B4-BE49-F238E27FC236}">
                 <a16:creationId xmlns:a16="http://schemas.microsoft.com/office/drawing/2014/main" id="{8E3CD731-5ACF-B002-247D-243F6E2149EC}"/>
               </a:ext>
             </a:extLst>
@@ -6584,7 +6787,7 @@
 </p:sld>
 </file>
 
-<file path=ppt/slides/slide5.xml><?xml version="1.0" encoding="utf-8"?>
+<file path=ppt/slides/slide6.xml><?xml version="1.0" encoding="utf-8"?>
 <p:sld xmlns:a="http://schemas.openxmlformats.org/drawingml/2006/main" xmlns:r="http://schemas.openxmlformats.org/officeDocument/2006/relationships" xmlns:p="http://schemas.openxmlformats.org/presentationml/2006/main">
   <p:cSld>
     <p:spTree>
@@ -8012,15 +8215,6 @@
 </file>
 
 <file path=customXml/item2.xml><?xml version="1.0" encoding="utf-8"?>
-<?mso-contentType ?>
-<FormTemplates xmlns="http://schemas.microsoft.com/sharepoint/v3/contenttype/forms">
-  <Display>DocumentLibraryForm</Display>
-  <Edit>DocumentLibraryForm</Edit>
-  <New>DocumentLibraryForm</New>
-</FormTemplates>
-</file>
-
-<file path=customXml/item3.xml><?xml version="1.0" encoding="utf-8"?>
 <ct:contentTypeSchema xmlns:ct="http://schemas.microsoft.com/office/2006/metadata/contentType" xmlns:ma="http://schemas.microsoft.com/office/2006/metadata/properties/metaAttributes" ct:_="" ma:_="" ma:contentTypeName="Document" ma:contentTypeID="0x01010026DBA85F447B164191BB36C258697B67" ma:contentTypeVersion="14" ma:contentTypeDescription="Create a new document." ma:contentTypeScope="" ma:versionID="ea511d05ca7f895fe9556935b5c9af34">
   <xsd:schema xmlns:xsd="http://www.w3.org/2001/XMLSchema" xmlns:xs="http://www.w3.org/2001/XMLSchema" xmlns:p="http://schemas.microsoft.com/office/2006/metadata/properties" xmlns:ns2="4ad138b4-2b68-4b70-945d-07f8f18b1c9a" xmlns:ns3="3c474641-ec36-472f-b125-6b1b0910eaa4" targetNamespace="http://schemas.microsoft.com/office/2006/metadata/properties" ma:root="true" ma:fieldsID="662270106d7a7e100bcac2c5f8d29899" ns2:_="" ns3:_="">
     <xsd:import namespace="4ad138b4-2b68-4b70-945d-07f8f18b1c9a"/>
@@ -8245,6 +8439,15 @@
 </ct:contentTypeSchema>
 </file>
 
+<file path=customXml/item3.xml><?xml version="1.0" encoding="utf-8"?>
+<?mso-contentType ?>
+<FormTemplates xmlns="http://schemas.microsoft.com/sharepoint/v3/contenttype/forms">
+  <Display>DocumentLibraryForm</Display>
+  <Edit>DocumentLibraryForm</Edit>
+  <New>DocumentLibraryForm</New>
+</FormTemplates>
+</file>
+
 <file path=customXml/itemProps1.xml><?xml version="1.0" encoding="utf-8"?>
 <ds:datastoreItem xmlns:ds="http://schemas.openxmlformats.org/officeDocument/2006/customXml" ds:itemID="{EDD1FC41-23C7-41B0-B5F9-BF4CD38AD2ED}">
   <ds:schemaRefs>
@@ -8263,14 +8466,6 @@
 </file>
 
 <file path=customXml/itemProps2.xml><?xml version="1.0" encoding="utf-8"?>
-<ds:datastoreItem xmlns:ds="http://schemas.openxmlformats.org/officeDocument/2006/customXml" ds:itemID="{91C521DD-2673-4EE6-BB9B-DC5C3320FFBB}">
-  <ds:schemaRefs>
-    <ds:schemaRef ds:uri="http://schemas.microsoft.com/sharepoint/v3/contenttype/forms"/>
-  </ds:schemaRefs>
-</ds:datastoreItem>
-</file>
-
-<file path=customXml/itemProps3.xml><?xml version="1.0" encoding="utf-8"?>
 <ds:datastoreItem xmlns:ds="http://schemas.openxmlformats.org/officeDocument/2006/customXml" ds:itemID="{421B8C57-903D-4D0E-8336-7B512F760CD1}">
   <ds:schemaRefs>
     <ds:schemaRef ds:uri="http://schemas.microsoft.com/office/2006/metadata/contentType"/>
@@ -8287,4 +8482,12 @@
     <ds:schemaRef ds:uri="http://schemas.microsoft.com/internal/obd"/>
   </ds:schemaRefs>
 </ds:datastoreItem>
+</file>
+
+<file path=customXml/itemProps3.xml><?xml version="1.0" encoding="utf-8"?>
+<ds:datastoreItem xmlns:ds="http://schemas.openxmlformats.org/officeDocument/2006/customXml" ds:itemID="{91C521DD-2673-4EE6-BB9B-DC5C3320FFBB}">
+  <ds:schemaRefs>
+    <ds:schemaRef ds:uri="http://schemas.microsoft.com/sharepoint/v3/contenttype/forms"/>
+  </ds:schemaRefs>
+</ds:datastoreItem>
 </file>
--- a/reseach_question_presentation_template.pptx
+++ b/reseach_question_presentation_template.pptx
@@ -5,18 +5,17 @@
     <p:sldMasterId id="2147483648" r:id="rId4"/>
   </p:sldMasterIdLst>
   <p:notesMasterIdLst>
-    <p:notesMasterId r:id="rId11"/>
+    <p:notesMasterId r:id="rId10"/>
   </p:notesMasterIdLst>
   <p:handoutMasterIdLst>
-    <p:handoutMasterId r:id="rId12"/>
+    <p:handoutMasterId r:id="rId11"/>
   </p:handoutMasterIdLst>
   <p:sldIdLst>
     <p:sldId id="289" r:id="rId5"/>
-    <p:sldId id="340" r:id="rId6"/>
-    <p:sldId id="339" r:id="rId7"/>
-    <p:sldId id="329" r:id="rId8"/>
-    <p:sldId id="336" r:id="rId9"/>
-    <p:sldId id="338" r:id="rId10"/>
+    <p:sldId id="339" r:id="rId6"/>
+    <p:sldId id="329" r:id="rId7"/>
+    <p:sldId id="336" r:id="rId8"/>
+    <p:sldId id="338" r:id="rId9"/>
   </p:sldIdLst>
   <p:sldSz cx="12192000" cy="6858000"/>
   <p:notesSz cx="6858000" cy="9144000"/>
@@ -789,7 +788,7 @@
             <a:fld id="{30370952-48CC-46D7-9FCD-59FAD40CC025}" type="slidenum">
               <a:rPr lang="en-GB" smtClean="0"/>
               <a:pPr/>
-              <a:t>4</a:t>
+              <a:t>3</a:t>
             </a:fld>
             <a:endParaRPr lang="en-GB"/>
           </a:p>
@@ -874,7 +873,7 @@
             <a:fld id="{30370952-48CC-46D7-9FCD-59FAD40CC025}" type="slidenum">
               <a:rPr lang="en-GB" smtClean="0"/>
               <a:pPr/>
-              <a:t>5</a:t>
+              <a:t>4</a:t>
             </a:fld>
             <a:endParaRPr lang="en-GB"/>
           </a:p>
@@ -959,7 +958,7 @@
             <a:fld id="{30370952-48CC-46D7-9FCD-59FAD40CC025}" type="slidenum">
               <a:rPr lang="en-GB" smtClean="0"/>
               <a:pPr/>
-              <a:t>6</a:t>
+              <a:t>5</a:t>
             </a:fld>
             <a:endParaRPr lang="en-GB"/>
           </a:p>
@@ -1255,9 +1254,10 @@
           <a:lstStyle/>
           <a:p>
             <a:r>
-              <a:rPr lang="en-GB" dirty="0"/>
-              <a:t>PRESENTATION TITLE (ADD VIA INSERT, HEADER &amp; FOOTER)</a:t>
-            </a:r>
+              <a:rPr lang="en-GB"/>
+              <a:t>7COM1079-2024  Student Group No: A169                             </a:t>
+            </a:r>
+            <a:endParaRPr lang="en-GB" dirty="0"/>
           </a:p>
         </p:txBody>
       </p:sp>
@@ -1835,8 +1835,8 @@
           </a:lstStyle>
           <a:p>
             <a:r>
-              <a:rPr lang="en-GB" dirty="0"/>
-              <a:t>PRESENTATION TITLE (ADD VIA INSERT, HEADER &amp; FOOTER)</a:t>
+              <a:rPr lang="en-GB"/>
+              <a:t>7COM1079-2024  Student Group No: A169                             </a:t>
             </a:r>
             <a:endParaRPr lang="en-GB" dirty="0">
               <a:solidFill>
@@ -2090,8 +2090,8 @@
           </a:lstStyle>
           <a:p>
             <a:r>
-              <a:rPr lang="en-GB" dirty="0"/>
-              <a:t>PRESENTATION TITLE (ADD VIA INSERT, HEADER &amp; FOOTER)</a:t>
+              <a:rPr lang="en-GB"/>
+              <a:t>7COM1079-2024  Student Group No: A169                             </a:t>
             </a:r>
             <a:endParaRPr lang="en-GB" dirty="0">
               <a:solidFill>
@@ -2334,9 +2334,10 @@
           </a:lstStyle>
           <a:p>
             <a:r>
-              <a:rPr lang="en-GB" dirty="0"/>
-              <a:t>PRESENTATION TITLE (ADD VIA INSERT, HEADER &amp; FOOTER)</a:t>
-            </a:r>
+              <a:rPr lang="en-GB"/>
+              <a:t>7COM1079-2024  Student Group No: A169                             </a:t>
+            </a:r>
+            <a:endParaRPr lang="en-GB" dirty="0"/>
           </a:p>
         </p:txBody>
       </p:sp>
@@ -2758,9 +2759,10 @@
           <a:lstStyle/>
           <a:p>
             <a:r>
-              <a:rPr lang="en-GB" dirty="0"/>
-              <a:t>PRESENTATION TITLE (ADD VIA INSERT, HEADER &amp; FOOTER)</a:t>
-            </a:r>
+              <a:rPr lang="en-GB"/>
+              <a:t>7COM1079-2024  Student Group No: A169                             </a:t>
+            </a:r>
+            <a:endParaRPr lang="en-GB" dirty="0"/>
           </a:p>
         </p:txBody>
       </p:sp>
@@ -3017,9 +3019,10 @@
           <a:lstStyle/>
           <a:p>
             <a:r>
-              <a:rPr lang="en-GB" dirty="0"/>
-              <a:t>PRESENTATION TITLE (ADD VIA INSERT, HEADER &amp; FOOTER)</a:t>
-            </a:r>
+              <a:rPr lang="en-GB"/>
+              <a:t>7COM1079-2024  Student Group No: A169                             </a:t>
+            </a:r>
+            <a:endParaRPr lang="en-GB" dirty="0"/>
           </a:p>
         </p:txBody>
       </p:sp>
@@ -3657,9 +3660,10 @@
           <a:lstStyle/>
           <a:p>
             <a:r>
-              <a:rPr lang="en-GB" dirty="0"/>
-              <a:t>PRESENTATION TITLE (ADD VIA INSERT, HEADER &amp; FOOTER)</a:t>
-            </a:r>
+              <a:rPr lang="en-GB"/>
+              <a:t>7COM1079-2024  Student Group No: A169                             </a:t>
+            </a:r>
+            <a:endParaRPr lang="en-GB" dirty="0"/>
           </a:p>
         </p:txBody>
       </p:sp>
@@ -3864,9 +3868,10 @@
           <a:lstStyle/>
           <a:p>
             <a:r>
-              <a:rPr lang="en-GB" dirty="0"/>
-              <a:t>PRESENTATION TITLE (ADD VIA INSERT, HEADER &amp; FOOTER)</a:t>
-            </a:r>
+              <a:rPr lang="en-GB"/>
+              <a:t>7COM1079-2024  Student Group No: A169                             </a:t>
+            </a:r>
+            <a:endParaRPr lang="en-GB" dirty="0"/>
           </a:p>
         </p:txBody>
       </p:sp>
@@ -4319,9 +4324,10 @@
           </a:lstStyle>
           <a:p>
             <a:r>
-              <a:rPr lang="en-GB" dirty="0"/>
-              <a:t>PRESENTATION TITLE (ADD VIA INSERT, HEADER &amp; FOOTER)</a:t>
-            </a:r>
+              <a:rPr lang="en-GB"/>
+              <a:t>7COM1079-2024  Student Group No: A169                             </a:t>
+            </a:r>
+            <a:endParaRPr lang="en-GB" dirty="0"/>
           </a:p>
         </p:txBody>
       </p:sp>
@@ -4398,7 +4404,7 @@
     <p:sldLayoutId id="2147483706" r:id="rId12"/>
     <p:sldLayoutId id="2147483697" r:id="rId13"/>
   </p:sldLayoutIdLst>
-  <p:hf hdr="0" dt="0"/>
+  <p:hf hdr="0" ftr="0" dt="0"/>
   <p:txStyles>
     <p:titleStyle>
       <a:lvl1pPr algn="l" defTabSz="914400" rtl="0" eaLnBrk="1" latinLnBrk="0" hangingPunct="1">
@@ -4803,45 +4809,6 @@
       </p:sp>
       <p:sp>
         <p:nvSpPr>
-          <p:cNvPr id="4" name="Footer Placeholder 3">
-            <a:extLst>
-              <a:ext uri="{FF2B5EF4-FFF2-40B4-BE49-F238E27FC236}">
-                <a16:creationId xmlns:a16="http://schemas.microsoft.com/office/drawing/2014/main" id="{6E7F4D14-5620-EC41-A86C-6CC3CFD691B4}"/>
-              </a:ext>
-            </a:extLst>
-          </p:cNvPr>
-          <p:cNvSpPr>
-            <a:spLocks noGrp="1"/>
-          </p:cNvSpPr>
-          <p:nvPr>
-            <p:ph type="ftr" sz="quarter" idx="11"/>
-          </p:nvPr>
-        </p:nvSpPr>
-        <p:spPr>
-          <a:xfrm>
-            <a:off x="954001" y="323793"/>
-            <a:ext cx="4822452" cy="488392"/>
-          </a:xfrm>
-        </p:spPr>
-        <p:txBody>
-          <a:bodyPr/>
-          <a:lstStyle/>
-          <a:p>
-            <a:r>
-              <a:rPr lang="en-GB" sz="1400" dirty="0"/>
-              <a:t>7COM1079-2024  Student Group No: A169</a:t>
-            </a:r>
-          </a:p>
-          <a:p>
-            <a:r>
-              <a:rPr lang="en-GB" dirty="0"/>
-              <a:t>	             	             </a:t>
-            </a:r>
-          </a:p>
-        </p:txBody>
-      </p:sp>
-      <p:sp>
-        <p:nvSpPr>
           <p:cNvPr id="5" name="TextBox 4">
             <a:extLst>
               <a:ext uri="{FF2B5EF4-FFF2-40B4-BE49-F238E27FC236}">
@@ -4931,20 +4898,12 @@
               <a:buAutoNum type="arabicPeriod"/>
             </a:pPr>
             <a:r>
-              <a:rPr lang="en-US" sz="1500" dirty="0" err="1">
+              <a:rPr lang="en-US" sz="1500" dirty="0">
                 <a:solidFill>
                   <a:schemeClr val="bg2"/>
                 </a:solidFill>
               </a:rPr>
-              <a:t>Muqtadir</a:t>
-            </a:r>
-            <a:r>
-              <a:rPr lang="en-US" sz="1500" dirty="0">
-                <a:solidFill>
-                  <a:schemeClr val="bg2"/>
-                </a:solidFill>
-              </a:rPr>
-              <a:t> Siddiqui Mohammed Abdul</a:t>
+              <a:t>Muqtadir Siddiqui Mohammed Abdul</a:t>
             </a:r>
           </a:p>
           <a:p>
@@ -4953,20 +4912,12 @@
               <a:buAutoNum type="arabicPeriod"/>
             </a:pPr>
             <a:r>
-              <a:rPr lang="en-US" sz="1500" dirty="0" err="1">
+              <a:rPr lang="en-US" sz="1500" dirty="0">
                 <a:solidFill>
                   <a:schemeClr val="bg2"/>
                 </a:solidFill>
               </a:rPr>
-              <a:t>kashif</a:t>
-            </a:r>
-            <a:r>
-              <a:rPr lang="en-US" sz="1500" dirty="0">
-                <a:solidFill>
-                  <a:schemeClr val="bg2"/>
-                </a:solidFill>
-              </a:rPr>
-              <a:t> Uddin Mohammed</a:t>
+              <a:t>kashif Uddin Mohammed</a:t>
             </a:r>
           </a:p>
           <a:p>
@@ -5059,7 +5010,7 @@
         </p:nvSpPr>
         <p:spPr>
           <a:xfrm>
-            <a:off x="857134" y="2587833"/>
+            <a:off x="857134" y="2516438"/>
             <a:ext cx="9763433" cy="892552"/>
           </a:xfrm>
           <a:prstGeom prst="rect">
@@ -5114,7 +5065,7 @@
         </p:nvSpPr>
         <p:spPr>
           <a:xfrm>
-            <a:off x="857134" y="3818216"/>
+            <a:off x="857134" y="3840982"/>
             <a:ext cx="9448800" cy="369332"/>
           </a:xfrm>
           <a:prstGeom prst="rect">
@@ -5158,7 +5109,7 @@
         </p:nvSpPr>
         <p:spPr>
           <a:xfrm>
-            <a:off x="954001" y="4578834"/>
+            <a:off x="857134" y="4686989"/>
             <a:ext cx="2495666" cy="369332"/>
           </a:xfrm>
           <a:prstGeom prst="rect">
@@ -5178,7 +5129,107 @@
                   <a:schemeClr val="bg2"/>
                 </a:solidFill>
               </a:rPr>
-              <a:t>Date: 22/11/2024</a:t>
+              <a:t>Date: 10/11/2024</a:t>
+            </a:r>
+          </a:p>
+        </p:txBody>
+      </p:sp>
+      <p:sp>
+        <p:nvSpPr>
+          <p:cNvPr id="8" name="Slide Number Placeholder 7">
+            <a:extLst>
+              <a:ext uri="{FF2B5EF4-FFF2-40B4-BE49-F238E27FC236}">
+                <a16:creationId xmlns:a16="http://schemas.microsoft.com/office/drawing/2014/main" id="{019653D2-E849-D694-0C6A-48554CF68868}"/>
+              </a:ext>
+            </a:extLst>
+          </p:cNvPr>
+          <p:cNvSpPr>
+            <a:spLocks noGrp="1"/>
+          </p:cNvSpPr>
+          <p:nvPr>
+            <p:ph type="sldNum" sz="quarter" idx="12"/>
+          </p:nvPr>
+        </p:nvSpPr>
+        <p:spPr>
+          <a:xfrm>
+            <a:off x="11387260" y="6382344"/>
+            <a:ext cx="622800" cy="230832"/>
+          </a:xfrm>
+        </p:spPr>
+        <p:txBody>
+          <a:bodyPr/>
+          <a:lstStyle/>
+          <a:p>
+            <a:fld id="{E4D355CA-84B7-41B1-B164-8BB439CC7C6B}" type="slidenum">
+              <a:rPr lang="en-GB" smtClean="0"/>
+              <a:pPr/>
+              <a:t>1</a:t>
+            </a:fld>
+            <a:endParaRPr lang="en-GB" dirty="0"/>
+          </a:p>
+        </p:txBody>
+      </p:sp>
+      <p:sp>
+        <p:nvSpPr>
+          <p:cNvPr id="9" name="TextBox 8">
+            <a:extLst>
+              <a:ext uri="{FF2B5EF4-FFF2-40B4-BE49-F238E27FC236}">
+                <a16:creationId xmlns:a16="http://schemas.microsoft.com/office/drawing/2014/main" id="{02804C14-4EFA-7261-5D25-1E3EAF8CA730}"/>
+              </a:ext>
+            </a:extLst>
+          </p:cNvPr>
+          <p:cNvSpPr txBox="1"/>
+          <p:nvPr/>
+        </p:nvSpPr>
+        <p:spPr>
+          <a:xfrm>
+            <a:off x="857134" y="244824"/>
+            <a:ext cx="4572000" cy="323165"/>
+          </a:xfrm>
+          <a:prstGeom prst="rect">
+            <a:avLst/>
+          </a:prstGeom>
+          <a:noFill/>
+        </p:spPr>
+        <p:txBody>
+          <a:bodyPr wrap="square" rtlCol="0">
+            <a:spAutoFit/>
+          </a:bodyPr>
+          <a:lstStyle/>
+          <a:p>
+            <a:pPr marL="0" marR="0" lvl="0" indent="0" algn="l" defTabSz="914400" rtl="0" eaLnBrk="1" fontAlgn="auto" latinLnBrk="0" hangingPunct="1">
+              <a:lnSpc>
+                <a:spcPct val="100000"/>
+              </a:lnSpc>
+              <a:spcBef>
+                <a:spcPts val="0"/>
+              </a:spcBef>
+              <a:spcAft>
+                <a:spcPts val="0"/>
+              </a:spcAft>
+              <a:buClrTx/>
+              <a:buSzTx/>
+              <a:buFontTx/>
+              <a:buNone/>
+              <a:tabLst/>
+              <a:defRPr/>
+            </a:pPr>
+            <a:r>
+              <a:rPr kumimoji="0" lang="en-GB" sz="1500" b="0" i="0" u="none" strike="noStrike" kern="1200" cap="none" spc="0" normalizeH="0" baseline="0" noProof="0" dirty="0">
+                <a:ln>
+                  <a:noFill/>
+                </a:ln>
+                <a:solidFill>
+                  <a:srgbClr val="FFFFFF"/>
+                </a:solidFill>
+                <a:effectLst/>
+                <a:uLnTx/>
+                <a:uFillTx/>
+                <a:latin typeface="Arial" panose="020B0604020202020204"/>
+                <a:ea typeface="+mn-ea"/>
+                <a:cs typeface="+mn-cs"/>
+              </a:rPr>
+              <a:t>7COM1079-2024  Student Group No: A169</a:t>
             </a:r>
           </a:p>
         </p:txBody>
@@ -5197,141 +5248,6 @@
 </file>
 
 <file path=ppt/slides/slide2.xml><?xml version="1.0" encoding="utf-8"?>
-<p:sld xmlns:a="http://schemas.openxmlformats.org/drawingml/2006/main" xmlns:r="http://schemas.openxmlformats.org/officeDocument/2006/relationships" xmlns:p="http://schemas.openxmlformats.org/presentationml/2006/main">
-  <p:cSld>
-    <p:spTree>
-      <p:nvGrpSpPr>
-        <p:cNvPr id="1" name=""/>
-        <p:cNvGrpSpPr/>
-        <p:nvPr/>
-      </p:nvGrpSpPr>
-      <p:grpSpPr>
-        <a:xfrm>
-          <a:off x="0" y="0"/>
-          <a:ext cx="0" cy="0"/>
-          <a:chOff x="0" y="0"/>
-          <a:chExt cx="0" cy="0"/>
-        </a:xfrm>
-      </p:grpSpPr>
-      <p:sp>
-        <p:nvSpPr>
-          <p:cNvPr id="3" name="Footer Placeholder 2">
-            <a:extLst>
-              <a:ext uri="{FF2B5EF4-FFF2-40B4-BE49-F238E27FC236}">
-                <a16:creationId xmlns:a16="http://schemas.microsoft.com/office/drawing/2014/main" id="{E6EB5BD4-BD08-7B73-D9D9-2582DDE1B3D9}"/>
-              </a:ext>
-            </a:extLst>
-          </p:cNvPr>
-          <p:cNvSpPr>
-            <a:spLocks noGrp="1"/>
-          </p:cNvSpPr>
-          <p:nvPr>
-            <p:ph type="ftr" sz="quarter" idx="11"/>
-          </p:nvPr>
-        </p:nvSpPr>
-        <p:spPr/>
-        <p:txBody>
-          <a:bodyPr/>
-          <a:lstStyle/>
-          <a:p>
-            <a:pPr algn="ctr">
-              <a:lnSpc>
-                <a:spcPct val="90000"/>
-              </a:lnSpc>
-              <a:spcAft>
-                <a:spcPts val="600"/>
-              </a:spcAft>
-            </a:pPr>
-            <a:r>
-              <a:rPr lang="en-US" sz="1600" kern="1200" dirty="0">
-                <a:solidFill>
-                  <a:schemeClr val="tx1">
-                    <a:tint val="75000"/>
-                  </a:schemeClr>
-                </a:solidFill>
-                <a:latin typeface="+mn-lt"/>
-                <a:ea typeface="+mn-ea"/>
-                <a:cs typeface="+mn-cs"/>
-              </a:rPr>
-              <a:t>Analyzing the Correlation Between Movie Duration and IMDb Average Votes</a:t>
-            </a:r>
-          </a:p>
-        </p:txBody>
-      </p:sp>
-      <p:sp>
-        <p:nvSpPr>
-          <p:cNvPr id="4" name="Slide Number Placeholder 3">
-            <a:extLst>
-              <a:ext uri="{FF2B5EF4-FFF2-40B4-BE49-F238E27FC236}">
-                <a16:creationId xmlns:a16="http://schemas.microsoft.com/office/drawing/2014/main" id="{D1098E3C-BAB5-8478-26BA-5CDF4FAEFC64}"/>
-              </a:ext>
-            </a:extLst>
-          </p:cNvPr>
-          <p:cNvSpPr>
-            <a:spLocks noGrp="1"/>
-          </p:cNvSpPr>
-          <p:nvPr>
-            <p:ph type="sldNum" sz="quarter" idx="12"/>
-          </p:nvPr>
-        </p:nvSpPr>
-        <p:spPr/>
-        <p:txBody>
-          <a:bodyPr/>
-          <a:lstStyle/>
-          <a:p>
-            <a:fld id="{E4D355CA-84B7-41B1-B164-8BB439CC7C6B}" type="slidenum">
-              <a:rPr lang="en-GB" smtClean="0"/>
-              <a:pPr/>
-              <a:t>2</a:t>
-            </a:fld>
-            <a:endParaRPr lang="en-GB" dirty="0"/>
-          </a:p>
-        </p:txBody>
-      </p:sp>
-      <p:pic>
-        <p:nvPicPr>
-          <p:cNvPr id="5" name="Picture 4">
-            <a:extLst>
-              <a:ext uri="{FF2B5EF4-FFF2-40B4-BE49-F238E27FC236}">
-                <a16:creationId xmlns:a16="http://schemas.microsoft.com/office/drawing/2014/main" id="{C96EFA83-9C43-8D7E-DB2A-F7E0D063464B}"/>
-              </a:ext>
-            </a:extLst>
-          </p:cNvPr>
-          <p:cNvPicPr>
-            <a:picLocks noChangeAspect="1"/>
-          </p:cNvPicPr>
-          <p:nvPr/>
-        </p:nvPicPr>
-        <p:blipFill>
-          <a:blip r:embed="rId2"/>
-          <a:stretch>
-            <a:fillRect/>
-          </a:stretch>
-        </p:blipFill>
-        <p:spPr>
-          <a:xfrm>
-            <a:off x="654686" y="1560838"/>
-            <a:ext cx="10882627" cy="3591265"/>
-          </a:xfrm>
-          <a:prstGeom prst="rect">
-            <a:avLst/>
-          </a:prstGeom>
-        </p:spPr>
-      </p:pic>
-    </p:spTree>
-    <p:extLst>
-      <p:ext uri="{BB962C8B-B14F-4D97-AF65-F5344CB8AC3E}">
-        <p14:creationId xmlns:p14="http://schemas.microsoft.com/office/powerpoint/2010/main" val="1635040437"/>
-      </p:ext>
-    </p:extLst>
-  </p:cSld>
-  <p:clrMapOvr>
-    <a:masterClrMapping/>
-  </p:clrMapOvr>
-</p:sld>
-</file>
-
-<file path=ppt/slides/slide3.xml><?xml version="1.0" encoding="utf-8"?>
 <p:sld xmlns:a="http://schemas.openxmlformats.org/drawingml/2006/main" xmlns:r="http://schemas.openxmlformats.org/officeDocument/2006/relationships" xmlns:p="http://schemas.openxmlformats.org/presentationml/2006/main">
   <p:cSld>
     <p:bg>
@@ -5378,7 +5294,7 @@
         <p:spPr>
           <a:xfrm>
             <a:off x="279674" y="962658"/>
-            <a:ext cx="10905066" cy="1793765"/>
+            <a:ext cx="11183328" cy="2555572"/>
           </a:xfrm>
           <a:prstGeom prst="rect">
             <a:avLst/>
@@ -5387,116 +5303,6 @@
       </p:pic>
       <p:sp>
         <p:nvSpPr>
-          <p:cNvPr id="3" name="Footer Placeholder 2">
-            <a:extLst>
-              <a:ext uri="{FF2B5EF4-FFF2-40B4-BE49-F238E27FC236}">
-                <a16:creationId xmlns:a16="http://schemas.microsoft.com/office/drawing/2014/main" id="{E6EB5BD4-BD08-7B73-D9D9-2582DDE1B3D9}"/>
-              </a:ext>
-            </a:extLst>
-          </p:cNvPr>
-          <p:cNvSpPr>
-            <a:spLocks noGrp="1"/>
-          </p:cNvSpPr>
-          <p:nvPr>
-            <p:ph type="ftr" sz="quarter" idx="11"/>
-          </p:nvPr>
-        </p:nvSpPr>
-        <p:spPr>
-          <a:xfrm>
-            <a:off x="4038600" y="6356350"/>
-            <a:ext cx="4114800" cy="365125"/>
-          </a:xfrm>
-        </p:spPr>
-        <p:txBody>
-          <a:bodyPr vert="horz" lIns="91440" tIns="45720" rIns="91440" bIns="45720" rtlCol="0" anchor="ctr">
-            <a:normAutofit/>
-          </a:bodyPr>
-          <a:lstStyle/>
-          <a:p>
-            <a:pPr algn="ctr">
-              <a:lnSpc>
-                <a:spcPct val="90000"/>
-              </a:lnSpc>
-              <a:spcAft>
-                <a:spcPts val="600"/>
-              </a:spcAft>
-            </a:pPr>
-            <a:r>
-              <a:rPr lang="en-US" sz="900" kern="1200" dirty="0">
-                <a:solidFill>
-                  <a:schemeClr val="tx1">
-                    <a:tint val="75000"/>
-                  </a:schemeClr>
-                </a:solidFill>
-                <a:latin typeface="+mn-lt"/>
-                <a:ea typeface="+mn-ea"/>
-                <a:cs typeface="+mn-cs"/>
-              </a:rPr>
-              <a:t>Analyzing the Correlation Between Movie Duration and IMDb Average Votes</a:t>
-            </a:r>
-          </a:p>
-        </p:txBody>
-      </p:sp>
-      <p:sp>
-        <p:nvSpPr>
-          <p:cNvPr id="4" name="Slide Number Placeholder 3">
-            <a:extLst>
-              <a:ext uri="{FF2B5EF4-FFF2-40B4-BE49-F238E27FC236}">
-                <a16:creationId xmlns:a16="http://schemas.microsoft.com/office/drawing/2014/main" id="{D1098E3C-BAB5-8478-26BA-5CDF4FAEFC64}"/>
-              </a:ext>
-            </a:extLst>
-          </p:cNvPr>
-          <p:cNvSpPr>
-            <a:spLocks noGrp="1"/>
-          </p:cNvSpPr>
-          <p:nvPr>
-            <p:ph type="sldNum" sz="quarter" idx="12"/>
-          </p:nvPr>
-        </p:nvSpPr>
-        <p:spPr>
-          <a:xfrm>
-            <a:off x="8610600" y="6356350"/>
-            <a:ext cx="2743200" cy="365125"/>
-          </a:xfrm>
-        </p:spPr>
-        <p:txBody>
-          <a:bodyPr vert="horz" lIns="91440" tIns="45720" rIns="91440" bIns="45720" rtlCol="0" anchor="ctr">
-            <a:normAutofit/>
-          </a:bodyPr>
-          <a:lstStyle/>
-          <a:p>
-            <a:pPr>
-              <a:spcAft>
-                <a:spcPts val="600"/>
-              </a:spcAft>
-            </a:pPr>
-            <a:fld id="{E4D355CA-84B7-41B1-B164-8BB439CC7C6B}" type="slidenum">
-              <a:rPr lang="en-US" sz="1200" smtClean="0">
-                <a:solidFill>
-                  <a:schemeClr val="tx1">
-                    <a:tint val="75000"/>
-                  </a:schemeClr>
-                </a:solidFill>
-              </a:rPr>
-              <a:pPr>
-                <a:spcAft>
-                  <a:spcPts val="600"/>
-                </a:spcAft>
-              </a:pPr>
-              <a:t>3</a:t>
-            </a:fld>
-            <a:endParaRPr lang="en-US" sz="1200">
-              <a:solidFill>
-                <a:schemeClr val="tx1">
-                  <a:tint val="75000"/>
-                </a:schemeClr>
-              </a:solidFill>
-            </a:endParaRPr>
-          </a:p>
-        </p:txBody>
-      </p:sp>
-      <p:sp>
-        <p:nvSpPr>
           <p:cNvPr id="7" name="TextBox 6">
             <a:extLst>
               <a:ext uri="{FF2B5EF4-FFF2-40B4-BE49-F238E27FC236}">
@@ -5510,7 +5316,7 @@
         <p:spPr>
           <a:xfrm>
             <a:off x="279674" y="442451"/>
-            <a:ext cx="4960920" cy="369332"/>
+            <a:ext cx="4960920" cy="430887"/>
           </a:xfrm>
           <a:prstGeom prst="rect">
             <a:avLst/>
@@ -5528,7 +5334,7 @@
               <a:buChar char="v"/>
             </a:pPr>
             <a:r>
-              <a:rPr lang="en-US" b="1" u="sng" dirty="0"/>
+              <a:rPr lang="en-US" sz="2200" b="1" u="sng" dirty="0"/>
               <a:t>Sample data:</a:t>
             </a:r>
           </a:p>
@@ -5548,8 +5354,8 @@
         </p:nvSpPr>
         <p:spPr>
           <a:xfrm>
-            <a:off x="279674" y="3105834"/>
-            <a:ext cx="11587861" cy="646331"/>
+            <a:off x="279674" y="3686079"/>
+            <a:ext cx="11587861" cy="769441"/>
           </a:xfrm>
           <a:prstGeom prst="rect">
             <a:avLst/>
@@ -5567,19 +5373,19 @@
               <a:buChar char="v"/>
             </a:pPr>
             <a:r>
-              <a:rPr lang="en-US" b="1" u="sng" dirty="0"/>
+              <a:rPr lang="en-US" sz="2200" b="1" u="sng" dirty="0"/>
               <a:t>Columns used</a:t>
             </a:r>
             <a:r>
-              <a:rPr lang="en-US" dirty="0"/>
-              <a:t>:  1. duration </a:t>
+              <a:rPr lang="en-US" sz="2200" dirty="0"/>
+              <a:t>:  1. duration (minutes)</a:t>
             </a:r>
           </a:p>
           <a:p>
             <a:pPr lvl="4"/>
             <a:r>
-              <a:rPr lang="en-US" dirty="0"/>
-              <a:t>   2. avg_vote 			</a:t>
+              <a:rPr lang="en-US" sz="2200" dirty="0"/>
+              <a:t>         2. avg_vote (out of 10)			</a:t>
             </a:r>
           </a:p>
         </p:txBody>
@@ -5598,8 +5404,8 @@
         </p:nvSpPr>
         <p:spPr>
           <a:xfrm>
-            <a:off x="279674" y="3977858"/>
-            <a:ext cx="11277600" cy="369332"/>
+            <a:off x="279674" y="4684925"/>
+            <a:ext cx="11277600" cy="430887"/>
           </a:xfrm>
           <a:prstGeom prst="rect">
             <a:avLst/>
@@ -5617,16 +5423,223 @@
               <a:buChar char="v"/>
             </a:pPr>
             <a:r>
-              <a:rPr lang="en-US" dirty="0"/>
+              <a:rPr lang="en-US" sz="2200" dirty="0"/>
               <a:t>The dataset contains </a:t>
             </a:r>
             <a:r>
-              <a:rPr lang="en-US" b="1" dirty="0"/>
-              <a:t>81,273 rows</a:t>
-            </a:r>
-            <a:r>
-              <a:rPr lang="en-US" dirty="0"/>
+              <a:rPr lang="en-US" sz="2200" b="1" dirty="0"/>
+              <a:t>81,273 rows </a:t>
+            </a:r>
+            <a:r>
+              <a:rPr lang="en-US" sz="2200" dirty="0"/>
+              <a:t>and </a:t>
+            </a:r>
+            <a:r>
+              <a:rPr lang="en-US" sz="2200" b="1" dirty="0"/>
+              <a:t>22 columns</a:t>
+            </a:r>
+            <a:r>
+              <a:rPr lang="en-US" sz="2200" dirty="0"/>
               <a:t> in total.</a:t>
+            </a:r>
+          </a:p>
+        </p:txBody>
+      </p:sp>
+      <p:sp>
+        <p:nvSpPr>
+          <p:cNvPr id="9" name="Slide Number Placeholder 7">
+            <a:extLst>
+              <a:ext uri="{FF2B5EF4-FFF2-40B4-BE49-F238E27FC236}">
+                <a16:creationId xmlns:a16="http://schemas.microsoft.com/office/drawing/2014/main" id="{06F4E122-F086-0C11-ED62-737813015FDE}"/>
+              </a:ext>
+            </a:extLst>
+          </p:cNvPr>
+          <p:cNvSpPr txBox="1">
+            <a:spLocks/>
+          </p:cNvSpPr>
+          <p:nvPr/>
+        </p:nvSpPr>
+        <p:spPr>
+          <a:xfrm>
+            <a:off x="11387260" y="6382344"/>
+            <a:ext cx="622800" cy="230832"/>
+          </a:xfrm>
+          <a:prstGeom prst="rect">
+            <a:avLst/>
+          </a:prstGeom>
+        </p:spPr>
+        <p:txBody>
+          <a:bodyPr vert="horz" wrap="square" lIns="0" tIns="0" rIns="0" bIns="0" rtlCol="0" anchor="t" anchorCtr="0">
+            <a:noAutofit/>
+          </a:bodyPr>
+          <a:lstStyle>
+            <a:defPPr>
+              <a:defRPr lang="en-US"/>
+            </a:defPPr>
+            <a:lvl1pPr marL="0" algn="r" defTabSz="914400" rtl="0" eaLnBrk="1" latinLnBrk="0" hangingPunct="1">
+              <a:defRPr sz="1500" b="1" kern="1200">
+                <a:solidFill>
+                  <a:srgbClr val="8F9898"/>
+                </a:solidFill>
+                <a:latin typeface="+mn-lt"/>
+                <a:ea typeface="+mn-ea"/>
+                <a:cs typeface="+mn-cs"/>
+              </a:defRPr>
+            </a:lvl1pPr>
+            <a:lvl2pPr marL="457200" algn="l" defTabSz="914400" rtl="0" eaLnBrk="1" latinLnBrk="0" hangingPunct="1">
+              <a:defRPr sz="1800" kern="1200">
+                <a:solidFill>
+                  <a:schemeClr val="tx1"/>
+                </a:solidFill>
+                <a:latin typeface="+mn-lt"/>
+                <a:ea typeface="+mn-ea"/>
+                <a:cs typeface="+mn-cs"/>
+              </a:defRPr>
+            </a:lvl2pPr>
+            <a:lvl3pPr marL="914400" algn="l" defTabSz="914400" rtl="0" eaLnBrk="1" latinLnBrk="0" hangingPunct="1">
+              <a:defRPr sz="1800" kern="1200">
+                <a:solidFill>
+                  <a:schemeClr val="tx1"/>
+                </a:solidFill>
+                <a:latin typeface="+mn-lt"/>
+                <a:ea typeface="+mn-ea"/>
+                <a:cs typeface="+mn-cs"/>
+              </a:defRPr>
+            </a:lvl3pPr>
+            <a:lvl4pPr marL="1371600" algn="l" defTabSz="914400" rtl="0" eaLnBrk="1" latinLnBrk="0" hangingPunct="1">
+              <a:defRPr sz="1800" kern="1200">
+                <a:solidFill>
+                  <a:schemeClr val="tx1"/>
+                </a:solidFill>
+                <a:latin typeface="+mn-lt"/>
+                <a:ea typeface="+mn-ea"/>
+                <a:cs typeface="+mn-cs"/>
+              </a:defRPr>
+            </a:lvl4pPr>
+            <a:lvl5pPr marL="1828800" algn="l" defTabSz="914400" rtl="0" eaLnBrk="1" latinLnBrk="0" hangingPunct="1">
+              <a:defRPr sz="1800" kern="1200">
+                <a:solidFill>
+                  <a:schemeClr val="tx1"/>
+                </a:solidFill>
+                <a:latin typeface="+mn-lt"/>
+                <a:ea typeface="+mn-ea"/>
+                <a:cs typeface="+mn-cs"/>
+              </a:defRPr>
+            </a:lvl5pPr>
+            <a:lvl6pPr marL="2286000" algn="l" defTabSz="914400" rtl="0" eaLnBrk="1" latinLnBrk="0" hangingPunct="1">
+              <a:defRPr sz="1800" kern="1200">
+                <a:solidFill>
+                  <a:schemeClr val="tx1"/>
+                </a:solidFill>
+                <a:latin typeface="+mn-lt"/>
+                <a:ea typeface="+mn-ea"/>
+                <a:cs typeface="+mn-cs"/>
+              </a:defRPr>
+            </a:lvl6pPr>
+            <a:lvl7pPr marL="2743200" algn="l" defTabSz="914400" rtl="0" eaLnBrk="1" latinLnBrk="0" hangingPunct="1">
+              <a:defRPr sz="1800" kern="1200">
+                <a:solidFill>
+                  <a:schemeClr val="tx1"/>
+                </a:solidFill>
+                <a:latin typeface="+mn-lt"/>
+                <a:ea typeface="+mn-ea"/>
+                <a:cs typeface="+mn-cs"/>
+              </a:defRPr>
+            </a:lvl7pPr>
+            <a:lvl8pPr marL="3200400" algn="l" defTabSz="914400" rtl="0" eaLnBrk="1" latinLnBrk="0" hangingPunct="1">
+              <a:defRPr sz="1800" kern="1200">
+                <a:solidFill>
+                  <a:schemeClr val="tx1"/>
+                </a:solidFill>
+                <a:latin typeface="+mn-lt"/>
+                <a:ea typeface="+mn-ea"/>
+                <a:cs typeface="+mn-cs"/>
+              </a:defRPr>
+            </a:lvl8pPr>
+            <a:lvl9pPr marL="3657600" algn="l" defTabSz="914400" rtl="0" eaLnBrk="1" latinLnBrk="0" hangingPunct="1">
+              <a:defRPr sz="1800" kern="1200">
+                <a:solidFill>
+                  <a:schemeClr val="tx1"/>
+                </a:solidFill>
+                <a:latin typeface="+mn-lt"/>
+                <a:ea typeface="+mn-ea"/>
+                <a:cs typeface="+mn-cs"/>
+              </a:defRPr>
+            </a:lvl9pPr>
+          </a:lstStyle>
+          <a:p>
+            <a:fld id="{E4D355CA-84B7-41B1-B164-8BB439CC7C6B}" type="slidenum">
+              <a:rPr lang="en-GB" smtClean="0"/>
+              <a:pPr/>
+              <a:t>2</a:t>
+            </a:fld>
+            <a:endParaRPr lang="en-GB" dirty="0"/>
+          </a:p>
+        </p:txBody>
+      </p:sp>
+      <p:sp>
+        <p:nvSpPr>
+          <p:cNvPr id="11" name="TextBox 10">
+            <a:extLst>
+              <a:ext uri="{FF2B5EF4-FFF2-40B4-BE49-F238E27FC236}">
+                <a16:creationId xmlns:a16="http://schemas.microsoft.com/office/drawing/2014/main" id="{16760456-8F96-4079-AF5E-0ABEB02865E7}"/>
+              </a:ext>
+            </a:extLst>
+          </p:cNvPr>
+          <p:cNvSpPr txBox="1"/>
+          <p:nvPr/>
+        </p:nvSpPr>
+        <p:spPr>
+          <a:xfrm>
+            <a:off x="181940" y="6534835"/>
+            <a:ext cx="4572000" cy="323165"/>
+          </a:xfrm>
+          <a:prstGeom prst="rect">
+            <a:avLst/>
+          </a:prstGeom>
+          <a:noFill/>
+        </p:spPr>
+        <p:txBody>
+          <a:bodyPr wrap="square" rtlCol="0">
+            <a:spAutoFit/>
+          </a:bodyPr>
+          <a:lstStyle/>
+          <a:p>
+            <a:pPr marL="0" marR="0" lvl="0" indent="0" algn="l" defTabSz="914400" rtl="0" eaLnBrk="1" fontAlgn="auto" latinLnBrk="0" hangingPunct="1">
+              <a:lnSpc>
+                <a:spcPct val="100000"/>
+              </a:lnSpc>
+              <a:spcBef>
+                <a:spcPts val="0"/>
+              </a:spcBef>
+              <a:spcAft>
+                <a:spcPts val="0"/>
+              </a:spcAft>
+              <a:buClrTx/>
+              <a:buSzTx/>
+              <a:buFontTx/>
+              <a:buNone/>
+              <a:tabLst/>
+              <a:defRPr/>
+            </a:pPr>
+            <a:r>
+              <a:rPr kumimoji="0" lang="en-GB" sz="1500" b="0" i="0" u="none" strike="noStrike" kern="1200" cap="none" spc="0" normalizeH="0" baseline="0" noProof="0" dirty="0">
+                <a:ln>
+                  <a:noFill/>
+                </a:ln>
+                <a:solidFill>
+                  <a:schemeClr val="bg2">
+                    <a:lumMod val="50000"/>
+                  </a:schemeClr>
+                </a:solidFill>
+                <a:effectLst/>
+                <a:uLnTx/>
+                <a:uFillTx/>
+                <a:latin typeface="Arial" panose="020B0604020202020204"/>
+                <a:ea typeface="+mn-ea"/>
+                <a:cs typeface="+mn-cs"/>
+              </a:rPr>
+              <a:t>7COM1079-2024  Student Group No: A169</a:t>
             </a:r>
           </a:p>
         </p:txBody>
@@ -5635,6 +5648,421 @@
     <p:extLst>
       <p:ext uri="{BB962C8B-B14F-4D97-AF65-F5344CB8AC3E}">
         <p14:creationId xmlns:p14="http://schemas.microsoft.com/office/powerpoint/2010/main" val="849753773"/>
+      </p:ext>
+    </p:extLst>
+  </p:cSld>
+  <p:clrMapOvr>
+    <a:masterClrMapping/>
+  </p:clrMapOvr>
+</p:sld>
+</file>
+
+<file path=ppt/slides/slide3.xml><?xml version="1.0" encoding="utf-8"?>
+<p:sld xmlns:a="http://schemas.openxmlformats.org/drawingml/2006/main" xmlns:r="http://schemas.openxmlformats.org/officeDocument/2006/relationships" xmlns:p="http://schemas.openxmlformats.org/presentationml/2006/main">
+  <p:cSld>
+    <p:spTree>
+      <p:nvGrpSpPr>
+        <p:cNvPr id="1" name=""/>
+        <p:cNvGrpSpPr/>
+        <p:nvPr/>
+      </p:nvGrpSpPr>
+      <p:grpSpPr>
+        <a:xfrm>
+          <a:off x="0" y="0"/>
+          <a:ext cx="0" cy="0"/>
+          <a:chOff x="0" y="0"/>
+          <a:chExt cx="0" cy="0"/>
+        </a:xfrm>
+      </p:grpSpPr>
+      <p:sp>
+        <p:nvSpPr>
+          <p:cNvPr id="2" name="Subtitle 1">
+            <a:extLst>
+              <a:ext uri="{FF2B5EF4-FFF2-40B4-BE49-F238E27FC236}">
+                <a16:creationId xmlns:a16="http://schemas.microsoft.com/office/drawing/2014/main" id="{7D9D8228-727F-1E46-B5AD-91D158B8255E}"/>
+              </a:ext>
+            </a:extLst>
+          </p:cNvPr>
+          <p:cNvSpPr>
+            <a:spLocks noGrp="1"/>
+          </p:cNvSpPr>
+          <p:nvPr>
+            <p:ph type="subTitle" idx="1"/>
+          </p:nvPr>
+        </p:nvSpPr>
+        <p:spPr>
+          <a:xfrm>
+            <a:off x="965289" y="796046"/>
+            <a:ext cx="10110240" cy="588024"/>
+          </a:xfrm>
+        </p:spPr>
+        <p:txBody>
+          <a:bodyPr vert="horz" lIns="0" tIns="0" rIns="0" bIns="0" rtlCol="0" anchor="t">
+            <a:noAutofit/>
+          </a:bodyPr>
+          <a:lstStyle/>
+          <a:p>
+            <a:r>
+              <a:rPr lang="en-US" dirty="0"/>
+              <a:t>Dataset </a:t>
+            </a:r>
+            <a:r>
+              <a:rPr lang="en-US" dirty="0">
+                <a:solidFill>
+                  <a:srgbClr val="203232"/>
+                </a:solidFill>
+              </a:rPr>
+              <a:t>ID: DS231 (IMDb movies.csv)</a:t>
+            </a:r>
+            <a:endParaRPr lang="en-US" sz="2400" dirty="0">
+              <a:solidFill>
+                <a:srgbClr val="FF0000"/>
+              </a:solidFill>
+            </a:endParaRPr>
+          </a:p>
+        </p:txBody>
+      </p:sp>
+      <p:sp>
+        <p:nvSpPr>
+          <p:cNvPr id="5" name="Title 4">
+            <a:extLst>
+              <a:ext uri="{FF2B5EF4-FFF2-40B4-BE49-F238E27FC236}">
+                <a16:creationId xmlns:a16="http://schemas.microsoft.com/office/drawing/2014/main" id="{B3FA3829-F12C-214D-8FBA-7E1A740F65CA}"/>
+              </a:ext>
+            </a:extLst>
+          </p:cNvPr>
+          <p:cNvSpPr>
+            <a:spLocks noGrp="1"/>
+          </p:cNvSpPr>
+          <p:nvPr>
+            <p:ph type="ctrTitle"/>
+          </p:nvPr>
+        </p:nvSpPr>
+        <p:spPr>
+          <a:xfrm>
+            <a:off x="965289" y="1374422"/>
+            <a:ext cx="10853086" cy="3934998"/>
+          </a:xfrm>
+        </p:spPr>
+        <p:txBody>
+          <a:bodyPr>
+            <a:noAutofit/>
+          </a:bodyPr>
+          <a:lstStyle/>
+          <a:p>
+            <a:pPr>
+              <a:lnSpc>
+                <a:spcPct val="100000"/>
+              </a:lnSpc>
+            </a:pPr>
+            <a:r>
+              <a:rPr lang="en-US" sz="2800" b="0" dirty="0">
+                <a:latin typeface="Calibri"/>
+                <a:cs typeface="Calibri"/>
+              </a:rPr>
+              <a:t>This dataset is interesting to us because, it provides a large and diverse collection of data, which helps us to explore how a movie’s duration impacts the audience ratings and offers valuable insights for filmmakers.</a:t>
+            </a:r>
+            <a:br>
+              <a:rPr lang="en-US" sz="2800" b="0" dirty="0">
+                <a:latin typeface="Calibri" panose="020F0502020204030204" pitchFamily="34" charset="0"/>
+                <a:cs typeface="Calibri" panose="020F0502020204030204" pitchFamily="34" charset="0"/>
+              </a:rPr>
+            </a:br>
+            <a:br>
+              <a:rPr lang="en-US" sz="2800" b="0" dirty="0">
+                <a:latin typeface="Calibri" panose="020F0502020204030204" pitchFamily="34" charset="0"/>
+                <a:cs typeface="Calibri" panose="020F0502020204030204" pitchFamily="34" charset="0"/>
+              </a:rPr>
+            </a:br>
+            <a:r>
+              <a:rPr lang="en-US" sz="2800" b="0" dirty="0">
+                <a:latin typeface="Calibri"/>
+                <a:cs typeface="Calibri"/>
+              </a:rPr>
+              <a:t>Our  Independent variable </a:t>
+            </a:r>
+            <a:r>
+              <a:rPr lang="en-US" sz="2800" b="0" dirty="0">
+                <a:solidFill>
+                  <a:srgbClr val="FF0000"/>
+                </a:solidFill>
+                <a:latin typeface="Calibri"/>
+                <a:cs typeface="Calibri"/>
+              </a:rPr>
+              <a:t>duration</a:t>
+            </a:r>
+            <a:r>
+              <a:rPr lang="en-US" sz="2800" b="0" dirty="0">
+                <a:solidFill>
+                  <a:schemeClr val="tx2"/>
+                </a:solidFill>
+                <a:latin typeface="Calibri"/>
+                <a:cs typeface="Calibri"/>
+              </a:rPr>
+              <a:t>.</a:t>
+            </a:r>
+            <a:br>
+              <a:rPr lang="en-US" sz="2800" b="0" dirty="0">
+                <a:latin typeface="Calibri" panose="020F0502020204030204" pitchFamily="34" charset="0"/>
+                <a:cs typeface="Calibri" panose="020F0502020204030204" pitchFamily="34" charset="0"/>
+              </a:rPr>
+            </a:br>
+            <a:r>
+              <a:rPr lang="en-US" sz="2800" b="0" dirty="0">
+                <a:solidFill>
+                  <a:srgbClr val="FF0000"/>
+                </a:solidFill>
+                <a:latin typeface="Calibri"/>
+                <a:cs typeface="Calibri"/>
+              </a:rPr>
+              <a:t>                   </a:t>
+            </a:r>
+            <a:r>
+              <a:rPr lang="en-US" sz="2800" b="0" dirty="0">
+                <a:latin typeface="Calibri"/>
+                <a:cs typeface="Calibri"/>
+              </a:rPr>
+              <a:t>This  Independent variable datatype : </a:t>
+            </a:r>
+            <a:r>
+              <a:rPr lang="en-US" sz="2800" b="0" dirty="0">
+                <a:solidFill>
+                  <a:srgbClr val="FF0000"/>
+                </a:solidFill>
+                <a:latin typeface="Calibri"/>
+                <a:cs typeface="Calibri"/>
+              </a:rPr>
+              <a:t>Interval/measurement data</a:t>
+            </a:r>
+            <a:r>
+              <a:rPr lang="en-US" sz="2800" b="0" dirty="0">
+                <a:solidFill>
+                  <a:schemeClr val="tx2"/>
+                </a:solidFill>
+                <a:latin typeface="Calibri"/>
+                <a:cs typeface="Calibri"/>
+              </a:rPr>
+              <a:t>.</a:t>
+            </a:r>
+            <a:br>
+              <a:rPr lang="en-US" sz="2800" b="0" dirty="0">
+                <a:latin typeface="Calibri" panose="020F0502020204030204" pitchFamily="34" charset="0"/>
+                <a:cs typeface="Calibri" panose="020F0502020204030204" pitchFamily="34" charset="0"/>
+              </a:rPr>
+            </a:br>
+            <a:r>
+              <a:rPr lang="en-US" sz="2800" b="0" dirty="0">
+                <a:latin typeface="Calibri"/>
+                <a:cs typeface="Calibri"/>
+              </a:rPr>
+              <a:t>Our Dependent variable is </a:t>
+            </a:r>
+            <a:r>
+              <a:rPr lang="en-US" sz="2800" b="0" dirty="0">
+                <a:solidFill>
+                  <a:srgbClr val="FF0000"/>
+                </a:solidFill>
+                <a:latin typeface="Calibri"/>
+                <a:cs typeface="Calibri"/>
+              </a:rPr>
+              <a:t>avg_vote</a:t>
+            </a:r>
+            <a:r>
+              <a:rPr lang="en-US" sz="2800" b="0" dirty="0">
+                <a:solidFill>
+                  <a:schemeClr val="tx2"/>
+                </a:solidFill>
+                <a:latin typeface="Calibri"/>
+                <a:cs typeface="Calibri"/>
+              </a:rPr>
+              <a:t>.</a:t>
+            </a:r>
+            <a:br>
+              <a:rPr lang="en-US" sz="2800" b="0" dirty="0">
+                <a:latin typeface="Calibri" panose="020F0502020204030204" pitchFamily="34" charset="0"/>
+                <a:cs typeface="Calibri" panose="020F0502020204030204" pitchFamily="34" charset="0"/>
+              </a:rPr>
+            </a:br>
+            <a:r>
+              <a:rPr lang="en-US" sz="2800" b="0" dirty="0">
+                <a:solidFill>
+                  <a:srgbClr val="FF0000"/>
+                </a:solidFill>
+                <a:latin typeface="Calibri"/>
+                <a:cs typeface="Calibri"/>
+              </a:rPr>
+              <a:t>                   </a:t>
+            </a:r>
+            <a:r>
+              <a:rPr lang="en-US" sz="2800" b="0" dirty="0">
+                <a:latin typeface="Calibri"/>
+                <a:cs typeface="Calibri"/>
+              </a:rPr>
+              <a:t>This Dependent variable datatype: </a:t>
+            </a:r>
+            <a:r>
+              <a:rPr lang="en-US" sz="2800" b="0" dirty="0">
+                <a:solidFill>
+                  <a:srgbClr val="FF0000"/>
+                </a:solidFill>
+                <a:latin typeface="Calibri"/>
+                <a:cs typeface="Calibri"/>
+              </a:rPr>
+              <a:t>Interval/measurement data</a:t>
+            </a:r>
+            <a:r>
+              <a:rPr lang="en-US" sz="2800" b="0" dirty="0">
+                <a:solidFill>
+                  <a:schemeClr val="tx2"/>
+                </a:solidFill>
+                <a:latin typeface="Calibri"/>
+                <a:cs typeface="Calibri"/>
+              </a:rPr>
+              <a:t>.</a:t>
+            </a:r>
+            <a:br>
+              <a:rPr lang="en-US" sz="2800" b="0" dirty="0">
+                <a:solidFill>
+                  <a:schemeClr val="tx2"/>
+                </a:solidFill>
+                <a:latin typeface="Calibri"/>
+                <a:cs typeface="Calibri"/>
+              </a:rPr>
+            </a:br>
+            <a:br>
+              <a:rPr lang="en-US" sz="2800" b="0" dirty="0">
+                <a:solidFill>
+                  <a:schemeClr val="tx2"/>
+                </a:solidFill>
+                <a:latin typeface="Calibri"/>
+                <a:cs typeface="Calibri"/>
+              </a:rPr>
+            </a:br>
+            <a:br>
+              <a:rPr lang="en-US" sz="2800" b="0" dirty="0">
+                <a:solidFill>
+                  <a:schemeClr val="tx2"/>
+                </a:solidFill>
+                <a:latin typeface="Calibri"/>
+                <a:cs typeface="Calibri"/>
+              </a:rPr>
+            </a:br>
+            <a:endParaRPr lang="en-US" sz="2800" b="0" dirty="0">
+              <a:solidFill>
+                <a:srgbClr val="FF0000"/>
+              </a:solidFill>
+              <a:latin typeface="Calibri"/>
+              <a:cs typeface="Calibri"/>
+            </a:endParaRPr>
+          </a:p>
+        </p:txBody>
+      </p:sp>
+      <p:sp>
+        <p:nvSpPr>
+          <p:cNvPr id="10" name="Slide Number Placeholder 7">
+            <a:extLst>
+              <a:ext uri="{FF2B5EF4-FFF2-40B4-BE49-F238E27FC236}">
+                <a16:creationId xmlns:a16="http://schemas.microsoft.com/office/drawing/2014/main" id="{5C51EC48-2D74-9269-A2D4-E2F1766E30DC}"/>
+              </a:ext>
+            </a:extLst>
+          </p:cNvPr>
+          <p:cNvSpPr>
+            <a:spLocks noGrp="1"/>
+          </p:cNvSpPr>
+          <p:nvPr>
+            <p:ph type="sldNum" sz="quarter" idx="12"/>
+          </p:nvPr>
+        </p:nvSpPr>
+        <p:spPr>
+          <a:xfrm>
+            <a:off x="11387260" y="6382344"/>
+            <a:ext cx="622800" cy="230832"/>
+          </a:xfrm>
+        </p:spPr>
+        <p:txBody>
+          <a:bodyPr/>
+          <a:lstStyle/>
+          <a:p>
+            <a:fld id="{E4D355CA-84B7-41B1-B164-8BB439CC7C6B}" type="slidenum">
+              <a:rPr lang="en-GB" smtClean="0"/>
+              <a:pPr/>
+              <a:t>3</a:t>
+            </a:fld>
+            <a:endParaRPr lang="en-GB" dirty="0"/>
+          </a:p>
+        </p:txBody>
+      </p:sp>
+      <p:sp>
+        <p:nvSpPr>
+          <p:cNvPr id="11" name="TextBox 10">
+            <a:extLst>
+              <a:ext uri="{FF2B5EF4-FFF2-40B4-BE49-F238E27FC236}">
+                <a16:creationId xmlns:a16="http://schemas.microsoft.com/office/drawing/2014/main" id="{6A3DC864-6205-9E6F-8693-7F214D8A4D96}"/>
+              </a:ext>
+            </a:extLst>
+          </p:cNvPr>
+          <p:cNvSpPr txBox="1"/>
+          <p:nvPr/>
+        </p:nvSpPr>
+        <p:spPr>
+          <a:xfrm>
+            <a:off x="181940" y="6534835"/>
+            <a:ext cx="4572000" cy="323165"/>
+          </a:xfrm>
+          <a:prstGeom prst="rect">
+            <a:avLst/>
+          </a:prstGeom>
+          <a:noFill/>
+        </p:spPr>
+        <p:txBody>
+          <a:bodyPr wrap="square" rtlCol="0">
+            <a:spAutoFit/>
+          </a:bodyPr>
+          <a:lstStyle/>
+          <a:p>
+            <a:pPr marL="0" marR="0" lvl="0" indent="0" algn="l" defTabSz="914400" rtl="0" eaLnBrk="1" fontAlgn="auto" latinLnBrk="0" hangingPunct="1">
+              <a:lnSpc>
+                <a:spcPct val="100000"/>
+              </a:lnSpc>
+              <a:spcBef>
+                <a:spcPts val="0"/>
+              </a:spcBef>
+              <a:spcAft>
+                <a:spcPts val="0"/>
+              </a:spcAft>
+              <a:buClrTx/>
+              <a:buSzTx/>
+              <a:buFontTx/>
+              <a:buNone/>
+              <a:tabLst/>
+              <a:defRPr/>
+            </a:pPr>
+            <a:r>
+              <a:rPr kumimoji="0" lang="en-GB" sz="1500" b="0" i="0" u="none" strike="noStrike" kern="1200" cap="none" spc="0" normalizeH="0" baseline="0" noProof="0" dirty="0">
+                <a:ln>
+                  <a:noFill/>
+                </a:ln>
+                <a:solidFill>
+                  <a:schemeClr val="bg2">
+                    <a:lumMod val="50000"/>
+                  </a:schemeClr>
+                </a:solidFill>
+                <a:effectLst/>
+                <a:uLnTx/>
+                <a:uFillTx/>
+                <a:latin typeface="Arial" panose="020B0604020202020204"/>
+                <a:ea typeface="+mn-ea"/>
+                <a:cs typeface="+mn-cs"/>
+              </a:rPr>
+              <a:t>7COM1079-2024  Student Group No: A169</a:t>
+            </a:r>
+          </a:p>
+        </p:txBody>
+      </p:sp>
+    </p:spTree>
+    <p:extLst>
+      <p:ext uri="{BB962C8B-B14F-4D97-AF65-F5344CB8AC3E}">
+        <p14:creationId xmlns:p14="http://schemas.microsoft.com/office/powerpoint/2010/main" val="1718004908"/>
       </p:ext>
     </p:extLst>
   </p:cSld>
@@ -5666,7 +6094,7 @@
           <p:cNvPr id="2" name="Subtitle 1">
             <a:extLst>
               <a:ext uri="{FF2B5EF4-FFF2-40B4-BE49-F238E27FC236}">
-                <a16:creationId xmlns:a16="http://schemas.microsoft.com/office/drawing/2014/main" id="{7D9D8228-727F-1E46-B5AD-91D158B8255E}"/>
+                <a16:creationId xmlns:a16="http://schemas.microsoft.com/office/drawing/2014/main" id="{8E3CD731-5ACF-B002-247D-243F6E2149EC}"/>
               </a:ext>
             </a:extLst>
           </p:cNvPr>
@@ -5679,276 +6107,44 @@
         </p:nvSpPr>
         <p:spPr>
           <a:xfrm>
-            <a:off x="965288" y="1285092"/>
-            <a:ext cx="10110240" cy="588024"/>
-          </a:xfrm>
-        </p:spPr>
-        <p:txBody>
-          <a:bodyPr vert="horz" lIns="0" tIns="0" rIns="0" bIns="0" rtlCol="0" anchor="t">
-            <a:noAutofit/>
-          </a:bodyPr>
-          <a:lstStyle/>
-          <a:p>
-            <a:r>
-              <a:rPr lang="en-US" dirty="0"/>
-              <a:t>Dataset </a:t>
-            </a:r>
-            <a:r>
-              <a:rPr lang="en-US" dirty="0">
-                <a:solidFill>
-                  <a:srgbClr val="203232"/>
-                </a:solidFill>
-              </a:rPr>
-              <a:t>ID</a:t>
-            </a:r>
-            <a:r>
-              <a:rPr lang="en-US" sz="1600" dirty="0">
-                <a:solidFill>
-                  <a:srgbClr val="FF0000"/>
-                </a:solidFill>
-              </a:rPr>
-              <a:t>:   </a:t>
-            </a:r>
-            <a:r>
-              <a:rPr lang="en-US" sz="2400" dirty="0">
-                <a:solidFill>
-                  <a:srgbClr val="FF0000"/>
-                </a:solidFill>
-              </a:rPr>
-              <a:t>(replace this text with your DSXXX number and filename)</a:t>
-            </a:r>
-          </a:p>
-        </p:txBody>
-      </p:sp>
-      <p:sp>
-        <p:nvSpPr>
-          <p:cNvPr id="4" name="Slide Number Placeholder 3">
-            <a:extLst>
-              <a:ext uri="{FF2B5EF4-FFF2-40B4-BE49-F238E27FC236}">
-                <a16:creationId xmlns:a16="http://schemas.microsoft.com/office/drawing/2014/main" id="{CC9D9611-42EE-7840-81EE-DD6B1A99CD7B}"/>
-              </a:ext>
-            </a:extLst>
-          </p:cNvPr>
-          <p:cNvSpPr>
-            <a:spLocks noGrp="1"/>
-          </p:cNvSpPr>
-          <p:nvPr>
-            <p:ph type="sldNum" sz="quarter" idx="12"/>
-          </p:nvPr>
-        </p:nvSpPr>
-        <p:spPr>
-          <a:xfrm>
-            <a:off x="10954512" y="555565"/>
-            <a:ext cx="622800" cy="230832"/>
+            <a:off x="965289" y="1147638"/>
+            <a:ext cx="9753625" cy="230832"/>
           </a:xfrm>
         </p:spPr>
         <p:txBody>
           <a:bodyPr/>
           <a:lstStyle/>
           <a:p>
-            <a:r>
-              <a:rPr lang="en-US" dirty="0"/>
-              <a:t>2</a:t>
-            </a:r>
-            <a:endParaRPr lang="en-GB" dirty="0"/>
-          </a:p>
-        </p:txBody>
-      </p:sp>
-      <p:sp>
-        <p:nvSpPr>
-          <p:cNvPr id="5" name="Title 4">
-            <a:extLst>
-              <a:ext uri="{FF2B5EF4-FFF2-40B4-BE49-F238E27FC236}">
-                <a16:creationId xmlns:a16="http://schemas.microsoft.com/office/drawing/2014/main" id="{B3FA3829-F12C-214D-8FBA-7E1A740F65CA}"/>
-              </a:ext>
-            </a:extLst>
-          </p:cNvPr>
-          <p:cNvSpPr>
-            <a:spLocks noGrp="1"/>
-          </p:cNvSpPr>
-          <p:nvPr>
-            <p:ph type="ctrTitle"/>
-          </p:nvPr>
-        </p:nvSpPr>
-        <p:spPr>
-          <a:xfrm>
-            <a:off x="965288" y="1698305"/>
-            <a:ext cx="10974945" cy="2699181"/>
-          </a:xfrm>
-        </p:spPr>
-        <p:txBody>
-          <a:bodyPr>
-            <a:noAutofit/>
-          </a:bodyPr>
-          <a:lstStyle/>
-          <a:p>
             <a:pPr>
-              <a:lnSpc>
-                <a:spcPct val="100000"/>
-              </a:lnSpc>
+              <a:spcAft>
+                <a:spcPts val="0"/>
+              </a:spcAft>
             </a:pPr>
             <a:r>
-              <a:rPr lang="en-US" sz="2400" b="0" dirty="0">
-                <a:latin typeface="Calibri"/>
-                <a:cs typeface="Calibri"/>
-              </a:rPr>
-              <a:t>This dataset is interesting to us because </a:t>
-            </a:r>
-            <a:r>
-              <a:rPr lang="en-US" sz="2400" b="0" dirty="0">
-                <a:solidFill>
-                  <a:srgbClr val="FF0000"/>
-                </a:solidFill>
-                <a:latin typeface="Calibri"/>
-                <a:cs typeface="Calibri"/>
-              </a:rPr>
-              <a:t>(one sentence):</a:t>
-            </a:r>
-            <a:br>
-              <a:rPr lang="en-US" sz="2400" b="0" dirty="0">
-                <a:latin typeface="Calibri" panose="020F0502020204030204" pitchFamily="34" charset="0"/>
-                <a:cs typeface="Calibri" panose="020F0502020204030204" pitchFamily="34" charset="0"/>
-              </a:rPr>
-            </a:br>
-            <a:br>
-              <a:rPr lang="en-US" sz="2400" b="0" dirty="0">
-                <a:latin typeface="Calibri" panose="020F0502020204030204" pitchFamily="34" charset="0"/>
-                <a:cs typeface="Calibri" panose="020F0502020204030204" pitchFamily="34" charset="0"/>
-              </a:rPr>
-            </a:br>
-            <a:r>
-              <a:rPr lang="en-US" sz="2400" b="0" i="1" dirty="0">
-                <a:solidFill>
-                  <a:schemeClr val="accent2">
-                    <a:lumMod val="75000"/>
-                  </a:schemeClr>
-                </a:solidFill>
-                <a:latin typeface="Calibri"/>
-                <a:cs typeface="Calibri"/>
-              </a:rPr>
-              <a:t>From the column headings in your dataset choose ONE independent * and ONE dependent variable . </a:t>
-            </a:r>
-            <a:br>
-              <a:rPr lang="en-US" sz="2400" b="0" dirty="0">
-                <a:latin typeface="Calibri" panose="020F0502020204030204" pitchFamily="34" charset="0"/>
-                <a:cs typeface="Calibri" panose="020F0502020204030204" pitchFamily="34" charset="0"/>
-              </a:rPr>
-            </a:br>
-            <a:r>
-              <a:rPr lang="en-US" sz="2400" b="0" dirty="0">
-                <a:latin typeface="Calibri"/>
-                <a:cs typeface="Calibri"/>
-              </a:rPr>
-              <a:t>Our  Independent variable is: (</a:t>
-            </a:r>
-            <a:r>
-              <a:rPr lang="en-US" sz="2400" b="0" dirty="0">
-                <a:solidFill>
-                  <a:srgbClr val="FF0000"/>
-                </a:solidFill>
-                <a:latin typeface="Calibri"/>
-                <a:cs typeface="Calibri"/>
-              </a:rPr>
-              <a:t>the variable that remains constant /could cause an effect  on dep var)</a:t>
-            </a:r>
-            <a:br>
-              <a:rPr lang="en-US" sz="2400" b="0" dirty="0">
-                <a:latin typeface="Calibri" panose="020F0502020204030204" pitchFamily="34" charset="0"/>
-                <a:cs typeface="Calibri" panose="020F0502020204030204" pitchFamily="34" charset="0"/>
-              </a:rPr>
-            </a:br>
-            <a:r>
-              <a:rPr lang="en-US" sz="2400" b="0" dirty="0">
-                <a:solidFill>
-                  <a:srgbClr val="FF0000"/>
-                </a:solidFill>
-                <a:latin typeface="Calibri"/>
-                <a:cs typeface="Calibri"/>
-              </a:rPr>
-              <a:t>                   </a:t>
-            </a:r>
-            <a:r>
-              <a:rPr lang="en-US" sz="2400" b="0" dirty="0">
-                <a:latin typeface="Calibri"/>
-                <a:cs typeface="Calibri"/>
-              </a:rPr>
-              <a:t>This  Independent variable datatype is (select one): </a:t>
-            </a:r>
-            <a:r>
-              <a:rPr lang="en-US" sz="2400" b="0" dirty="0">
-                <a:solidFill>
-                  <a:srgbClr val="FF0000"/>
-                </a:solidFill>
-                <a:latin typeface="Calibri"/>
-                <a:cs typeface="Calibri"/>
-              </a:rPr>
-              <a:t>Nominal/categorial  OR Ordinal OR Interval/measurement data.</a:t>
-            </a:r>
-            <a:br>
-              <a:rPr lang="en-US" sz="2400" b="0" dirty="0">
-                <a:latin typeface="Calibri" panose="020F0502020204030204" pitchFamily="34" charset="0"/>
-                <a:cs typeface="Calibri" panose="020F0502020204030204" pitchFamily="34" charset="0"/>
-              </a:rPr>
-            </a:br>
-            <a:r>
-              <a:rPr lang="en-US" sz="2400" b="0" dirty="0">
-                <a:latin typeface="Calibri"/>
-                <a:cs typeface="Calibri"/>
-              </a:rPr>
-              <a:t>Our Dependent variable is: </a:t>
-            </a:r>
-            <a:r>
-              <a:rPr lang="en-US" sz="2400" b="0" dirty="0">
-                <a:solidFill>
-                  <a:srgbClr val="FF0000"/>
-                </a:solidFill>
-                <a:latin typeface="Calibri"/>
-                <a:cs typeface="Calibri"/>
-              </a:rPr>
-              <a:t>(your outcome variable that answers your RQ)</a:t>
-            </a:r>
-            <a:br>
-              <a:rPr lang="en-US" sz="2400" b="0" dirty="0">
-                <a:latin typeface="Calibri" panose="020F0502020204030204" pitchFamily="34" charset="0"/>
-                <a:cs typeface="Calibri" panose="020F0502020204030204" pitchFamily="34" charset="0"/>
-              </a:rPr>
-            </a:br>
-            <a:r>
-              <a:rPr lang="en-US" sz="2400" b="0" dirty="0">
-                <a:solidFill>
-                  <a:srgbClr val="FF0000"/>
-                </a:solidFill>
-                <a:latin typeface="Calibri"/>
-                <a:cs typeface="Calibri"/>
-              </a:rPr>
-              <a:t>                   </a:t>
-            </a:r>
-            <a:r>
-              <a:rPr lang="en-US" sz="2400" b="0" dirty="0">
-                <a:latin typeface="Calibri"/>
-                <a:cs typeface="Calibri"/>
-              </a:rPr>
-              <a:t>This Dependent variable datatype is  (select one): </a:t>
-            </a:r>
-            <a:r>
-              <a:rPr lang="en-US" sz="2400" b="0" dirty="0">
-                <a:solidFill>
-                  <a:srgbClr val="FF0000"/>
-                </a:solidFill>
-                <a:latin typeface="Calibri"/>
-                <a:cs typeface="Calibri"/>
-              </a:rPr>
-              <a:t>Nominal/categorial  OR Ordinal OR Interval/measurement data</a:t>
-            </a:r>
-          </a:p>
-        </p:txBody>
-      </p:sp>
-      <p:sp>
-        <p:nvSpPr>
-          <p:cNvPr id="6" name="TextBox 5">
-            <a:extLst>
-              <a:ext uri="{FF2B5EF4-FFF2-40B4-BE49-F238E27FC236}">
-                <a16:creationId xmlns:a16="http://schemas.microsoft.com/office/drawing/2014/main" id="{732D6C0D-D649-2AA9-7741-835F3E841A25}"/>
+              <a:rPr lang="en-GB" dirty="0"/>
+              <a:t>Our Research Question:</a:t>
+            </a:r>
+          </a:p>
+          <a:p>
+            <a:pPr>
+              <a:spcAft>
+                <a:spcPts val="0"/>
+              </a:spcAft>
+            </a:pPr>
+            <a:endParaRPr lang="en-GB" sz="1800" dirty="0">
+              <a:solidFill>
+                <a:srgbClr val="FF0000"/>
+              </a:solidFill>
+            </a:endParaRPr>
+          </a:p>
+        </p:txBody>
+      </p:sp>
+      <p:sp>
+        <p:nvSpPr>
+          <p:cNvPr id="9" name="TextBox 8">
+            <a:extLst>
+              <a:ext uri="{FF2B5EF4-FFF2-40B4-BE49-F238E27FC236}">
+                <a16:creationId xmlns:a16="http://schemas.microsoft.com/office/drawing/2014/main" id="{84BE34E0-B68A-B104-0856-9CF9E2316601}"/>
               </a:ext>
             </a:extLst>
           </p:cNvPr>
@@ -5957,8 +6153,8 @@
         </p:nvSpPr>
         <p:spPr>
           <a:xfrm>
-            <a:off x="6766560" y="5385816"/>
-            <a:ext cx="4187952" cy="1200329"/>
+            <a:off x="965289" y="1720840"/>
+            <a:ext cx="10501781" cy="3477875"/>
           </a:xfrm>
           <a:prstGeom prst="rect">
             <a:avLst/>
@@ -5972,14 +6168,167 @@
           <a:lstStyle/>
           <a:p>
             <a:r>
-              <a:rPr lang="en-GB" dirty="0">
-                <a:solidFill>
-                  <a:schemeClr val="accent2">
-                    <a:lumMod val="75000"/>
+              <a:rPr lang="en-US" sz="2400" dirty="0"/>
+              <a:t>Is there a correlation between average votes (dependent interval variable) and movie duration (independent interval variable)?</a:t>
+            </a:r>
+          </a:p>
+          <a:p>
+            <a:endParaRPr lang="en-US" sz="2400" dirty="0"/>
+          </a:p>
+          <a:p>
+            <a:r>
+              <a:rPr lang="en-US" sz="2800" b="1" dirty="0">
+                <a:solidFill>
+                  <a:schemeClr val="tx2"/>
+                </a:solidFill>
+                <a:latin typeface="Calibri"/>
+                <a:cs typeface="Calibri"/>
+              </a:rPr>
+              <a:t>Hypotheses:</a:t>
+            </a:r>
+          </a:p>
+          <a:p>
+            <a:pPr marL="342900" indent="-342900">
+              <a:buFont typeface="Arial" panose="020B0604020202020204" pitchFamily="34" charset="0"/>
+              <a:buChar char="•"/>
+            </a:pPr>
+            <a:r>
+              <a:rPr lang="en-US" sz="2400" b="0" dirty="0">
+                <a:solidFill>
+                  <a:schemeClr val="tx2"/>
+                </a:solidFill>
+                <a:latin typeface="Calibri"/>
+                <a:cs typeface="Calibri"/>
+              </a:rPr>
+              <a:t>Null Hypothesis (H₀): There is no correlation between average votes and movie duration.</a:t>
+            </a:r>
+          </a:p>
+          <a:p>
+            <a:pPr marL="342900" indent="-342900">
+              <a:buFont typeface="Arial" panose="020B0604020202020204" pitchFamily="34" charset="0"/>
+              <a:buChar char="•"/>
+            </a:pPr>
+            <a:r>
+              <a:rPr lang="en-US" sz="2400" b="0" dirty="0">
+                <a:solidFill>
+                  <a:schemeClr val="tx2"/>
+                </a:solidFill>
+                <a:latin typeface="Calibri"/>
+                <a:cs typeface="Calibri"/>
+              </a:rPr>
+              <a:t>Alternative Hypothesis (H₁): There is a correlation between average votes and movie duration.</a:t>
+            </a:r>
+            <a:br>
+              <a:rPr lang="en-US" sz="2400" b="0" dirty="0">
+                <a:solidFill>
+                  <a:schemeClr val="tx2"/>
+                </a:solidFill>
+                <a:latin typeface="Calibri"/>
+                <a:cs typeface="Calibri"/>
+              </a:rPr>
+            </a:br>
+            <a:endParaRPr lang="en-US" sz="2400" dirty="0"/>
+          </a:p>
+        </p:txBody>
+      </p:sp>
+      <p:sp>
+        <p:nvSpPr>
+          <p:cNvPr id="14" name="Slide Number Placeholder 7">
+            <a:extLst>
+              <a:ext uri="{FF2B5EF4-FFF2-40B4-BE49-F238E27FC236}">
+                <a16:creationId xmlns:a16="http://schemas.microsoft.com/office/drawing/2014/main" id="{EDBBBC1D-1DBF-D69E-E417-AB556A875E8F}"/>
+              </a:ext>
+            </a:extLst>
+          </p:cNvPr>
+          <p:cNvSpPr>
+            <a:spLocks noGrp="1"/>
+          </p:cNvSpPr>
+          <p:nvPr>
+            <p:ph type="sldNum" sz="quarter" idx="12"/>
+          </p:nvPr>
+        </p:nvSpPr>
+        <p:spPr>
+          <a:xfrm>
+            <a:off x="11387260" y="6382344"/>
+            <a:ext cx="622800" cy="230832"/>
+          </a:xfrm>
+        </p:spPr>
+        <p:txBody>
+          <a:bodyPr/>
+          <a:lstStyle/>
+          <a:p>
+            <a:fld id="{E4D355CA-84B7-41B1-B164-8BB439CC7C6B}" type="slidenum">
+              <a:rPr lang="en-GB" smtClean="0"/>
+              <a:pPr/>
+              <a:t>4</a:t>
+            </a:fld>
+            <a:endParaRPr lang="en-GB" dirty="0"/>
+          </a:p>
+        </p:txBody>
+      </p:sp>
+      <p:sp>
+        <p:nvSpPr>
+          <p:cNvPr id="15" name="TextBox 14">
+            <a:extLst>
+              <a:ext uri="{FF2B5EF4-FFF2-40B4-BE49-F238E27FC236}">
+                <a16:creationId xmlns:a16="http://schemas.microsoft.com/office/drawing/2014/main" id="{AE670F69-E085-7F96-712F-1FE6B0FA494A}"/>
+              </a:ext>
+            </a:extLst>
+          </p:cNvPr>
+          <p:cNvSpPr txBox="1"/>
+          <p:nvPr/>
+        </p:nvSpPr>
+        <p:spPr>
+          <a:xfrm>
+            <a:off x="181940" y="6534835"/>
+            <a:ext cx="4572000" cy="323165"/>
+          </a:xfrm>
+          <a:prstGeom prst="rect">
+            <a:avLst/>
+          </a:prstGeom>
+          <a:noFill/>
+        </p:spPr>
+        <p:txBody>
+          <a:bodyPr wrap="square" rtlCol="0">
+            <a:spAutoFit/>
+          </a:bodyPr>
+          <a:lstStyle/>
+          <a:p>
+            <a:pPr marL="0" marR="0" lvl="0" indent="0" algn="l" defTabSz="914400" rtl="0" eaLnBrk="1" fontAlgn="auto" latinLnBrk="0" hangingPunct="1">
+              <a:lnSpc>
+                <a:spcPct val="100000"/>
+              </a:lnSpc>
+              <a:spcBef>
+                <a:spcPts val="0"/>
+              </a:spcBef>
+              <a:spcAft>
+                <a:spcPts val="0"/>
+              </a:spcAft>
+              <a:buClrTx/>
+              <a:buSzTx/>
+              <a:buFontTx/>
+              <a:buNone/>
+              <a:tabLst/>
+              <a:defRPr/>
+            </a:pPr>
+            <a:r>
+              <a:rPr kumimoji="0" lang="en-GB" sz="1500" b="0" i="0" u="none" strike="noStrike" kern="1200" cap="none" spc="0" normalizeH="0" baseline="0" noProof="0" dirty="0">
+                <a:ln>
+                  <a:noFill/>
+                </a:ln>
+                <a:solidFill>
+                  <a:schemeClr val="bg2">
+                    <a:lumMod val="50000"/>
                   </a:schemeClr>
                 </a:solidFill>
+                <a:effectLst/>
+                <a:uLnTx/>
+                <a:uFillTx/>
+                <a:latin typeface="Arial" panose="020B0604020202020204"/>
+                <a:ea typeface="+mn-ea"/>
+                <a:cs typeface="+mn-cs"/>
               </a:rPr>
-              <a:t>*For comparison of two nominal variables and for comparison of proportions you use two (or more) independent variables (see next slide)</a:t>
+              <a:t>7COM1079-2024  Student Group No: A169</a:t>
             </a:r>
           </a:p>
         </p:txBody>
@@ -5987,7 +6336,7 @@
     </p:spTree>
     <p:extLst>
       <p:ext uri="{BB962C8B-B14F-4D97-AF65-F5344CB8AC3E}">
-        <p14:creationId xmlns:p14="http://schemas.microsoft.com/office/powerpoint/2010/main" val="1718004908"/>
+        <p14:creationId xmlns:p14="http://schemas.microsoft.com/office/powerpoint/2010/main" val="32494612"/>
       </p:ext>
     </p:extLst>
   </p:cSld>
@@ -6016,10 +6365,10 @@
       </p:grpSpPr>
       <p:sp>
         <p:nvSpPr>
-          <p:cNvPr id="2" name="Subtitle 1">
-            <a:extLst>
-              <a:ext uri="{FF2B5EF4-FFF2-40B4-BE49-F238E27FC236}">
-                <a16:creationId xmlns:a16="http://schemas.microsoft.com/office/drawing/2014/main" id="{8E3CD731-5ACF-B002-247D-243F6E2149EC}"/>
+          <p:cNvPr id="10" name="Slide Number Placeholder 7">
+            <a:extLst>
+              <a:ext uri="{FF2B5EF4-FFF2-40B4-BE49-F238E27FC236}">
+                <a16:creationId xmlns:a16="http://schemas.microsoft.com/office/drawing/2014/main" id="{C0C22E13-ADE2-B133-DDC5-86B8CDBF9F14}"/>
               </a:ext>
             </a:extLst>
           </p:cNvPr>
@@ -6027,540 +6376,34 @@
             <a:spLocks noGrp="1"/>
           </p:cNvSpPr>
           <p:nvPr>
-            <p:ph type="subTitle" idx="1"/>
-          </p:nvPr>
-        </p:nvSpPr>
-        <p:spPr>
-          <a:xfrm>
-            <a:off x="965289" y="1147638"/>
-            <a:ext cx="9753625" cy="230832"/>
+            <p:ph type="sldNum" sz="quarter" idx="12"/>
+          </p:nvPr>
+        </p:nvSpPr>
+        <p:spPr>
+          <a:xfrm>
+            <a:off x="11387260" y="6382344"/>
+            <a:ext cx="622800" cy="230832"/>
           </a:xfrm>
         </p:spPr>
         <p:txBody>
           <a:bodyPr/>
           <a:lstStyle/>
           <a:p>
-            <a:pPr>
-              <a:spcAft>
-                <a:spcPts val="0"/>
-              </a:spcAft>
-            </a:pPr>
-            <a:r>
-              <a:rPr lang="en-GB" dirty="0"/>
-              <a:t>Our Research Question is </a:t>
-            </a:r>
-            <a:r>
-              <a:rPr lang="en-GB" sz="1800" dirty="0">
-                <a:solidFill>
-                  <a:srgbClr val="FF0000"/>
-                </a:solidFill>
-              </a:rPr>
-              <a:t>Choose ONE of the three templates below replacing the blue text with your variables – then add hypotheses as shown in next slide:</a:t>
-            </a:r>
-          </a:p>
-        </p:txBody>
-      </p:sp>
-      <p:sp>
-        <p:nvSpPr>
-          <p:cNvPr id="3" name="Footer Placeholder 2">
-            <a:extLst>
-              <a:ext uri="{FF2B5EF4-FFF2-40B4-BE49-F238E27FC236}">
-                <a16:creationId xmlns:a16="http://schemas.microsoft.com/office/drawing/2014/main" id="{3C4D431B-7665-75B0-2D73-5BD588DCB766}"/>
-              </a:ext>
-            </a:extLst>
-          </p:cNvPr>
-          <p:cNvSpPr>
-            <a:spLocks noGrp="1"/>
-          </p:cNvSpPr>
-          <p:nvPr>
-            <p:ph type="ftr" sz="quarter" idx="11"/>
-          </p:nvPr>
-        </p:nvSpPr>
-        <p:spPr/>
-        <p:txBody>
-          <a:bodyPr/>
-          <a:lstStyle/>
-          <a:p>
-            <a:r>
-              <a:rPr lang="en-GB" dirty="0"/>
-              <a:t>PRE 7COM1079-2024  Student Group No:  ?????</a:t>
-            </a:r>
-          </a:p>
-        </p:txBody>
-      </p:sp>
-      <p:sp>
-        <p:nvSpPr>
-          <p:cNvPr id="4" name="Slide Number Placeholder 3">
-            <a:extLst>
-              <a:ext uri="{FF2B5EF4-FFF2-40B4-BE49-F238E27FC236}">
-                <a16:creationId xmlns:a16="http://schemas.microsoft.com/office/drawing/2014/main" id="{1625FA15-B17F-387B-E383-5505647ABB89}"/>
-              </a:ext>
-            </a:extLst>
-          </p:cNvPr>
-          <p:cNvSpPr>
-            <a:spLocks noGrp="1"/>
-          </p:cNvSpPr>
-          <p:nvPr>
-            <p:ph type="sldNum" sz="quarter" idx="12"/>
-          </p:nvPr>
-        </p:nvSpPr>
-        <p:spPr>
-          <a:xfrm>
-            <a:off x="10616400" y="791022"/>
-            <a:ext cx="622800" cy="230832"/>
-          </a:xfrm>
-        </p:spPr>
-        <p:txBody>
-          <a:bodyPr/>
-          <a:lstStyle/>
-          <a:p>
-            <a:r>
-              <a:rPr lang="en-US" dirty="0"/>
-              <a:t>3</a:t>
-            </a:r>
+            <a:fld id="{E4D355CA-84B7-41B1-B164-8BB439CC7C6B}" type="slidenum">
+              <a:rPr lang="en-GB" smtClean="0"/>
+              <a:pPr/>
+              <a:t>5</a:t>
+            </a:fld>
             <a:endParaRPr lang="en-GB" dirty="0"/>
           </a:p>
         </p:txBody>
       </p:sp>
       <p:sp>
         <p:nvSpPr>
-          <p:cNvPr id="5" name="Title 4">
-            <a:extLst>
-              <a:ext uri="{FF2B5EF4-FFF2-40B4-BE49-F238E27FC236}">
-                <a16:creationId xmlns:a16="http://schemas.microsoft.com/office/drawing/2014/main" id="{3440DA25-F620-152B-DE9E-776F7B74DFF0}"/>
-              </a:ext>
-            </a:extLst>
-          </p:cNvPr>
-          <p:cNvSpPr>
-            <a:spLocks noGrp="1"/>
-          </p:cNvSpPr>
-          <p:nvPr>
-            <p:ph type="ctrTitle"/>
-          </p:nvPr>
-        </p:nvSpPr>
-        <p:spPr>
-          <a:xfrm>
-            <a:off x="965289" y="1893914"/>
-            <a:ext cx="10640594" cy="2678085"/>
-          </a:xfrm>
-        </p:spPr>
-        <p:txBody>
-          <a:bodyPr>
-            <a:noAutofit/>
-          </a:bodyPr>
-          <a:lstStyle/>
-          <a:p>
-            <a:pPr>
-              <a:lnSpc>
-                <a:spcPct val="100000"/>
-              </a:lnSpc>
-            </a:pPr>
-            <a:r>
-              <a:rPr lang="en-IE" sz="2400" dirty="0">
-                <a:effectLst/>
-                <a:latin typeface="Calibri" panose="020F0502020204030204" pitchFamily="34" charset="0"/>
-                <a:ea typeface="Calibri" panose="020F0502020204030204" pitchFamily="34" charset="0"/>
-                <a:cs typeface="Times New Roman" panose="02020603050405020304" pitchFamily="18" charset="0"/>
-              </a:rPr>
-              <a:t>Template </a:t>
-            </a:r>
-            <a:r>
-              <a:rPr lang="en-IE" sz="2400" baseline="30000" dirty="0">
-                <a:effectLst/>
-                <a:latin typeface="Calibri" panose="020F0502020204030204" pitchFamily="34" charset="0"/>
-                <a:ea typeface="Calibri" panose="020F0502020204030204" pitchFamily="34" charset="0"/>
-                <a:cs typeface="Times New Roman" panose="02020603050405020304" pitchFamily="18" charset="0"/>
-              </a:rPr>
-              <a:t>1</a:t>
-            </a:r>
-            <a:r>
-              <a:rPr lang="en-IE" sz="2400" dirty="0">
-                <a:effectLst/>
-                <a:latin typeface="Calibri" panose="020F0502020204030204" pitchFamily="34" charset="0"/>
-                <a:ea typeface="Calibri" panose="020F0502020204030204" pitchFamily="34" charset="0"/>
-                <a:cs typeface="Times New Roman" panose="02020603050405020304" pitchFamily="18" charset="0"/>
-              </a:rPr>
-              <a:t>: </a:t>
-            </a:r>
-            <a:r>
-              <a:rPr lang="en-IE" sz="2400" b="0" dirty="0">
-                <a:effectLst/>
-                <a:latin typeface="Calibri" panose="020F0502020204030204" pitchFamily="34" charset="0"/>
-                <a:ea typeface="Calibri" panose="020F0502020204030204" pitchFamily="34" charset="0"/>
-                <a:cs typeface="Times New Roman" panose="02020603050405020304" pitchFamily="18" charset="0"/>
-              </a:rPr>
-              <a:t>Interval/Ordinal vs Interval/Ordinal: “Is there a correlation between </a:t>
-            </a:r>
-            <a:r>
-              <a:rPr lang="en-IE" sz="2400" b="0" dirty="0">
-                <a:solidFill>
-                  <a:srgbClr val="0070C0"/>
-                </a:solidFill>
-                <a:effectLst/>
-                <a:latin typeface="Calibri" panose="020F0502020204030204" pitchFamily="34" charset="0"/>
-                <a:ea typeface="Calibri" panose="020F0502020204030204" pitchFamily="34" charset="0"/>
-                <a:cs typeface="Times New Roman" panose="02020603050405020304" pitchFamily="18" charset="0"/>
-              </a:rPr>
-              <a:t>[dependent interval </a:t>
-            </a:r>
-            <a:r>
-              <a:rPr lang="en-IE" sz="2400" b="0" dirty="0">
-                <a:effectLst/>
-                <a:latin typeface="Calibri" panose="020F0502020204030204" pitchFamily="34" charset="0"/>
-                <a:ea typeface="Calibri" panose="020F0502020204030204" pitchFamily="34" charset="0"/>
-                <a:cs typeface="Times New Roman" panose="02020603050405020304" pitchFamily="18" charset="0"/>
-              </a:rPr>
-              <a:t>or</a:t>
-            </a:r>
-            <a:r>
-              <a:rPr lang="en-IE" sz="2400" b="0" dirty="0">
-                <a:solidFill>
-                  <a:srgbClr val="0070C0"/>
-                </a:solidFill>
-                <a:effectLst/>
-                <a:latin typeface="Calibri" panose="020F0502020204030204" pitchFamily="34" charset="0"/>
-                <a:ea typeface="Calibri" panose="020F0502020204030204" pitchFamily="34" charset="0"/>
-                <a:cs typeface="Times New Roman" panose="02020603050405020304" pitchFamily="18" charset="0"/>
-              </a:rPr>
-              <a:t> ordinal variable] </a:t>
-            </a:r>
-            <a:r>
-              <a:rPr lang="en-IE" sz="2400" b="0" dirty="0">
-                <a:effectLst/>
-                <a:latin typeface="Calibri" panose="020F0502020204030204" pitchFamily="34" charset="0"/>
-                <a:ea typeface="Calibri" panose="020F0502020204030204" pitchFamily="34" charset="0"/>
-                <a:cs typeface="Times New Roman" panose="02020603050405020304" pitchFamily="18" charset="0"/>
-              </a:rPr>
-              <a:t>and </a:t>
-            </a:r>
-            <a:r>
-              <a:rPr lang="en-IE" sz="2400" b="0" dirty="0">
-                <a:solidFill>
-                  <a:srgbClr val="0070C0"/>
-                </a:solidFill>
-                <a:effectLst/>
-                <a:latin typeface="Calibri" panose="020F0502020204030204" pitchFamily="34" charset="0"/>
-                <a:ea typeface="Calibri" panose="020F0502020204030204" pitchFamily="34" charset="0"/>
-                <a:cs typeface="Times New Roman" panose="02020603050405020304" pitchFamily="18" charset="0"/>
-              </a:rPr>
-              <a:t>[independent interval </a:t>
-            </a:r>
-            <a:r>
-              <a:rPr lang="en-IE" sz="2400" b="0" dirty="0">
-                <a:effectLst/>
-                <a:latin typeface="Calibri" panose="020F0502020204030204" pitchFamily="34" charset="0"/>
-                <a:ea typeface="Calibri" panose="020F0502020204030204" pitchFamily="34" charset="0"/>
-                <a:cs typeface="Times New Roman" panose="02020603050405020304" pitchFamily="18" charset="0"/>
-              </a:rPr>
-              <a:t>or</a:t>
-            </a:r>
-            <a:r>
-              <a:rPr lang="en-IE" sz="2400" b="0" dirty="0">
-                <a:solidFill>
-                  <a:srgbClr val="0070C0"/>
-                </a:solidFill>
-                <a:effectLst/>
-                <a:latin typeface="Calibri" panose="020F0502020204030204" pitchFamily="34" charset="0"/>
-                <a:ea typeface="Calibri" panose="020F0502020204030204" pitchFamily="34" charset="0"/>
-                <a:cs typeface="Times New Roman" panose="02020603050405020304" pitchFamily="18" charset="0"/>
-              </a:rPr>
-              <a:t> ordinal variable?]”</a:t>
-            </a:r>
-            <a:r>
-              <a:rPr lang="en-IE" sz="2400" b="0" dirty="0">
-                <a:effectLst/>
-                <a:latin typeface="Calibri" panose="020F0502020204030204" pitchFamily="34" charset="0"/>
-                <a:ea typeface="Calibri" panose="020F0502020204030204" pitchFamily="34" charset="0"/>
-                <a:cs typeface="Times New Roman" panose="02020603050405020304" pitchFamily="18" charset="0"/>
-              </a:rPr>
-              <a:t>. </a:t>
-            </a:r>
-            <a:br>
-              <a:rPr lang="en-IE" sz="2400" dirty="0">
-                <a:effectLst/>
-                <a:latin typeface="Calibri" panose="020F0502020204030204" pitchFamily="34" charset="0"/>
-                <a:ea typeface="Calibri" panose="020F0502020204030204" pitchFamily="34" charset="0"/>
-                <a:cs typeface="Times New Roman" panose="02020603050405020304" pitchFamily="18" charset="0"/>
-              </a:rPr>
-            </a:br>
-            <a:br>
-              <a:rPr lang="en-IE" sz="2400" dirty="0">
-                <a:effectLst/>
-                <a:latin typeface="Calibri" panose="020F0502020204030204" pitchFamily="34" charset="0"/>
-                <a:ea typeface="Calibri" panose="020F0502020204030204" pitchFamily="34" charset="0"/>
-                <a:cs typeface="Times New Roman" panose="02020603050405020304" pitchFamily="18" charset="0"/>
-              </a:rPr>
-            </a:br>
-            <a:r>
-              <a:rPr lang="en-IE" sz="2400" dirty="0">
-                <a:effectLst/>
-                <a:latin typeface="Calibri" panose="020F0502020204030204" pitchFamily="34" charset="0"/>
-                <a:ea typeface="Calibri" panose="020F0502020204030204" pitchFamily="34" charset="0"/>
-                <a:cs typeface="Times New Roman" panose="02020603050405020304" pitchFamily="18" charset="0"/>
-              </a:rPr>
-              <a:t>Template</a:t>
-            </a:r>
-            <a:r>
-              <a:rPr lang="en-IE" sz="2400" baseline="30000" dirty="0">
-                <a:effectLst/>
-                <a:latin typeface="Calibri" panose="020F0502020204030204" pitchFamily="34" charset="0"/>
-                <a:ea typeface="Calibri" panose="020F0502020204030204" pitchFamily="34" charset="0"/>
-                <a:cs typeface="Times New Roman" panose="02020603050405020304" pitchFamily="18" charset="0"/>
-              </a:rPr>
-              <a:t>2</a:t>
-            </a:r>
-            <a:r>
-              <a:rPr lang="en-IE" sz="2400" dirty="0">
-                <a:effectLst/>
-                <a:latin typeface="Calibri" panose="020F0502020204030204" pitchFamily="34" charset="0"/>
-                <a:ea typeface="Calibri" panose="020F0502020204030204" pitchFamily="34" charset="0"/>
-                <a:cs typeface="Times New Roman" panose="02020603050405020304" pitchFamily="18" charset="0"/>
-              </a:rPr>
-              <a:t> :</a:t>
-            </a:r>
-            <a:r>
-              <a:rPr lang="en-IE" sz="2400" b="0" dirty="0">
-                <a:effectLst/>
-                <a:latin typeface="Calibri" panose="020F0502020204030204" pitchFamily="34" charset="0"/>
-                <a:ea typeface="Calibri" panose="020F0502020204030204" pitchFamily="34" charset="0"/>
-                <a:cs typeface="Times New Roman" panose="02020603050405020304" pitchFamily="18" charset="0"/>
-              </a:rPr>
-              <a:t>Interval/Ordinal vs Nominal. data “Is there a difference in the mean of </a:t>
-            </a:r>
-            <a:r>
-              <a:rPr lang="en-IE" sz="2400" b="0" dirty="0">
-                <a:solidFill>
-                  <a:srgbClr val="0070C0"/>
-                </a:solidFill>
-                <a:effectLst/>
-                <a:latin typeface="Calibri" panose="020F0502020204030204" pitchFamily="34" charset="0"/>
-                <a:ea typeface="Calibri" panose="020F0502020204030204" pitchFamily="34" charset="0"/>
-                <a:cs typeface="Times New Roman" panose="02020603050405020304" pitchFamily="18" charset="0"/>
-              </a:rPr>
-              <a:t>[dependent interval variable </a:t>
-            </a:r>
-            <a:r>
-              <a:rPr lang="en-IE" sz="2400" b="0" dirty="0">
-                <a:solidFill>
-                  <a:srgbClr val="0070C0"/>
-                </a:solidFill>
-                <a:latin typeface="Calibri" panose="020F0502020204030204" pitchFamily="34" charset="0"/>
-                <a:ea typeface="Calibri" panose="020F0502020204030204" pitchFamily="34" charset="0"/>
-                <a:cs typeface="Times New Roman" panose="02020603050405020304" pitchFamily="18" charset="0"/>
-              </a:rPr>
-              <a:t> </a:t>
-            </a:r>
-            <a:r>
-              <a:rPr lang="en-IE" sz="2400" b="0" dirty="0">
-                <a:latin typeface="Calibri" panose="020F0502020204030204" pitchFamily="34" charset="0"/>
-                <a:ea typeface="Calibri" panose="020F0502020204030204" pitchFamily="34" charset="0"/>
-                <a:cs typeface="Times New Roman" panose="02020603050405020304" pitchFamily="18" charset="0"/>
-              </a:rPr>
-              <a:t>or</a:t>
-            </a:r>
-            <a:r>
-              <a:rPr lang="en-IE" sz="2400" b="0" dirty="0">
-                <a:effectLst/>
-                <a:latin typeface="Calibri" panose="020F0502020204030204" pitchFamily="34" charset="0"/>
-                <a:ea typeface="Calibri" panose="020F0502020204030204" pitchFamily="34" charset="0"/>
-                <a:cs typeface="Times New Roman" panose="02020603050405020304" pitchFamily="18" charset="0"/>
-              </a:rPr>
-              <a:t> </a:t>
-            </a:r>
-            <a:r>
-              <a:rPr lang="en-IE" sz="2400" b="0" dirty="0">
-                <a:solidFill>
-                  <a:srgbClr val="0070C0"/>
-                </a:solidFill>
-                <a:effectLst/>
-                <a:latin typeface="Calibri" panose="020F0502020204030204" pitchFamily="34" charset="0"/>
-                <a:ea typeface="Calibri" panose="020F0502020204030204" pitchFamily="34" charset="0"/>
-                <a:cs typeface="Times New Roman" panose="02020603050405020304" pitchFamily="18" charset="0"/>
-              </a:rPr>
-              <a:t> dependent ordinal variable] </a:t>
-            </a:r>
-            <a:r>
-              <a:rPr lang="en-IE" sz="2400" b="0" dirty="0">
-                <a:effectLst/>
-                <a:latin typeface="Calibri" panose="020F0502020204030204" pitchFamily="34" charset="0"/>
-                <a:ea typeface="Calibri" panose="020F0502020204030204" pitchFamily="34" charset="0"/>
-                <a:cs typeface="Times New Roman" panose="02020603050405020304" pitchFamily="18" charset="0"/>
-              </a:rPr>
-              <a:t>between </a:t>
-            </a:r>
-            <a:r>
-              <a:rPr lang="en-IE" sz="2400" b="0" dirty="0">
-                <a:solidFill>
-                  <a:srgbClr val="0070C0"/>
-                </a:solidFill>
-                <a:effectLst/>
-                <a:latin typeface="Calibri" panose="020F0502020204030204" pitchFamily="34" charset="0"/>
-                <a:ea typeface="Calibri" panose="020F0502020204030204" pitchFamily="34" charset="0"/>
-                <a:cs typeface="Times New Roman" panose="02020603050405020304" pitchFamily="18" charset="0"/>
-              </a:rPr>
-              <a:t>[independent nominal variable] and [independent nominal variable?]</a:t>
-            </a:r>
-            <a:r>
-              <a:rPr lang="en-IE" sz="2400" b="0" dirty="0">
-                <a:effectLst/>
-                <a:latin typeface="Calibri" panose="020F0502020204030204" pitchFamily="34" charset="0"/>
-                <a:ea typeface="Calibri" panose="020F0502020204030204" pitchFamily="34" charset="0"/>
-                <a:cs typeface="Times New Roman" panose="02020603050405020304" pitchFamily="18" charset="0"/>
-              </a:rPr>
-              <a:t>”.</a:t>
-            </a:r>
-            <a:br>
-              <a:rPr lang="en-GB" sz="2400" b="0" dirty="0">
-                <a:effectLst/>
-                <a:latin typeface="Calibri" panose="020F0502020204030204" pitchFamily="34" charset="0"/>
-                <a:ea typeface="Calibri" panose="020F0502020204030204" pitchFamily="34" charset="0"/>
-                <a:cs typeface="Times New Roman" panose="02020603050405020304" pitchFamily="18" charset="0"/>
-              </a:rPr>
-            </a:br>
-            <a:br>
-              <a:rPr lang="en-IE" sz="2400" dirty="0">
-                <a:solidFill>
-                  <a:srgbClr val="000000"/>
-                </a:solidFill>
-                <a:effectLst/>
-                <a:latin typeface="Calibri" panose="020F0502020204030204" pitchFamily="34" charset="0"/>
-                <a:ea typeface="Calibri" panose="020F0502020204030204" pitchFamily="34" charset="0"/>
-                <a:cs typeface="Times New Roman" panose="02020603050405020304" pitchFamily="18" charset="0"/>
-              </a:rPr>
-            </a:br>
-            <a:r>
-              <a:rPr lang="en-IE" sz="2400" dirty="0">
-                <a:solidFill>
-                  <a:srgbClr val="000000"/>
-                </a:solidFill>
-                <a:effectLst/>
-                <a:latin typeface="Calibri" panose="020F0502020204030204" pitchFamily="34" charset="0"/>
-                <a:ea typeface="Calibri" panose="020F0502020204030204" pitchFamily="34" charset="0"/>
-                <a:cs typeface="Times New Roman" panose="02020603050405020304" pitchFamily="18" charset="0"/>
-              </a:rPr>
-              <a:t>Template </a:t>
-            </a:r>
-            <a:r>
-              <a:rPr lang="en-IE" sz="2400" baseline="30000" dirty="0">
-                <a:solidFill>
-                  <a:srgbClr val="000000"/>
-                </a:solidFill>
-                <a:effectLst/>
-                <a:latin typeface="Calibri" panose="020F0502020204030204" pitchFamily="34" charset="0"/>
-                <a:ea typeface="Calibri" panose="020F0502020204030204" pitchFamily="34" charset="0"/>
-                <a:cs typeface="Times New Roman" panose="02020603050405020304" pitchFamily="18" charset="0"/>
-              </a:rPr>
-              <a:t>3</a:t>
-            </a:r>
-            <a:r>
-              <a:rPr lang="en-IE" sz="2400" dirty="0">
-                <a:solidFill>
-                  <a:srgbClr val="000000"/>
-                </a:solidFill>
-                <a:effectLst/>
-                <a:latin typeface="Calibri" panose="020F0502020204030204" pitchFamily="34" charset="0"/>
-                <a:ea typeface="Calibri" panose="020F0502020204030204" pitchFamily="34" charset="0"/>
-                <a:cs typeface="Times New Roman" panose="02020603050405020304" pitchFamily="18" charset="0"/>
-              </a:rPr>
-              <a:t>:  </a:t>
-            </a:r>
-            <a:r>
-              <a:rPr lang="en-IE" sz="2400" b="0" dirty="0">
-                <a:solidFill>
-                  <a:srgbClr val="000000"/>
-                </a:solidFill>
-                <a:effectLst/>
-                <a:latin typeface="Calibri" panose="020F0502020204030204" pitchFamily="34" charset="0"/>
-                <a:ea typeface="Calibri" panose="020F0502020204030204" pitchFamily="34" charset="0"/>
-                <a:cs typeface="Times New Roman" panose="02020603050405020304" pitchFamily="18" charset="0"/>
-              </a:rPr>
-              <a:t>Nominal vs Nominal  data (frequencies): “</a:t>
-            </a:r>
-            <a:r>
-              <a:rPr lang="en-IE" sz="2400" b="0" dirty="0">
-                <a:effectLst/>
-                <a:latin typeface="Calibri" panose="020F0502020204030204" pitchFamily="34" charset="0"/>
-                <a:ea typeface="Calibri" panose="020F0502020204030204" pitchFamily="34" charset="0"/>
-                <a:cs typeface="Times New Roman" panose="02020603050405020304" pitchFamily="18" charset="0"/>
-              </a:rPr>
-              <a:t>Is there a difference in proportions of </a:t>
-            </a:r>
-            <a:r>
-              <a:rPr lang="en-IE" sz="2400" b="0" dirty="0">
-                <a:solidFill>
-                  <a:srgbClr val="0070C0"/>
-                </a:solidFill>
-                <a:effectLst/>
-                <a:latin typeface="Calibri" panose="020F0502020204030204" pitchFamily="34" charset="0"/>
-                <a:ea typeface="Calibri" panose="020F0502020204030204" pitchFamily="34" charset="0"/>
-                <a:cs typeface="Times New Roman" panose="02020603050405020304" pitchFamily="18" charset="0"/>
-              </a:rPr>
-              <a:t>[dependent nominal variable] </a:t>
-            </a:r>
-            <a:r>
-              <a:rPr lang="en-IE" sz="2400" b="0" dirty="0">
-                <a:effectLst/>
-                <a:latin typeface="Calibri" panose="020F0502020204030204" pitchFamily="34" charset="0"/>
-                <a:ea typeface="Calibri" panose="020F0502020204030204" pitchFamily="34" charset="0"/>
-                <a:cs typeface="Times New Roman" panose="02020603050405020304" pitchFamily="18" charset="0"/>
-              </a:rPr>
-              <a:t>between </a:t>
-            </a:r>
-            <a:r>
-              <a:rPr lang="en-IE" sz="2400" b="0" dirty="0">
-                <a:solidFill>
-                  <a:srgbClr val="0070C0"/>
-                </a:solidFill>
-                <a:effectLst/>
-                <a:latin typeface="Calibri" panose="020F0502020204030204" pitchFamily="34" charset="0"/>
-                <a:ea typeface="Calibri" panose="020F0502020204030204" pitchFamily="34" charset="0"/>
-                <a:cs typeface="Times New Roman" panose="02020603050405020304" pitchFamily="18" charset="0"/>
-              </a:rPr>
-              <a:t>[independent nominal variable] </a:t>
-            </a:r>
-            <a:r>
-              <a:rPr lang="en-IE" sz="2400" b="0" dirty="0">
-                <a:effectLst/>
-                <a:latin typeface="Calibri" panose="020F0502020204030204" pitchFamily="34" charset="0"/>
-                <a:ea typeface="Calibri" panose="020F0502020204030204" pitchFamily="34" charset="0"/>
-                <a:cs typeface="Times New Roman" panose="02020603050405020304" pitchFamily="18" charset="0"/>
-              </a:rPr>
-              <a:t>and </a:t>
-            </a:r>
-            <a:r>
-              <a:rPr lang="en-IE" sz="2400" b="0" dirty="0">
-                <a:solidFill>
-                  <a:srgbClr val="0070C0"/>
-                </a:solidFill>
-                <a:effectLst/>
-                <a:latin typeface="Calibri" panose="020F0502020204030204" pitchFamily="34" charset="0"/>
-                <a:ea typeface="Calibri" panose="020F0502020204030204" pitchFamily="34" charset="0"/>
-                <a:cs typeface="Times New Roman" panose="02020603050405020304" pitchFamily="18" charset="0"/>
-              </a:rPr>
-              <a:t>[independent nominal variable]?”</a:t>
-            </a:r>
-            <a:br>
-              <a:rPr lang="en-GB" sz="2400" dirty="0">
-                <a:effectLst/>
-                <a:latin typeface="Calibri" panose="020F0502020204030204" pitchFamily="34" charset="0"/>
-                <a:ea typeface="Calibri" panose="020F0502020204030204" pitchFamily="34" charset="0"/>
-                <a:cs typeface="Times New Roman" panose="02020603050405020304" pitchFamily="18" charset="0"/>
-              </a:rPr>
-            </a:br>
-            <a:endParaRPr lang="en-GB" sz="2400" dirty="0">
-              <a:solidFill>
-                <a:srgbClr val="FF0000"/>
-              </a:solidFill>
-            </a:endParaRPr>
-          </a:p>
-        </p:txBody>
-      </p:sp>
-      <p:sp>
-        <p:nvSpPr>
-          <p:cNvPr id="7" name="TextBox 6">
-            <a:extLst>
-              <a:ext uri="{FF2B5EF4-FFF2-40B4-BE49-F238E27FC236}">
-                <a16:creationId xmlns:a16="http://schemas.microsoft.com/office/drawing/2014/main" id="{F7FEA660-7B39-BC91-3B96-7298CCF66DE1}"/>
+          <p:cNvPr id="11" name="TextBox 10">
+            <a:extLst>
+              <a:ext uri="{FF2B5EF4-FFF2-40B4-BE49-F238E27FC236}">
+                <a16:creationId xmlns:a16="http://schemas.microsoft.com/office/drawing/2014/main" id="{3553A1F8-AF83-7ED3-255B-D4C0ECE8C410}"/>
               </a:ext>
             </a:extLst>
           </p:cNvPr>
@@ -6569,709 +6412,8 @@
         </p:nvSpPr>
         <p:spPr>
           <a:xfrm>
-            <a:off x="623945" y="5297755"/>
-            <a:ext cx="11440040" cy="1477328"/>
-          </a:xfrm>
-          <a:prstGeom prst="rect">
-            <a:avLst/>
-          </a:prstGeom>
-          <a:solidFill>
-            <a:schemeClr val="bg1">
-              <a:lumMod val="95000"/>
-            </a:schemeClr>
-          </a:solidFill>
-        </p:spPr>
-        <p:txBody>
-          <a:bodyPr wrap="square" lIns="91440" tIns="45720" rIns="91440" bIns="45720" rtlCol="0" anchor="t">
-            <a:spAutoFit/>
-          </a:bodyPr>
-          <a:lstStyle/>
-          <a:p>
-            <a:r>
-              <a:rPr lang="en-GB" baseline="30000" dirty="0"/>
-              <a:t>1</a:t>
-            </a:r>
-            <a:r>
-              <a:rPr lang="en-GB" b="1" dirty="0">
-                <a:latin typeface="Calibri"/>
-                <a:cs typeface="Calibri"/>
-              </a:rPr>
-              <a:t>Correlation</a:t>
-            </a:r>
-            <a:r>
-              <a:rPr lang="en-GB" dirty="0"/>
-              <a:t> (</a:t>
-            </a:r>
-            <a:r>
-              <a:rPr lang="en-IE" sz="1800" dirty="0">
-                <a:effectLst/>
-                <a:latin typeface="Calibri"/>
-                <a:ea typeface="Calibri" panose="020F0502020204030204" pitchFamily="34" charset="0"/>
-                <a:cs typeface="Times New Roman"/>
-              </a:rPr>
-              <a:t>Analysis of how </a:t>
-            </a:r>
-            <a:r>
-              <a:rPr lang="en-IE" sz="1800" dirty="0">
-                <a:solidFill>
-                  <a:srgbClr val="FF0000"/>
-                </a:solidFill>
-                <a:effectLst/>
-                <a:latin typeface="Calibri"/>
-                <a:ea typeface="Calibri" panose="020F0502020204030204" pitchFamily="34" charset="0"/>
-                <a:cs typeface="Times New Roman"/>
-              </a:rPr>
-              <a:t>ordinal</a:t>
-            </a:r>
-            <a:r>
-              <a:rPr lang="en-IE" dirty="0">
-                <a:solidFill>
-                  <a:srgbClr val="FF0000"/>
-                </a:solidFill>
-                <a:latin typeface="Calibri"/>
-                <a:ea typeface="Calibri" panose="020F0502020204030204" pitchFamily="34" charset="0"/>
-                <a:cs typeface="Times New Roman"/>
-              </a:rPr>
-              <a:t>/</a:t>
-            </a:r>
-            <a:r>
-              <a:rPr lang="en-IE" sz="1800" dirty="0">
-                <a:solidFill>
-                  <a:srgbClr val="FF0000"/>
-                </a:solidFill>
-                <a:effectLst/>
-                <a:latin typeface="Calibri"/>
-                <a:ea typeface="Calibri" panose="020F0502020204030204" pitchFamily="34" charset="0"/>
-                <a:cs typeface="Times New Roman"/>
-              </a:rPr>
-              <a:t>interval </a:t>
-            </a:r>
-            <a:r>
-              <a:rPr lang="en-IE" sz="1800" dirty="0">
-                <a:solidFill>
-                  <a:srgbClr val="00B050"/>
-                </a:solidFill>
-                <a:effectLst/>
-                <a:latin typeface="Calibri"/>
-                <a:ea typeface="Calibri" panose="020F0502020204030204" pitchFamily="34" charset="0"/>
-                <a:cs typeface="Times New Roman"/>
-              </a:rPr>
-              <a:t>dependent var</a:t>
-            </a:r>
-            <a:r>
-              <a:rPr lang="en-IE" sz="1800" dirty="0">
-                <a:effectLst/>
-                <a:latin typeface="Calibri"/>
-                <a:ea typeface="Calibri" panose="020F0502020204030204" pitchFamily="34" charset="0"/>
-                <a:cs typeface="Times New Roman"/>
-              </a:rPr>
-              <a:t> </a:t>
-            </a:r>
-            <a:r>
-              <a:rPr lang="en-IE" dirty="0">
-                <a:latin typeface="Calibri"/>
-                <a:ea typeface="Calibri" panose="020F0502020204030204" pitchFamily="34" charset="0"/>
-                <a:cs typeface="Times New Roman"/>
-              </a:rPr>
-              <a:t>correlates </a:t>
-            </a:r>
-            <a:r>
-              <a:rPr lang="en-IE" sz="1800" dirty="0">
-                <a:effectLst/>
-                <a:latin typeface="Calibri"/>
-                <a:ea typeface="Calibri" panose="020F0502020204030204" pitchFamily="34" charset="0"/>
-                <a:cs typeface="Times New Roman"/>
-              </a:rPr>
-              <a:t>to an </a:t>
-            </a:r>
-            <a:r>
-              <a:rPr lang="en-IE" sz="1800" dirty="0">
-                <a:solidFill>
-                  <a:srgbClr val="FF0000"/>
-                </a:solidFill>
-                <a:effectLst/>
-                <a:latin typeface="Calibri"/>
-                <a:ea typeface="Calibri" panose="020F0502020204030204" pitchFamily="34" charset="0"/>
-                <a:cs typeface="Times New Roman"/>
-              </a:rPr>
-              <a:t>ordinal/interval </a:t>
-            </a:r>
-            <a:r>
-              <a:rPr lang="en-IE" sz="1800" dirty="0">
-                <a:solidFill>
-                  <a:srgbClr val="00B050"/>
-                </a:solidFill>
-                <a:effectLst/>
-                <a:latin typeface="Calibri"/>
-                <a:ea typeface="Calibri" panose="020F0502020204030204" pitchFamily="34" charset="0"/>
-                <a:cs typeface="Times New Roman"/>
-              </a:rPr>
-              <a:t>independent variable)</a:t>
-            </a:r>
-            <a:endParaRPr lang="en-GB" dirty="0">
-              <a:latin typeface="Calibri"/>
-              <a:cs typeface="Times New Roman"/>
-            </a:endParaRPr>
-          </a:p>
-          <a:p>
-            <a:r>
-              <a:rPr lang="en-IE" sz="1800" b="1" baseline="30000" dirty="0">
-                <a:effectLst/>
-                <a:latin typeface="Calibri" panose="020F0502020204030204" pitchFamily="34" charset="0"/>
-                <a:ea typeface="Calibri" panose="020F0502020204030204" pitchFamily="34" charset="0"/>
-                <a:cs typeface="Times New Roman" panose="02020603050405020304" pitchFamily="18" charset="0"/>
-              </a:rPr>
-              <a:t>2</a:t>
-            </a:r>
-            <a:r>
-              <a:rPr lang="en-IE" sz="1800" b="1" dirty="0">
-                <a:effectLst/>
-                <a:latin typeface="Calibri" panose="020F0502020204030204" pitchFamily="34" charset="0"/>
-                <a:ea typeface="Calibri" panose="020F0502020204030204" pitchFamily="34" charset="0"/>
-                <a:cs typeface="Times New Roman" panose="02020603050405020304" pitchFamily="18" charset="0"/>
-              </a:rPr>
-              <a:t>Comparison of means</a:t>
-            </a:r>
-            <a:r>
-              <a:rPr lang="en-IE" sz="1800" dirty="0">
-                <a:effectLst/>
-                <a:latin typeface="Calibri" panose="020F0502020204030204" pitchFamily="34" charset="0"/>
-                <a:ea typeface="Calibri" panose="020F0502020204030204" pitchFamily="34" charset="0"/>
-                <a:cs typeface="Times New Roman" panose="02020603050405020304" pitchFamily="18" charset="0"/>
-              </a:rPr>
-              <a:t> (or medians): Analysis of the difference between the mean (or median) value of a characteristic shared by members of two different populations.</a:t>
-            </a:r>
-          </a:p>
-          <a:p>
-            <a:r>
-              <a:rPr lang="en-IE" sz="1800" b="1" baseline="30000" dirty="0">
-                <a:effectLst/>
-                <a:latin typeface="Calibri" panose="020F0502020204030204" pitchFamily="34" charset="0"/>
-                <a:ea typeface="Calibri" panose="020F0502020204030204" pitchFamily="34" charset="0"/>
-                <a:cs typeface="Times New Roman" panose="02020603050405020304" pitchFamily="18" charset="0"/>
-              </a:rPr>
-              <a:t>3</a:t>
-            </a:r>
-            <a:r>
-              <a:rPr lang="en-IE" sz="1800" b="1" dirty="0">
-                <a:effectLst/>
-                <a:latin typeface="Calibri" panose="020F0502020204030204" pitchFamily="34" charset="0"/>
-                <a:ea typeface="Calibri" panose="020F0502020204030204" pitchFamily="34" charset="0"/>
-                <a:cs typeface="Times New Roman" panose="02020603050405020304" pitchFamily="18" charset="0"/>
-              </a:rPr>
-              <a:t>Comparison of proportions:</a:t>
-            </a:r>
-            <a:r>
-              <a:rPr lang="en-IE" sz="1800" dirty="0">
-                <a:effectLst/>
-                <a:latin typeface="Calibri" panose="020F0502020204030204" pitchFamily="34" charset="0"/>
-                <a:ea typeface="Calibri" panose="020F0502020204030204" pitchFamily="34" charset="0"/>
-                <a:cs typeface="Times New Roman" panose="02020603050405020304" pitchFamily="18" charset="0"/>
-              </a:rPr>
-              <a:t> Analysis of the difference in proportions of a characteristic shared by members of two different populations. </a:t>
-            </a:r>
-            <a:endParaRPr lang="en-GB" dirty="0"/>
-          </a:p>
-        </p:txBody>
-      </p:sp>
-    </p:spTree>
-    <p:extLst>
-      <p:ext uri="{BB962C8B-B14F-4D97-AF65-F5344CB8AC3E}">
-        <p14:creationId xmlns:p14="http://schemas.microsoft.com/office/powerpoint/2010/main" val="32494612"/>
-      </p:ext>
-    </p:extLst>
-  </p:cSld>
-  <p:clrMapOvr>
-    <a:masterClrMapping/>
-  </p:clrMapOvr>
-</p:sld>
-</file>
-
-<file path=ppt/slides/slide6.xml><?xml version="1.0" encoding="utf-8"?>
-<p:sld xmlns:a="http://schemas.openxmlformats.org/drawingml/2006/main" xmlns:r="http://schemas.openxmlformats.org/officeDocument/2006/relationships" xmlns:p="http://schemas.openxmlformats.org/presentationml/2006/main">
-  <p:cSld>
-    <p:spTree>
-      <p:nvGrpSpPr>
-        <p:cNvPr id="1" name=""/>
-        <p:cNvGrpSpPr/>
-        <p:nvPr/>
-      </p:nvGrpSpPr>
-      <p:grpSpPr>
-        <a:xfrm>
-          <a:off x="0" y="0"/>
-          <a:ext cx="0" cy="0"/>
-          <a:chOff x="0" y="0"/>
-          <a:chExt cx="0" cy="0"/>
-        </a:xfrm>
-      </p:grpSpPr>
-      <p:sp>
-        <p:nvSpPr>
-          <p:cNvPr id="2" name="Subtitle 1">
-            <a:extLst>
-              <a:ext uri="{FF2B5EF4-FFF2-40B4-BE49-F238E27FC236}">
-                <a16:creationId xmlns:a16="http://schemas.microsoft.com/office/drawing/2014/main" id="{6B64221B-D6D4-E382-A91A-99FF908D5475}"/>
-              </a:ext>
-            </a:extLst>
-          </p:cNvPr>
-          <p:cNvSpPr>
-            <a:spLocks noGrp="1"/>
-          </p:cNvSpPr>
-          <p:nvPr>
-            <p:ph type="subTitle" idx="1"/>
-          </p:nvPr>
-        </p:nvSpPr>
-        <p:spPr>
-          <a:xfrm>
-            <a:off x="521219" y="284375"/>
-            <a:ext cx="10406581" cy="1391600"/>
-          </a:xfrm>
-        </p:spPr>
-        <p:txBody>
-          <a:bodyPr vert="horz" lIns="0" tIns="0" rIns="0" bIns="0" rtlCol="0" anchor="t">
-            <a:noAutofit/>
-          </a:bodyPr>
-          <a:lstStyle/>
-          <a:p>
-            <a:pPr>
-              <a:lnSpc>
-                <a:spcPct val="100000"/>
-              </a:lnSpc>
-            </a:pPr>
-            <a:r>
-              <a:rPr lang="en-GB" sz="2400" b="0" dirty="0">
-                <a:latin typeface="Calibri"/>
-                <a:cs typeface="Calibri"/>
-              </a:rPr>
-              <a:t>Add your </a:t>
-            </a:r>
-            <a:r>
-              <a:rPr lang="en-GB" sz="2400" dirty="0">
-                <a:latin typeface="Calibri"/>
-                <a:cs typeface="Calibri"/>
-              </a:rPr>
-              <a:t>Hypotheses</a:t>
-            </a:r>
-            <a:r>
-              <a:rPr lang="en-GB" sz="2400" b="0" dirty="0">
-                <a:latin typeface="Calibri"/>
-                <a:cs typeface="Calibri"/>
-              </a:rPr>
-              <a:t> to the previous RQ Slide  (both the Null and Alternative Hypotheses).  Here are definitions and examples. </a:t>
-            </a:r>
-            <a:r>
-              <a:rPr lang="en-GB" sz="2400" dirty="0">
-                <a:latin typeface="Calibri"/>
-                <a:cs typeface="Calibri"/>
-              </a:rPr>
-              <a:t>Your wording will come directly from your RQ</a:t>
-            </a:r>
-            <a:r>
-              <a:rPr lang="en-GB" sz="2400" b="0" dirty="0">
-                <a:latin typeface="Calibri"/>
-                <a:cs typeface="Calibri"/>
-              </a:rPr>
-              <a:t>. This is the formal way of reporting the results of your inferential test statistics,  in which we report the </a:t>
-            </a:r>
-            <a:r>
-              <a:rPr lang="en-GB" sz="2400" b="0" i="1" dirty="0">
-                <a:latin typeface="Calibri"/>
-                <a:cs typeface="Calibri"/>
-              </a:rPr>
-              <a:t>effect</a:t>
-            </a:r>
-            <a:r>
-              <a:rPr lang="en-GB" sz="2400" b="0" dirty="0">
-                <a:latin typeface="Calibri"/>
-                <a:cs typeface="Calibri"/>
-              </a:rPr>
-              <a:t> the independent variable has on the dependent variable – </a:t>
-            </a:r>
-          </a:p>
-          <a:p>
-            <a:pPr marL="457200" indent="-457200">
-              <a:lnSpc>
-                <a:spcPct val="100000"/>
-              </a:lnSpc>
-              <a:buAutoNum type="arabicPeriod"/>
-            </a:pPr>
-            <a:r>
-              <a:rPr lang="en-GB" sz="2000" b="0" dirty="0">
-                <a:latin typeface="Arial"/>
-                <a:cs typeface="Arial"/>
-              </a:rPr>
-              <a:t>Null hypothesis (H</a:t>
-            </a:r>
-            <a:r>
-              <a:rPr lang="en-GB" sz="2000" b="0" baseline="-25000" dirty="0">
-                <a:latin typeface="Arial"/>
-                <a:cs typeface="Arial"/>
-              </a:rPr>
-              <a:t>0</a:t>
-            </a:r>
-            <a:r>
-              <a:rPr lang="en-GB" sz="2000" b="0" dirty="0">
-                <a:latin typeface="Arial"/>
-                <a:cs typeface="Arial"/>
-              </a:rPr>
-              <a:t>): There is </a:t>
-            </a:r>
-            <a:r>
-              <a:rPr lang="en-GB" sz="2000" dirty="0">
-                <a:latin typeface="Arial"/>
-                <a:cs typeface="Arial"/>
-              </a:rPr>
-              <a:t>no </a:t>
-            </a:r>
-            <a:r>
-              <a:rPr lang="en-GB" sz="2000" b="0" dirty="0">
-                <a:latin typeface="Arial"/>
-                <a:cs typeface="Arial"/>
-              </a:rPr>
-              <a:t>effect on the population – so you write one of the following:  </a:t>
-            </a:r>
-          </a:p>
-          <a:p>
-            <a:pPr>
-              <a:lnSpc>
-                <a:spcPct val="100000"/>
-              </a:lnSpc>
-            </a:pPr>
-            <a:r>
-              <a:rPr lang="en-GB" sz="2000" b="0" dirty="0">
-                <a:solidFill>
-                  <a:srgbClr val="FF0000"/>
-                </a:solidFill>
-                <a:latin typeface="Arial"/>
-                <a:cs typeface="Arial"/>
-              </a:rPr>
-              <a:t>Null hypothesis (H</a:t>
-            </a:r>
-            <a:r>
-              <a:rPr lang="en-GB" sz="2000" b="0" baseline="-25000" dirty="0">
-                <a:solidFill>
-                  <a:srgbClr val="FF0000"/>
-                </a:solidFill>
-                <a:latin typeface="Arial"/>
-                <a:cs typeface="Arial"/>
-              </a:rPr>
-              <a:t>0</a:t>
-            </a:r>
-            <a:r>
-              <a:rPr lang="en-GB" sz="2000" b="0" dirty="0">
-                <a:solidFill>
-                  <a:srgbClr val="FF0000"/>
-                </a:solidFill>
-                <a:latin typeface="Arial"/>
-                <a:cs typeface="Arial"/>
-              </a:rPr>
-              <a:t>): There is </a:t>
-            </a:r>
-            <a:r>
-              <a:rPr lang="en-GB" sz="2000" dirty="0">
-                <a:solidFill>
-                  <a:srgbClr val="FF0000"/>
-                </a:solidFill>
-                <a:latin typeface="Arial"/>
-                <a:cs typeface="Arial"/>
-              </a:rPr>
-              <a:t>no</a:t>
-            </a:r>
-            <a:r>
-              <a:rPr lang="en-GB" sz="2000" b="0" dirty="0">
-                <a:solidFill>
-                  <a:srgbClr val="FF0000"/>
-                </a:solidFill>
-                <a:latin typeface="Arial"/>
-                <a:cs typeface="Arial"/>
-              </a:rPr>
-              <a:t> difference in the mean/median of the [dependent variable] between/among [subsets of the independent variable].              </a:t>
-            </a:r>
-            <a:r>
-              <a:rPr lang="en-GB" sz="2000" b="0" dirty="0">
-                <a:solidFill>
-                  <a:schemeClr val="tx1"/>
-                </a:solidFill>
-                <a:latin typeface="Arial"/>
-                <a:cs typeface="Arial"/>
-              </a:rPr>
-              <a:t>or</a:t>
-            </a:r>
-          </a:p>
-          <a:p>
-            <a:pPr>
-              <a:lnSpc>
-                <a:spcPct val="100000"/>
-              </a:lnSpc>
-            </a:pPr>
-            <a:r>
-              <a:rPr lang="en-GB" sz="2000" b="0" dirty="0">
-                <a:solidFill>
-                  <a:srgbClr val="FF0000"/>
-                </a:solidFill>
-                <a:latin typeface="Arial"/>
-                <a:cs typeface="Arial"/>
-              </a:rPr>
-              <a:t>Null hypothesis (H</a:t>
-            </a:r>
-            <a:r>
-              <a:rPr lang="en-GB" sz="2000" b="0" baseline="-25000" dirty="0">
-                <a:solidFill>
-                  <a:srgbClr val="FF0000"/>
-                </a:solidFill>
-                <a:latin typeface="Arial"/>
-                <a:cs typeface="Arial"/>
-              </a:rPr>
-              <a:t>0</a:t>
-            </a:r>
-            <a:r>
-              <a:rPr lang="en-GB" sz="2000" b="0" dirty="0">
-                <a:solidFill>
-                  <a:srgbClr val="FF0000"/>
-                </a:solidFill>
-                <a:latin typeface="Arial"/>
-                <a:cs typeface="Arial"/>
-              </a:rPr>
-              <a:t>):  There is </a:t>
-            </a:r>
-            <a:r>
-              <a:rPr lang="en-GB" sz="2000" dirty="0">
-                <a:solidFill>
-                  <a:srgbClr val="FF0000"/>
-                </a:solidFill>
-                <a:latin typeface="Arial"/>
-                <a:cs typeface="Arial"/>
-              </a:rPr>
-              <a:t>no</a:t>
-            </a:r>
-            <a:r>
-              <a:rPr lang="en-GB" sz="2000" b="0" dirty="0">
-                <a:solidFill>
-                  <a:srgbClr val="FF0000"/>
-                </a:solidFill>
-                <a:latin typeface="Arial"/>
-                <a:cs typeface="Arial"/>
-              </a:rPr>
-              <a:t> difference in the proportions(s)of [subset(s) of dependent variable] between/among [subsets of independent variable].                     </a:t>
-            </a:r>
-            <a:r>
-              <a:rPr lang="en-GB" sz="2000" b="0" dirty="0">
-                <a:solidFill>
-                  <a:schemeClr val="tx1"/>
-                </a:solidFill>
-                <a:latin typeface="Arial"/>
-                <a:cs typeface="Arial"/>
-              </a:rPr>
-              <a:t>or</a:t>
-            </a:r>
-          </a:p>
-          <a:p>
-            <a:pPr>
-              <a:lnSpc>
-                <a:spcPct val="100000"/>
-              </a:lnSpc>
-            </a:pPr>
-            <a:r>
-              <a:rPr lang="en-GB" sz="2000" b="0" dirty="0">
-                <a:solidFill>
-                  <a:srgbClr val="FF0000"/>
-                </a:solidFill>
-                <a:latin typeface="Arial"/>
-                <a:cs typeface="Arial"/>
-              </a:rPr>
-              <a:t>Null hypothesis (H</a:t>
-            </a:r>
-            <a:r>
-              <a:rPr lang="en-GB" sz="2000" b="0" baseline="-25000" dirty="0">
-                <a:solidFill>
-                  <a:srgbClr val="FF0000"/>
-                </a:solidFill>
-                <a:latin typeface="Arial"/>
-                <a:cs typeface="Arial"/>
-              </a:rPr>
-              <a:t>0</a:t>
-            </a:r>
-            <a:r>
-              <a:rPr lang="en-GB" sz="2000" b="0" dirty="0">
-                <a:solidFill>
-                  <a:srgbClr val="FF0000"/>
-                </a:solidFill>
-                <a:latin typeface="Arial"/>
-                <a:cs typeface="Arial"/>
-              </a:rPr>
-              <a:t>): There is </a:t>
-            </a:r>
-            <a:r>
-              <a:rPr lang="en-GB" sz="2000" dirty="0">
-                <a:solidFill>
-                  <a:srgbClr val="FF0000"/>
-                </a:solidFill>
-                <a:latin typeface="Arial"/>
-                <a:cs typeface="Arial"/>
-              </a:rPr>
-              <a:t>no</a:t>
-            </a:r>
-            <a:r>
-              <a:rPr lang="en-GB" sz="2000" b="0" dirty="0">
-                <a:solidFill>
-                  <a:srgbClr val="FF0000"/>
-                </a:solidFill>
-                <a:latin typeface="Arial"/>
-                <a:cs typeface="Arial"/>
-              </a:rPr>
-              <a:t> correlation between [dependent variable] and [independent variable].</a:t>
-            </a:r>
-          </a:p>
-          <a:p>
-            <a:pPr>
-              <a:lnSpc>
-                <a:spcPct val="100000"/>
-              </a:lnSpc>
-            </a:pPr>
-            <a:r>
-              <a:rPr lang="en-GB" sz="2000" b="0" dirty="0">
-                <a:latin typeface="Arial"/>
-                <a:cs typeface="Arial"/>
-              </a:rPr>
-              <a:t>2. Alternative hypothesis (H</a:t>
-            </a:r>
-            <a:r>
-              <a:rPr lang="en-GB" sz="2000" b="0" baseline="-25000" dirty="0">
-                <a:latin typeface="Arial"/>
-                <a:cs typeface="Arial"/>
-              </a:rPr>
-              <a:t>1</a:t>
-            </a:r>
-            <a:r>
-              <a:rPr lang="en-GB" sz="2000" b="0" dirty="0">
-                <a:latin typeface="Arial"/>
-                <a:cs typeface="Arial"/>
-              </a:rPr>
-              <a:t>):  There appears to be an effect on the population – so you copy what you wrote for the Null hypothesis but remove the ‘no’ and replace with ‘</a:t>
-            </a:r>
-            <a:r>
-              <a:rPr lang="en-GB" sz="2000" dirty="0">
-                <a:latin typeface="Arial"/>
-                <a:cs typeface="Arial"/>
-              </a:rPr>
-              <a:t>a’  </a:t>
-            </a:r>
-            <a:r>
-              <a:rPr lang="en-GB" sz="2000" b="0" dirty="0">
-                <a:latin typeface="Arial"/>
-                <a:cs typeface="Arial"/>
-              </a:rPr>
-              <a:t>For example:</a:t>
-            </a:r>
-          </a:p>
-          <a:p>
-            <a:pPr>
-              <a:lnSpc>
-                <a:spcPct val="100000"/>
-              </a:lnSpc>
-            </a:pPr>
-            <a:r>
-              <a:rPr lang="en-GB" sz="2000" b="0" dirty="0">
-                <a:solidFill>
-                  <a:srgbClr val="FF0000"/>
-                </a:solidFill>
-                <a:latin typeface="Arial"/>
-                <a:cs typeface="Arial"/>
-              </a:rPr>
-              <a:t>Alt hypothesis (H</a:t>
-            </a:r>
-            <a:r>
-              <a:rPr lang="en-GB" sz="2000" b="0" baseline="-25000" dirty="0">
-                <a:solidFill>
-                  <a:srgbClr val="FF0000"/>
-                </a:solidFill>
-                <a:latin typeface="Arial"/>
-                <a:cs typeface="Arial"/>
-              </a:rPr>
-              <a:t>1</a:t>
-            </a:r>
-            <a:r>
-              <a:rPr lang="en-GB" sz="2000" b="0" dirty="0">
-                <a:solidFill>
-                  <a:srgbClr val="FF0000"/>
-                </a:solidFill>
-                <a:latin typeface="Arial"/>
-                <a:cs typeface="Arial"/>
-              </a:rPr>
-              <a:t>): There is </a:t>
-            </a:r>
-            <a:r>
-              <a:rPr lang="en-GB" sz="2000" dirty="0">
-                <a:solidFill>
-                  <a:srgbClr val="FF0000"/>
-                </a:solidFill>
-                <a:latin typeface="Arial"/>
-                <a:cs typeface="Arial"/>
-              </a:rPr>
-              <a:t>a</a:t>
-            </a:r>
-            <a:r>
-              <a:rPr lang="en-GB" sz="2000" b="0" dirty="0">
-                <a:solidFill>
-                  <a:srgbClr val="FF0000"/>
-                </a:solidFill>
-                <a:latin typeface="Arial"/>
-                <a:cs typeface="Arial"/>
-              </a:rPr>
-              <a:t> correlation between [dependent variable] and [independent variable].</a:t>
-            </a:r>
-          </a:p>
-        </p:txBody>
-      </p:sp>
-      <p:sp>
-        <p:nvSpPr>
-          <p:cNvPr id="4" name="Slide Number Placeholder 3">
-            <a:extLst>
-              <a:ext uri="{FF2B5EF4-FFF2-40B4-BE49-F238E27FC236}">
-                <a16:creationId xmlns:a16="http://schemas.microsoft.com/office/drawing/2014/main" id="{FF7EDF94-2B89-A21D-BBC0-E455C2D9893B}"/>
-              </a:ext>
-            </a:extLst>
-          </p:cNvPr>
-          <p:cNvSpPr>
-            <a:spLocks noGrp="1"/>
-          </p:cNvSpPr>
-          <p:nvPr>
-            <p:ph type="sldNum" sz="quarter" idx="12"/>
-          </p:nvPr>
-        </p:nvSpPr>
-        <p:spPr>
-          <a:xfrm>
-            <a:off x="11269543" y="284375"/>
-            <a:ext cx="558281" cy="221244"/>
-          </a:xfrm>
-        </p:spPr>
-        <p:txBody>
-          <a:bodyPr/>
-          <a:lstStyle/>
-          <a:p>
-            <a:r>
-              <a:rPr lang="en-US" dirty="0"/>
-              <a:t>4</a:t>
-            </a:r>
-            <a:endParaRPr lang="en-GB" dirty="0"/>
-          </a:p>
-        </p:txBody>
-      </p:sp>
-      <p:sp>
-        <p:nvSpPr>
-          <p:cNvPr id="6" name="TextBox 5">
-            <a:extLst>
-              <a:ext uri="{FF2B5EF4-FFF2-40B4-BE49-F238E27FC236}">
-                <a16:creationId xmlns:a16="http://schemas.microsoft.com/office/drawing/2014/main" id="{1841CE34-1B2E-88D5-0C3F-506E8C37BB7B}"/>
-              </a:ext>
-            </a:extLst>
-          </p:cNvPr>
-          <p:cNvSpPr txBox="1"/>
-          <p:nvPr/>
-        </p:nvSpPr>
-        <p:spPr>
-          <a:xfrm>
-            <a:off x="3356146" y="5298491"/>
-            <a:ext cx="7811780" cy="1477328"/>
+            <a:off x="181940" y="6534835"/>
+            <a:ext cx="4572000" cy="323165"/>
           </a:xfrm>
           <a:prstGeom prst="rect">
             <a:avLst/>
@@ -7279,66 +6421,47 @@
           <a:noFill/>
         </p:spPr>
         <p:txBody>
-          <a:bodyPr wrap="square" lIns="91440" tIns="45720" rIns="91440" bIns="45720" anchor="t">
+          <a:bodyPr wrap="square" rtlCol="0">
             <a:spAutoFit/>
           </a:bodyPr>
           <a:lstStyle/>
           <a:p>
-            <a:r>
-              <a:rPr lang="en-GB" dirty="0"/>
-              <a:t>L</a:t>
-            </a:r>
-            <a:r>
-              <a:rPr lang="en-GB" sz="1800" b="0" dirty="0"/>
-              <a:t>eave the hypotheses as </a:t>
-            </a:r>
-            <a:r>
-              <a:rPr lang="en-GB" dirty="0"/>
-              <a:t>two </a:t>
-            </a:r>
-            <a:r>
-              <a:rPr lang="en-GB" sz="1800" b="0" dirty="0"/>
-              <a:t>statements for now – after your </a:t>
-            </a:r>
-            <a:r>
-              <a:rPr lang="en-GB" dirty="0"/>
-              <a:t>statistical </a:t>
-            </a:r>
-            <a:r>
-              <a:rPr lang="en-GB" sz="1800" b="0" dirty="0"/>
-              <a:t>analysis </a:t>
-            </a:r>
-            <a:r>
-              <a:rPr lang="en-GB" dirty="0"/>
-              <a:t>test, </a:t>
-            </a:r>
-            <a:r>
-              <a:rPr lang="en-GB" sz="1800" b="0" dirty="0"/>
-              <a:t>you </a:t>
-            </a:r>
-            <a:r>
-              <a:rPr lang="en-GB" dirty="0"/>
-              <a:t>will </a:t>
-            </a:r>
-            <a:r>
-              <a:rPr lang="en-GB" sz="1800" b="0" dirty="0"/>
-              <a:t>choose one or the other.</a:t>
-            </a:r>
-            <a:r>
-              <a:rPr lang="en-GB" dirty="0"/>
-              <a:t> (</a:t>
-            </a:r>
-            <a:r>
-              <a:rPr lang="en-GB" i="1" dirty="0"/>
-              <a:t>You will report: "We fail to reject the null hypothesis" with no significant result, or if you do have significance [p-value = &lt; 0.05] you can state "We reject the null hypothesis".   More guidance on hypothesis testing is given in the lectures</a:t>
-            </a:r>
-            <a:r>
-              <a:rPr lang="en-GB" dirty="0"/>
-              <a:t>.)</a:t>
-            </a:r>
-            <a:endParaRPr lang="en-GB" dirty="0">
-              <a:cs typeface="Arial"/>
-            </a:endParaRPr>
+            <a:pPr marL="0" marR="0" lvl="0" indent="0" algn="l" defTabSz="914400" rtl="0" eaLnBrk="1" fontAlgn="auto" latinLnBrk="0" hangingPunct="1">
+              <a:lnSpc>
+                <a:spcPct val="100000"/>
+              </a:lnSpc>
+              <a:spcBef>
+                <a:spcPts val="0"/>
+              </a:spcBef>
+              <a:spcAft>
+                <a:spcPts val="0"/>
+              </a:spcAft>
+              <a:buClrTx/>
+              <a:buSzTx/>
+              <a:buFontTx/>
+              <a:buNone/>
+              <a:tabLst/>
+              <a:defRPr/>
+            </a:pPr>
+            <a:r>
+              <a:rPr kumimoji="0" lang="en-GB" sz="1500" b="0" i="0" u="none" strike="noStrike" kern="1200" cap="none" spc="0" normalizeH="0" baseline="0" noProof="0" dirty="0">
+                <a:ln>
+                  <a:noFill/>
+                </a:ln>
+                <a:solidFill>
+                  <a:schemeClr val="bg2">
+                    <a:lumMod val="50000"/>
+                  </a:schemeClr>
+                </a:solidFill>
+                <a:effectLst/>
+                <a:uLnTx/>
+                <a:uFillTx/>
+                <a:latin typeface="Arial" panose="020B0604020202020204"/>
+                <a:ea typeface="+mn-ea"/>
+                <a:cs typeface="+mn-cs"/>
+              </a:rPr>
+              <a:t>7COM1079-2024  Student Group No: A169</a:t>
+            </a:r>
           </a:p>
         </p:txBody>
       </p:sp>
@@ -8207,14 +7330,6 @@
 </file>
 
 <file path=customXml/item1.xml><?xml version="1.0" encoding="utf-8"?>
-<p:properties xmlns:p="http://schemas.microsoft.com/office/2006/metadata/properties" xmlns:xsi="http://www.w3.org/2001/XMLSchema-instance" xmlns:pc="http://schemas.microsoft.com/office/infopath/2007/PartnerControls">
-  <documentManagement>
-    <Information xmlns="4ad138b4-2b68-4b70-945d-07f8f18b1c9a" xsi:nil="true"/>
-  </documentManagement>
-</p:properties>
-</file>
-
-<file path=customXml/item2.xml><?xml version="1.0" encoding="utf-8"?>
 <ct:contentTypeSchema xmlns:ct="http://schemas.microsoft.com/office/2006/metadata/contentType" xmlns:ma="http://schemas.microsoft.com/office/2006/metadata/properties/metaAttributes" ct:_="" ma:_="" ma:contentTypeName="Document" ma:contentTypeID="0x01010026DBA85F447B164191BB36C258697B67" ma:contentTypeVersion="14" ma:contentTypeDescription="Create a new document." ma:contentTypeScope="" ma:versionID="ea511d05ca7f895fe9556935b5c9af34">
   <xsd:schema xmlns:xsd="http://www.w3.org/2001/XMLSchema" xmlns:xs="http://www.w3.org/2001/XMLSchema" xmlns:p="http://schemas.microsoft.com/office/2006/metadata/properties" xmlns:ns2="4ad138b4-2b68-4b70-945d-07f8f18b1c9a" xmlns:ns3="3c474641-ec36-472f-b125-6b1b0910eaa4" targetNamespace="http://schemas.microsoft.com/office/2006/metadata/properties" ma:root="true" ma:fieldsID="662270106d7a7e100bcac2c5f8d29899" ns2:_="" ns3:_="">
     <xsd:import namespace="4ad138b4-2b68-4b70-945d-07f8f18b1c9a"/>
@@ -8439,6 +7554,14 @@
 </ct:contentTypeSchema>
 </file>
 
+<file path=customXml/item2.xml><?xml version="1.0" encoding="utf-8"?>
+<p:properties xmlns:p="http://schemas.microsoft.com/office/2006/metadata/properties" xmlns:xsi="http://www.w3.org/2001/XMLSchema-instance" xmlns:pc="http://schemas.microsoft.com/office/infopath/2007/PartnerControls">
+  <documentManagement>
+    <Information xmlns="4ad138b4-2b68-4b70-945d-07f8f18b1c9a" xsi:nil="true"/>
+  </documentManagement>
+</p:properties>
+</file>
+
 <file path=customXml/item3.xml><?xml version="1.0" encoding="utf-8"?>
 <?mso-contentType ?>
 <FormTemplates xmlns="http://schemas.microsoft.com/sharepoint/v3/contenttype/forms">
@@ -8449,23 +7572,6 @@
 </file>
 
 <file path=customXml/itemProps1.xml><?xml version="1.0" encoding="utf-8"?>
-<ds:datastoreItem xmlns:ds="http://schemas.openxmlformats.org/officeDocument/2006/customXml" ds:itemID="{EDD1FC41-23C7-41B0-B5F9-BF4CD38AD2ED}">
-  <ds:schemaRefs>
-    <ds:schemaRef ds:uri="http://schemas.microsoft.com/office/infopath/2007/PartnerControls"/>
-    <ds:schemaRef ds:uri="3c474641-ec36-472f-b125-6b1b0910eaa4"/>
-    <ds:schemaRef ds:uri="http://purl.org/dc/terms/"/>
-    <ds:schemaRef ds:uri="http://schemas.microsoft.com/office/2006/documentManagement/types"/>
-    <ds:schemaRef ds:uri="http://www.w3.org/XML/1998/namespace"/>
-    <ds:schemaRef ds:uri="http://purl.org/dc/elements/1.1/"/>
-    <ds:schemaRef ds:uri="http://schemas.openxmlformats.org/package/2006/metadata/core-properties"/>
-    <ds:schemaRef ds:uri="4ad138b4-2b68-4b70-945d-07f8f18b1c9a"/>
-    <ds:schemaRef ds:uri="http://schemas.microsoft.com/office/2006/metadata/properties"/>
-    <ds:schemaRef ds:uri="http://purl.org/dc/dcmitype/"/>
-  </ds:schemaRefs>
-</ds:datastoreItem>
-</file>
-
-<file path=customXml/itemProps2.xml><?xml version="1.0" encoding="utf-8"?>
 <ds:datastoreItem xmlns:ds="http://schemas.openxmlformats.org/officeDocument/2006/customXml" ds:itemID="{421B8C57-903D-4D0E-8336-7B512F760CD1}">
   <ds:schemaRefs>
     <ds:schemaRef ds:uri="http://schemas.microsoft.com/office/2006/metadata/contentType"/>
@@ -8484,6 +7590,23 @@
 </ds:datastoreItem>
 </file>
 
+<file path=customXml/itemProps2.xml><?xml version="1.0" encoding="utf-8"?>
+<ds:datastoreItem xmlns:ds="http://schemas.openxmlformats.org/officeDocument/2006/customXml" ds:itemID="{EDD1FC41-23C7-41B0-B5F9-BF4CD38AD2ED}">
+  <ds:schemaRefs>
+    <ds:schemaRef ds:uri="http://schemas.microsoft.com/office/infopath/2007/PartnerControls"/>
+    <ds:schemaRef ds:uri="3c474641-ec36-472f-b125-6b1b0910eaa4"/>
+    <ds:schemaRef ds:uri="http://purl.org/dc/terms/"/>
+    <ds:schemaRef ds:uri="http://schemas.microsoft.com/office/2006/documentManagement/types"/>
+    <ds:schemaRef ds:uri="http://www.w3.org/XML/1998/namespace"/>
+    <ds:schemaRef ds:uri="http://purl.org/dc/elements/1.1/"/>
+    <ds:schemaRef ds:uri="http://schemas.openxmlformats.org/package/2006/metadata/core-properties"/>
+    <ds:schemaRef ds:uri="4ad138b4-2b68-4b70-945d-07f8f18b1c9a"/>
+    <ds:schemaRef ds:uri="http://schemas.microsoft.com/office/2006/metadata/properties"/>
+    <ds:schemaRef ds:uri="http://purl.org/dc/dcmitype/"/>
+  </ds:schemaRefs>
+</ds:datastoreItem>
+</file>
+
 <file path=customXml/itemProps3.xml><?xml version="1.0" encoding="utf-8"?>
 <ds:datastoreItem xmlns:ds="http://schemas.openxmlformats.org/officeDocument/2006/customXml" ds:itemID="{91C521DD-2673-4EE6-BB9B-DC5C3320FFBB}">
   <ds:schemaRefs>
